--- a/論文レビュー_20260126.pptx
+++ b/論文レビュー_20260126.pptx
@@ -6,14 +6,21 @@
     <p:sldMasterId id="2147483648" r:id="rId2"/>
   </p:sldMasterIdLst>
   <p:notesMasterIdLst>
-    <p:notesMasterId r:id="rId8"/>
+    <p:notesMasterId r:id="rId15"/>
   </p:notesMasterIdLst>
   <p:sldIdLst>
-    <p:sldId id="256" r:id="rId3"/>
-    <p:sldId id="279" r:id="rId4"/>
-    <p:sldId id="280" r:id="rId5"/>
-    <p:sldId id="281" r:id="rId6"/>
-    <p:sldId id="282" r:id="rId7"/>
+    <p:sldId id="283" r:id="rId3"/>
+    <p:sldId id="284" r:id="rId4"/>
+    <p:sldId id="300" r:id="rId5"/>
+    <p:sldId id="286" r:id="rId6"/>
+    <p:sldId id="301" r:id="rId7"/>
+    <p:sldId id="302" r:id="rId8"/>
+    <p:sldId id="256" r:id="rId9"/>
+    <p:sldId id="279" r:id="rId10"/>
+    <p:sldId id="285" r:id="rId11"/>
+    <p:sldId id="280" r:id="rId12"/>
+    <p:sldId id="281" r:id="rId13"/>
+    <p:sldId id="282" r:id="rId14"/>
   </p:sldIdLst>
   <p:sldSz cx="12192000" cy="6858000"/>
   <p:notesSz cx="6858000" cy="9144000"/>
@@ -202,7 +209,7 @@
           <a:p>
             <a:fld id="{7CD3DBBB-9083-48F2-A813-7157E7295ADE}" type="datetimeFigureOut">
               <a:rPr kumimoji="1" lang="ja-JP" altLang="en-US" smtClean="0"/>
-              <a:t>2026/1/26</a:t>
+              <a:t>2026/1/27</a:t>
             </a:fld>
             <a:endParaRPr kumimoji="1" lang="ja-JP" altLang="en-US"/>
           </a:p>
@@ -501,6 +508,94 @@
 </p:notesMaster>
 </file>
 
+<file path=ppt/notesSlides/notesSlide1.xml><?xml version="1.0" encoding="utf-8"?>
+<p:notes xmlns:a="http://schemas.openxmlformats.org/drawingml/2006/main" xmlns:r="http://schemas.openxmlformats.org/officeDocument/2006/relationships" xmlns:p="http://schemas.openxmlformats.org/presentationml/2006/main">
+  <p:cSld>
+    <p:spTree>
+      <p:nvGrpSpPr>
+        <p:cNvPr id="1" name=""/>
+        <p:cNvGrpSpPr/>
+        <p:nvPr/>
+      </p:nvGrpSpPr>
+      <p:grpSpPr>
+        <a:xfrm>
+          <a:off x="0" y="0"/>
+          <a:ext cx="0" cy="0"/>
+          <a:chOff x="0" y="0"/>
+          <a:chExt cx="0" cy="0"/>
+        </a:xfrm>
+      </p:grpSpPr>
+      <p:sp>
+        <p:nvSpPr>
+          <p:cNvPr id="2" name="Slide Image Placeholder 1"/>
+          <p:cNvSpPr>
+            <a:spLocks noGrp="1" noRot="1" noChangeAspect="1"/>
+          </p:cNvSpPr>
+          <p:nvPr>
+            <p:ph type="sldImg"/>
+          </p:nvPr>
+        </p:nvSpPr>
+        <p:spPr/>
+      </p:sp>
+      <p:sp>
+        <p:nvSpPr>
+          <p:cNvPr id="3" name="Notes Placeholder 2"/>
+          <p:cNvSpPr>
+            <a:spLocks noGrp="1"/>
+          </p:cNvSpPr>
+          <p:nvPr>
+            <p:ph type="body" idx="1"/>
+          </p:nvPr>
+        </p:nvSpPr>
+        <p:spPr/>
+        <p:txBody>
+          <a:bodyPr/>
+          <a:lstStyle/>
+          <a:p>
+            <a:r>
+              <a:rPr kumimoji="1" lang="en-US" altLang="ja-JP" dirty="0"/>
+              <a:t>1.5</a:t>
+            </a:r>
+            <a:endParaRPr kumimoji="1" lang="ja-JP" altLang="en-US" dirty="0"/>
+          </a:p>
+        </p:txBody>
+      </p:sp>
+      <p:sp>
+        <p:nvSpPr>
+          <p:cNvPr id="4" name="Slide Number Placeholder 3"/>
+          <p:cNvSpPr>
+            <a:spLocks noGrp="1"/>
+          </p:cNvSpPr>
+          <p:nvPr>
+            <p:ph type="sldNum" sz="quarter" idx="5"/>
+          </p:nvPr>
+        </p:nvSpPr>
+        <p:spPr/>
+        <p:txBody>
+          <a:bodyPr/>
+          <a:lstStyle/>
+          <a:p>
+            <a:fld id="{09480E5D-39F6-4F21-9D62-24BE8E9E0E37}" type="slidenum">
+              <a:rPr kumimoji="1" lang="ja-JP" altLang="en-US" smtClean="0"/>
+              <a:t>3</a:t>
+            </a:fld>
+            <a:endParaRPr kumimoji="1" lang="ja-JP" altLang="en-US"/>
+          </a:p>
+        </p:txBody>
+      </p:sp>
+    </p:spTree>
+    <p:extLst>
+      <p:ext uri="{BB962C8B-B14F-4D97-AF65-F5344CB8AC3E}">
+        <p14:creationId xmlns:p14="http://schemas.microsoft.com/office/powerpoint/2010/main" val="3341870110"/>
+      </p:ext>
+    </p:extLst>
+  </p:cSld>
+  <p:clrMapOvr>
+    <a:masterClrMapping/>
+  </p:clrMapOvr>
+</p:notes>
+</file>
+
 <file path=ppt/slideLayouts/slideLayout1.xml><?xml version="1.0" encoding="utf-8"?>
 <p:sldLayout xmlns:a="http://schemas.openxmlformats.org/drawingml/2006/main" xmlns:r="http://schemas.openxmlformats.org/officeDocument/2006/relationships" xmlns:p="http://schemas.openxmlformats.org/presentationml/2006/main" preserve="1">
   <p:cSld name="Cover Page">
@@ -1671,7 +1766,7 @@
                 <a:tabLst/>
                 <a:defRPr/>
               </a:pPr>
-              <a:t>1/26/2026</a:t>
+              <a:t>1/27/2026</a:t>
             </a:fld>
             <a:endParaRPr kumimoji="0" lang="en-US" sz="600" b="0" i="0" u="none" strike="noStrike" kern="1200" cap="none" spc="0" normalizeH="0" baseline="0" noProof="0">
               <a:ln>
@@ -2125,7 +2220,7 @@
                 <a:tabLst/>
                 <a:defRPr/>
               </a:pPr>
-              <a:t>1/26/2026</a:t>
+              <a:t>1/27/2026</a:t>
             </a:fld>
             <a:endParaRPr kumimoji="0" lang="en-US" sz="600" b="0" i="0" u="none" strike="noStrike" kern="1200" cap="none" spc="0" normalizeH="0" baseline="0" noProof="0">
               <a:ln>
@@ -2605,7 +2700,7 @@
                 <a:tabLst/>
                 <a:defRPr/>
               </a:pPr>
-              <a:t>1/26/2026</a:t>
+              <a:t>1/27/2026</a:t>
             </a:fld>
             <a:endParaRPr kumimoji="0" lang="en-US" sz="600" b="0" i="0" u="none" strike="noStrike" kern="1200" cap="none" spc="0" normalizeH="0" baseline="0" noProof="0">
               <a:ln>
@@ -3458,7 +3553,7 @@
                 <a:tabLst/>
                 <a:defRPr/>
               </a:pPr>
-              <a:t>1/26/2026</a:t>
+              <a:t>1/27/2026</a:t>
             </a:fld>
             <a:endParaRPr kumimoji="0" lang="en-US" sz="600" b="0" i="0" u="none" strike="noStrike" kern="1200" cap="none" spc="0" normalizeH="0" baseline="0" noProof="0">
               <a:ln>
@@ -4069,7 +4164,7 @@
                 <a:tabLst/>
                 <a:defRPr/>
               </a:pPr>
-              <a:t>1/26/2026</a:t>
+              <a:t>1/27/2026</a:t>
             </a:fld>
             <a:endParaRPr kumimoji="0" lang="en-US" sz="600" b="0" i="0" u="none" strike="noStrike" kern="1200" cap="none" spc="0" normalizeH="0" baseline="0" noProof="0">
               <a:ln>
@@ -4489,7 +4584,7 @@
                 <a:tabLst/>
                 <a:defRPr/>
               </a:pPr>
-              <a:t>1/26/2026</a:t>
+              <a:t>1/27/2026</a:t>
             </a:fld>
             <a:endParaRPr kumimoji="0" lang="en-US" sz="600" b="0" i="0" u="none" strike="noStrike" kern="1200" cap="none" spc="0" normalizeH="0" baseline="0" noProof="0">
               <a:ln>
@@ -5433,7 +5528,7 @@
                 <a:tabLst/>
                 <a:defRPr/>
               </a:pPr>
-              <a:t>1/26/2026</a:t>
+              <a:t>1/27/2026</a:t>
             </a:fld>
             <a:endParaRPr kumimoji="0" lang="en-US" sz="600" b="0" i="0" u="none" strike="noStrike" kern="1200" cap="none" spc="0" normalizeH="0" baseline="0" noProof="0">
               <a:ln>
@@ -5824,7 +5919,7 @@
                 <a:tabLst/>
                 <a:defRPr/>
               </a:pPr>
-              <a:t>1/26/2026</a:t>
+              <a:t>1/27/2026</a:t>
             </a:fld>
             <a:endParaRPr kumimoji="0" lang="en-US" sz="600" b="0" i="0" u="none" strike="noStrike" kern="1200" cap="none" spc="0" normalizeH="0" baseline="0" noProof="0">
               <a:ln>
@@ -6479,7 +6574,7 @@
                 <a:tabLst/>
                 <a:defRPr/>
               </a:pPr>
-              <a:t>1/26/2026</a:t>
+              <a:t>1/27/2026</a:t>
             </a:fld>
             <a:endParaRPr kumimoji="0" lang="en-US" sz="600" b="0" i="0" u="none" strike="noStrike" kern="1200" cap="none" spc="0" normalizeH="0" baseline="0" noProof="0">
               <a:ln>
@@ -6947,7 +7042,7 @@
                 <a:tabLst/>
                 <a:defRPr/>
               </a:pPr>
-              <a:t>1/26/2026</a:t>
+              <a:t>1/27/2026</a:t>
             </a:fld>
             <a:endParaRPr kumimoji="0" lang="en-US" sz="600" b="0" i="0" u="none" strike="noStrike" kern="1200" cap="none" spc="0" normalizeH="0" baseline="0" noProof="0">
               <a:ln>
@@ -7580,7 +7675,7 @@
                 <a:tabLst/>
                 <a:defRPr/>
               </a:pPr>
-              <a:t>1/26/2026</a:t>
+              <a:t>1/27/2026</a:t>
             </a:fld>
             <a:endParaRPr kumimoji="0" lang="en-US" sz="600" b="0" i="0" u="none" strike="noStrike" kern="1200" cap="none" spc="0" normalizeH="0" baseline="0" noProof="0">
               <a:ln>
@@ -7935,7 +8030,7 @@
                 <a:tabLst/>
                 <a:defRPr/>
               </a:pPr>
-              <a:t>1/26/2026</a:t>
+              <a:t>1/27/2026</a:t>
             </a:fld>
             <a:endParaRPr kumimoji="0" lang="en-US" sz="600" b="0" i="0" u="none" strike="noStrike" kern="1200" cap="none" spc="0" normalizeH="0" baseline="0" noProof="0">
               <a:ln>
@@ -8219,7 +8314,7 @@
                 <a:tabLst/>
                 <a:defRPr/>
               </a:pPr>
-              <a:t>1/26/2026</a:t>
+              <a:t>1/27/2026</a:t>
             </a:fld>
             <a:endParaRPr kumimoji="0" lang="en-US" sz="600" b="0" i="0" u="none" strike="noStrike" kern="1200" cap="none" spc="0" normalizeH="0" baseline="0" noProof="0">
               <a:ln>
@@ -8814,7 +8909,7 @@
                 <a:tabLst/>
                 <a:defRPr/>
               </a:pPr>
-              <a:t>1/26/2026</a:t>
+              <a:t>1/27/2026</a:t>
             </a:fld>
             <a:endParaRPr kumimoji="0" lang="en-US" sz="600" b="0" i="0" u="none" strike="noStrike" kern="1200" cap="none" spc="0" normalizeH="0" baseline="0" noProof="0">
               <a:ln>
@@ -9863,7 +9958,7 @@
                 <a:tabLst/>
                 <a:defRPr/>
               </a:pPr>
-              <a:t>1/26/2026</a:t>
+              <a:t>1/27/2026</a:t>
             </a:fld>
             <a:endParaRPr kumimoji="0" lang="en-US" sz="600" b="0" i="0" u="none" strike="noStrike" kern="1200" cap="none" spc="0" normalizeH="0" baseline="0" noProof="0">
               <a:ln>
@@ -10462,7 +10557,7 @@
                 <a:tabLst/>
                 <a:defRPr/>
               </a:pPr>
-              <a:t>1/26/2026</a:t>
+              <a:t>1/27/2026</a:t>
             </a:fld>
             <a:endParaRPr kumimoji="0" lang="en-US" sz="600" b="0" i="0" u="none" strike="noStrike" kern="1200" cap="none" spc="0" normalizeH="0" baseline="0" noProof="0">
               <a:ln>
@@ -11048,7 +11143,7 @@
                 <a:tabLst/>
                 <a:defRPr/>
               </a:pPr>
-              <a:t>1/26/2026</a:t>
+              <a:t>1/27/2026</a:t>
             </a:fld>
             <a:endParaRPr kumimoji="0" lang="en-US" sz="600" b="0" i="0" u="none" strike="noStrike" kern="1200" cap="none" spc="0" normalizeH="0" baseline="0" noProof="0">
               <a:ln>
@@ -11593,7 +11688,7 @@
                 <a:tabLst/>
                 <a:defRPr/>
               </a:pPr>
-              <a:t>1/26/2026</a:t>
+              <a:t>1/27/2026</a:t>
             </a:fld>
             <a:endParaRPr kumimoji="0" lang="en-US" sz="600" b="0" i="0" u="none" strike="noStrike" kern="1200" cap="none" spc="0" normalizeH="0" baseline="0" noProof="0">
               <a:ln>
@@ -11879,7 +11974,7 @@
           <a:p>
             <a:fld id="{2396ED77-EC0D-4D91-BAFE-F649CEFC215E}" type="datetimeFigureOut">
               <a:rPr kumimoji="1" lang="ja-JP" altLang="en-US" smtClean="0"/>
-              <a:t>2026/1/26</a:t>
+              <a:t>2026/1/27</a:t>
             </a:fld>
             <a:endParaRPr kumimoji="1" lang="ja-JP" altLang="en-US"/>
           </a:p>
@@ -12079,7 +12174,7 @@
           <a:p>
             <a:fld id="{2396ED77-EC0D-4D91-BAFE-F649CEFC215E}" type="datetimeFigureOut">
               <a:rPr kumimoji="1" lang="ja-JP" altLang="en-US" smtClean="0"/>
-              <a:t>2026/1/26</a:t>
+              <a:t>2026/1/27</a:t>
             </a:fld>
             <a:endParaRPr kumimoji="1" lang="ja-JP" altLang="en-US"/>
           </a:p>
@@ -12324,7 +12419,7 @@
           <a:p>
             <a:fld id="{2396ED77-EC0D-4D91-BAFE-F649CEFC215E}" type="datetimeFigureOut">
               <a:rPr kumimoji="1" lang="ja-JP" altLang="en-US" smtClean="0"/>
-              <a:t>2026/1/26</a:t>
+              <a:t>2026/1/27</a:t>
             </a:fld>
             <a:endParaRPr kumimoji="1" lang="ja-JP" altLang="en-US"/>
           </a:p>
@@ -12787,7 +12882,7 @@
                 <a:tabLst/>
                 <a:defRPr/>
               </a:pPr>
-              <a:t>1/26/2026</a:t>
+              <a:t>1/27/2026</a:t>
             </a:fld>
             <a:endParaRPr kumimoji="0" lang="en-US" sz="600" b="0" i="0" u="none" strike="noStrike" kern="1200" cap="none" spc="0" normalizeH="0" baseline="0" noProof="0">
               <a:ln>
@@ -13303,7 +13398,7 @@
           <a:p>
             <a:fld id="{2396ED77-EC0D-4D91-BAFE-F649CEFC215E}" type="datetimeFigureOut">
               <a:rPr kumimoji="1" lang="ja-JP" altLang="en-US" smtClean="0"/>
-              <a:t>2026/1/26</a:t>
+              <a:t>2026/1/27</a:t>
             </a:fld>
             <a:endParaRPr kumimoji="1" lang="ja-JP" altLang="en-US"/>
           </a:p>
@@ -13731,7 +13826,7 @@
           <a:p>
             <a:fld id="{2396ED77-EC0D-4D91-BAFE-F649CEFC215E}" type="datetimeFigureOut">
               <a:rPr kumimoji="1" lang="ja-JP" altLang="en-US" smtClean="0"/>
-              <a:t>2026/1/26</a:t>
+              <a:t>2026/1/27</a:t>
             </a:fld>
             <a:endParaRPr kumimoji="1" lang="ja-JP" altLang="en-US"/>
           </a:p>
@@ -13848,7 +13943,7 @@
           <a:p>
             <a:fld id="{2396ED77-EC0D-4D91-BAFE-F649CEFC215E}" type="datetimeFigureOut">
               <a:rPr kumimoji="1" lang="ja-JP" altLang="en-US" smtClean="0"/>
-              <a:t>2026/1/26</a:t>
+              <a:t>2026/1/27</a:t>
             </a:fld>
             <a:endParaRPr kumimoji="1" lang="ja-JP" altLang="en-US"/>
           </a:p>
@@ -13943,7 +14038,7 @@
           <a:p>
             <a:fld id="{2396ED77-EC0D-4D91-BAFE-F649CEFC215E}" type="datetimeFigureOut">
               <a:rPr kumimoji="1" lang="ja-JP" altLang="en-US" smtClean="0"/>
-              <a:t>2026/1/26</a:t>
+              <a:t>2026/1/27</a:t>
             </a:fld>
             <a:endParaRPr kumimoji="1" lang="ja-JP" altLang="en-US"/>
           </a:p>
@@ -14250,7 +14345,7 @@
           <a:p>
             <a:fld id="{2396ED77-EC0D-4D91-BAFE-F649CEFC215E}" type="datetimeFigureOut">
               <a:rPr kumimoji="1" lang="ja-JP" altLang="en-US" smtClean="0"/>
-              <a:t>2026/1/26</a:t>
+              <a:t>2026/1/27</a:t>
             </a:fld>
             <a:endParaRPr kumimoji="1" lang="ja-JP" altLang="en-US"/>
           </a:p>
@@ -14502,7 +14597,7 @@
           <a:p>
             <a:fld id="{2396ED77-EC0D-4D91-BAFE-F649CEFC215E}" type="datetimeFigureOut">
               <a:rPr kumimoji="1" lang="ja-JP" altLang="en-US" smtClean="0"/>
-              <a:t>2026/1/26</a:t>
+              <a:t>2026/1/27</a:t>
             </a:fld>
             <a:endParaRPr kumimoji="1" lang="ja-JP" altLang="en-US"/>
           </a:p>
@@ -14702,7 +14797,7 @@
           <a:p>
             <a:fld id="{2396ED77-EC0D-4D91-BAFE-F649CEFC215E}" type="datetimeFigureOut">
               <a:rPr kumimoji="1" lang="ja-JP" altLang="en-US" smtClean="0"/>
-              <a:t>2026/1/26</a:t>
+              <a:t>2026/1/27</a:t>
             </a:fld>
             <a:endParaRPr kumimoji="1" lang="ja-JP" altLang="en-US"/>
           </a:p>
@@ -14912,7 +15007,7 @@
           <a:p>
             <a:fld id="{2396ED77-EC0D-4D91-BAFE-F649CEFC215E}" type="datetimeFigureOut">
               <a:rPr kumimoji="1" lang="ja-JP" altLang="en-US" smtClean="0"/>
-              <a:t>2026/1/26</a:t>
+              <a:t>2026/1/27</a:t>
             </a:fld>
             <a:endParaRPr kumimoji="1" lang="ja-JP" altLang="en-US"/>
           </a:p>
@@ -15267,7 +15362,7 @@
                 <a:tabLst/>
                 <a:defRPr/>
               </a:pPr>
-              <a:t>1/26/2026</a:t>
+              <a:t>1/27/2026</a:t>
             </a:fld>
             <a:endParaRPr kumimoji="0" lang="en-US" sz="600" b="0" i="0" u="none" strike="noStrike" kern="1200" cap="none" spc="0" normalizeH="0" baseline="0" noProof="0">
               <a:ln>
@@ -15775,7 +15870,7 @@
                 <a:tabLst/>
                 <a:defRPr/>
               </a:pPr>
-              <a:t>1/26/2026</a:t>
+              <a:t>1/27/2026</a:t>
             </a:fld>
             <a:endParaRPr kumimoji="0" lang="en-US" sz="600" b="0" i="0" u="none" strike="noStrike" kern="1200" cap="none" spc="0" normalizeH="0" baseline="0" noProof="0">
               <a:ln>
@@ -16480,7 +16575,7 @@
                 <a:tabLst/>
                 <a:defRPr/>
               </a:pPr>
-              <a:t>1/26/2026</a:t>
+              <a:t>1/27/2026</a:t>
             </a:fld>
             <a:endParaRPr kumimoji="0" lang="en-US" sz="600" b="0" i="0" u="none" strike="noStrike" kern="1200" cap="none" spc="0" normalizeH="0" baseline="0" noProof="0">
               <a:ln>
@@ -16848,7 +16943,7 @@
                 <a:tabLst/>
                 <a:defRPr/>
               </a:pPr>
-              <a:t>1/26/2026</a:t>
+              <a:t>1/27/2026</a:t>
             </a:fld>
             <a:endParaRPr kumimoji="0" lang="en-US" sz="600" b="0" i="0" u="none" strike="noStrike" kern="1200" cap="none" spc="0" normalizeH="0" baseline="0" noProof="0">
               <a:ln>
@@ -17307,7 +17402,7 @@
                 <a:tabLst/>
                 <a:defRPr/>
               </a:pPr>
-              <a:t>1/26/2026</a:t>
+              <a:t>1/27/2026</a:t>
             </a:fld>
             <a:endParaRPr kumimoji="0" lang="en-US" sz="600" b="0" i="0" u="none" strike="noStrike" kern="1200" cap="none" spc="0" normalizeH="0" baseline="0" noProof="0">
               <a:ln>
@@ -17896,7 +17991,7 @@
                 <a:tabLst/>
                 <a:defRPr/>
               </a:pPr>
-              <a:t>1/26/2026</a:t>
+              <a:t>1/27/2026</a:t>
             </a:fld>
             <a:endParaRPr kumimoji="0" lang="en-US" sz="600" b="0" i="0" u="none" strike="noStrike" kern="1200" cap="none" spc="0" normalizeH="0" baseline="0" noProof="0">
               <a:ln>
@@ -18368,7 +18463,7 @@
                 <a:tabLst/>
                 <a:defRPr/>
               </a:pPr>
-              <a:t>1/26/2026</a:t>
+              <a:t>1/27/2026</a:t>
             </a:fld>
             <a:endParaRPr kumimoji="0" lang="en-US" sz="600" b="0" i="0" u="none" strike="noStrike" kern="1200" cap="none" spc="0" normalizeH="0" baseline="0" noProof="0">
               <a:ln>
@@ -19660,7 +19755,7 @@
           <a:p>
             <a:fld id="{2396ED77-EC0D-4D91-BAFE-F649CEFC215E}" type="datetimeFigureOut">
               <a:rPr kumimoji="1" lang="ja-JP" altLang="en-US" smtClean="0"/>
-              <a:t>2026/1/26</a:t>
+              <a:t>2026/1/27</a:t>
             </a:fld>
             <a:endParaRPr kumimoji="1" lang="ja-JP" altLang="en-US"/>
           </a:p>
@@ -20067,7 +20162,13 @@
       </p:grpSpPr>
       <p:sp>
         <p:nvSpPr>
-          <p:cNvPr id="2" name="図プレースホルダー 1"/>
+          <p:cNvPr id="2" name="Picture Placeholder 1">
+            <a:extLst>
+              <a:ext uri="{FF2B5EF4-FFF2-40B4-BE49-F238E27FC236}">
+                <a16:creationId xmlns:a16="http://schemas.microsoft.com/office/drawing/2014/main" id="{C85B26A8-F4B4-3B89-0120-5359A8D7F302}"/>
+              </a:ext>
+            </a:extLst>
+          </p:cNvPr>
           <p:cNvSpPr>
             <a:spLocks noGrp="1"/>
           </p:cNvSpPr>
@@ -20086,7 +20187,13 @@
       </p:sp>
       <p:sp>
         <p:nvSpPr>
-          <p:cNvPr id="3" name="テキスト プレースホルダー 2"/>
+          <p:cNvPr id="3" name="Text Placeholder 2">
+            <a:extLst>
+              <a:ext uri="{FF2B5EF4-FFF2-40B4-BE49-F238E27FC236}">
+                <a16:creationId xmlns:a16="http://schemas.microsoft.com/office/drawing/2014/main" id="{B76DB62C-9CBE-D146-E462-BA44F05D5A13}"/>
+              </a:ext>
+            </a:extLst>
+          </p:cNvPr>
           <p:cNvSpPr>
             <a:spLocks noGrp="1"/>
           </p:cNvSpPr>
@@ -20094,72 +20201,1558 @@
             <p:ph type="body" idx="14"/>
           </p:nvPr>
         </p:nvSpPr>
-        <p:spPr>
-          <a:xfrm>
-            <a:off x="838200" y="2902604"/>
-            <a:ext cx="10515600" cy="1431026"/>
-          </a:xfrm>
-        </p:spPr>
+        <p:spPr/>
         <p:txBody>
           <a:bodyPr/>
           <a:lstStyle/>
           <a:p>
             <a:r>
               <a:rPr kumimoji="1" lang="ja-JP" altLang="en-US" dirty="0"/>
-              <a:t>論文レビュー</a:t>
-            </a:r>
-            <a:endParaRPr kumimoji="1" lang="en-US" altLang="ja-JP" dirty="0"/>
-          </a:p>
-          <a:p>
-            <a:r>
-              <a:rPr lang="en-US" altLang="ja-JP" sz="2400" dirty="0"/>
-              <a:t>2026/1/26</a:t>
-            </a:r>
-            <a:r>
-              <a:rPr lang="ja-JP" altLang="en-US" sz="2400" dirty="0"/>
-              <a:t>　</a:t>
-            </a:r>
-            <a:r>
-              <a:rPr lang="en-US" altLang="zh-CN" sz="2400" dirty="0"/>
-              <a:t>Bing</a:t>
-            </a:r>
-            <a:endParaRPr kumimoji="1" lang="en-US" altLang="ja-JP" sz="2400" dirty="0"/>
-          </a:p>
-          <a:p>
-            <a:r>
-              <a:rPr kumimoji="1" lang="en-US" altLang="ja-JP" sz="2000" dirty="0"/>
-              <a:t>Neural network trained on synthetically generated crystals can extract structural information from ICSD powder X-ray diffractograms</a:t>
-            </a:r>
-          </a:p>
-          <a:p>
-            <a:r>
-              <a:rPr lang="en-US" altLang="ja-JP" sz="2000" dirty="0"/>
-              <a:t>H. </a:t>
-            </a:r>
-            <a:r>
-              <a:rPr lang="en-US" altLang="ja-JP" sz="2000" dirty="0" err="1"/>
-              <a:t>Schopmans</a:t>
-            </a:r>
-            <a:r>
-              <a:rPr lang="en-US" altLang="ja-JP" sz="2000" dirty="0"/>
-              <a:t>, P. Reiser, P. </a:t>
-            </a:r>
-            <a:r>
-              <a:rPr lang="en-US" altLang="ja-JP" sz="2000" dirty="0" err="1"/>
-              <a:t>Friederich</a:t>
-            </a:r>
-            <a:r>
-              <a:rPr lang="en-US" altLang="ja-JP" sz="2000" dirty="0"/>
-              <a:t>, arXiv:2303.11699</a:t>
-            </a:r>
-            <a:endParaRPr kumimoji="1" lang="en-US" altLang="ja-JP" sz="2000" dirty="0"/>
+              <a:t>機械学習ミーティング</a:t>
+            </a:r>
           </a:p>
         </p:txBody>
       </p:sp>
     </p:spTree>
     <p:extLst>
       <p:ext uri="{BB962C8B-B14F-4D97-AF65-F5344CB8AC3E}">
-        <p14:creationId xmlns:p14="http://schemas.microsoft.com/office/powerpoint/2010/main" val="3399486629"/>
+        <p14:creationId xmlns:p14="http://schemas.microsoft.com/office/powerpoint/2010/main" val="3575467963"/>
+      </p:ext>
+    </p:extLst>
+  </p:cSld>
+  <p:clrMapOvr>
+    <a:masterClrMapping/>
+  </p:clrMapOvr>
+  <p:transition spd="slow">
+    <p:push/>
+  </p:transition>
+</p:sld>
+</file>
+
+<file path=ppt/slides/slide10.xml><?xml version="1.0" encoding="utf-8"?>
+<p:sld xmlns:a="http://schemas.openxmlformats.org/drawingml/2006/main" xmlns:r="http://schemas.openxmlformats.org/officeDocument/2006/relationships" xmlns:p="http://schemas.openxmlformats.org/presentationml/2006/main">
+  <p:cSld>
+    <p:spTree>
+      <p:nvGrpSpPr>
+        <p:cNvPr id="1" name=""/>
+        <p:cNvGrpSpPr/>
+        <p:nvPr/>
+      </p:nvGrpSpPr>
+      <p:grpSpPr>
+        <a:xfrm>
+          <a:off x="0" y="0"/>
+          <a:ext cx="0" cy="0"/>
+          <a:chOff x="0" y="0"/>
+          <a:chExt cx="0" cy="0"/>
+        </a:xfrm>
+      </p:grpSpPr>
+      <p:sp>
+        <p:nvSpPr>
+          <p:cNvPr id="2" name="タイトル 1"/>
+          <p:cNvSpPr>
+            <a:spLocks noGrp="1"/>
+          </p:cNvSpPr>
+          <p:nvPr>
+            <p:ph type="title"/>
+          </p:nvPr>
+        </p:nvSpPr>
+        <p:spPr/>
+        <p:txBody>
+          <a:bodyPr>
+            <a:normAutofit/>
+          </a:bodyPr>
+          <a:lstStyle/>
+          <a:p>
+            <a:r>
+              <a:rPr lang="ja-JP" altLang="en-US" sz="3600" dirty="0"/>
+              <a:t>学習</a:t>
+            </a:r>
+            <a:endParaRPr kumimoji="1" lang="ja-JP" altLang="en-US" sz="3600" dirty="0"/>
+          </a:p>
+        </p:txBody>
+      </p:sp>
+      <p:sp>
+        <p:nvSpPr>
+          <p:cNvPr id="3" name="コンテンツ プレースホルダー 2"/>
+          <p:cNvSpPr>
+            <a:spLocks noGrp="1"/>
+          </p:cNvSpPr>
+          <p:nvPr>
+            <p:ph idx="1"/>
+          </p:nvPr>
+        </p:nvSpPr>
+        <p:spPr>
+          <a:xfrm>
+            <a:off x="838200" y="1088136"/>
+            <a:ext cx="10515600" cy="5230367"/>
+          </a:xfrm>
+        </p:spPr>
+        <p:txBody>
+          <a:bodyPr>
+            <a:normAutofit/>
+          </a:bodyPr>
+          <a:lstStyle/>
+          <a:p>
+            <a:pPr marL="0" indent="0">
+              <a:buNone/>
+            </a:pPr>
+            <a:r>
+              <a:rPr lang="en-US" altLang="ja-JP" sz="2000" dirty="0">
+                <a:solidFill>
+                  <a:schemeClr val="tx2"/>
+                </a:solidFill>
+              </a:rPr>
+              <a:t>‣</a:t>
+            </a:r>
+            <a:r>
+              <a:rPr lang="ja-JP" altLang="en-US" sz="2000" dirty="0">
+                <a:solidFill>
+                  <a:schemeClr val="tx2"/>
+                </a:solidFill>
+              </a:rPr>
+              <a:t>学習データ生成</a:t>
+            </a:r>
+            <a:endParaRPr lang="en-US" altLang="ja-JP" sz="2000" dirty="0">
+              <a:solidFill>
+                <a:schemeClr val="tx2"/>
+              </a:solidFill>
+            </a:endParaRPr>
+          </a:p>
+          <a:p>
+            <a:pPr marL="0" indent="0">
+              <a:spcBef>
+                <a:spcPts val="1800"/>
+              </a:spcBef>
+              <a:buNone/>
+            </a:pPr>
+            <a:r>
+              <a:rPr lang="ja-JP" altLang="en-US" sz="2000" dirty="0">
+                <a:solidFill>
+                  <a:schemeClr val="tx2"/>
+                </a:solidFill>
+              </a:rPr>
+              <a:t>　　</a:t>
+            </a:r>
+            <a:r>
+              <a:rPr lang="en-US" altLang="ja-JP" sz="2000" dirty="0">
+                <a:solidFill>
+                  <a:schemeClr val="tx2"/>
+                </a:solidFill>
+              </a:rPr>
+              <a:t>1.</a:t>
+            </a:r>
+            <a:r>
+              <a:rPr lang="ja-JP" altLang="en-US" sz="2000" dirty="0">
+                <a:solidFill>
+                  <a:schemeClr val="tx2"/>
+                </a:solidFill>
+              </a:rPr>
+              <a:t> 空間群をランダムに選ぶ</a:t>
+            </a:r>
+            <a:endParaRPr lang="en-US" altLang="ja-JP" sz="2000" dirty="0">
+              <a:solidFill>
+                <a:schemeClr val="tx2"/>
+              </a:solidFill>
+            </a:endParaRPr>
+          </a:p>
+          <a:p>
+            <a:pPr marL="0" indent="0">
+              <a:buNone/>
+            </a:pPr>
+            <a:r>
+              <a:rPr lang="ja-JP" altLang="en-US" sz="2000" dirty="0">
+                <a:solidFill>
+                  <a:schemeClr val="tx2"/>
+                </a:solidFill>
+              </a:rPr>
+              <a:t>　　</a:t>
+            </a:r>
+            <a:r>
+              <a:rPr lang="en-US" altLang="ja-JP" sz="2000" dirty="0">
+                <a:solidFill>
+                  <a:schemeClr val="tx2"/>
+                </a:solidFill>
+              </a:rPr>
+              <a:t>2. </a:t>
+            </a:r>
+            <a:r>
+              <a:rPr lang="ja-JP" altLang="en-US" sz="2000" dirty="0">
+                <a:solidFill>
+                  <a:schemeClr val="tx2"/>
+                </a:solidFill>
+              </a:rPr>
+              <a:t>非対称単位中の原子の種類・数を決める</a:t>
+            </a:r>
+            <a:endParaRPr lang="en-US" altLang="ja-JP" sz="2000" dirty="0">
+              <a:solidFill>
+                <a:schemeClr val="tx2"/>
+              </a:solidFill>
+            </a:endParaRPr>
+          </a:p>
+          <a:p>
+            <a:pPr marL="0" indent="0">
+              <a:buNone/>
+            </a:pPr>
+            <a:r>
+              <a:rPr lang="ja-JP" altLang="en-US" sz="2000" dirty="0">
+                <a:solidFill>
+                  <a:schemeClr val="tx2"/>
+                </a:solidFill>
+              </a:rPr>
+              <a:t>　　</a:t>
+            </a:r>
+            <a:r>
+              <a:rPr lang="en-US" altLang="ja-JP" sz="2000" dirty="0">
+                <a:solidFill>
+                  <a:schemeClr val="tx2"/>
+                </a:solidFill>
+              </a:rPr>
+              <a:t>3. </a:t>
+            </a:r>
+            <a:r>
+              <a:rPr lang="ja-JP" altLang="en-US" sz="2000" dirty="0">
+                <a:solidFill>
+                  <a:schemeClr val="tx2"/>
+                </a:solidFill>
+              </a:rPr>
+              <a:t>原子を</a:t>
+            </a:r>
+            <a:r>
+              <a:rPr lang="en-US" altLang="ja-JP" sz="2000" dirty="0">
+                <a:solidFill>
+                  <a:schemeClr val="tx2"/>
+                </a:solidFill>
+              </a:rPr>
+              <a:t>Wyckoff</a:t>
+            </a:r>
+            <a:r>
+              <a:rPr lang="ja-JP" altLang="en-US" sz="2000" dirty="0">
+                <a:solidFill>
+                  <a:schemeClr val="tx2"/>
+                </a:solidFill>
+              </a:rPr>
+              <a:t>位置に配置する</a:t>
+            </a:r>
+            <a:endParaRPr lang="en-US" altLang="ja-JP" sz="2000" dirty="0">
+              <a:solidFill>
+                <a:schemeClr val="tx2"/>
+              </a:solidFill>
+            </a:endParaRPr>
+          </a:p>
+          <a:p>
+            <a:pPr marL="0" indent="0">
+              <a:buNone/>
+            </a:pPr>
+            <a:r>
+              <a:rPr lang="ja-JP" altLang="en-US" sz="2000" dirty="0">
+                <a:solidFill>
+                  <a:schemeClr val="tx2"/>
+                </a:solidFill>
+              </a:rPr>
+              <a:t>　　</a:t>
+            </a:r>
+            <a:r>
+              <a:rPr lang="en-US" altLang="ja-JP" sz="2000" dirty="0">
+                <a:solidFill>
+                  <a:schemeClr val="tx2"/>
+                </a:solidFill>
+              </a:rPr>
+              <a:t>4. </a:t>
+            </a:r>
+            <a:r>
+              <a:rPr lang="ja-JP" altLang="en-US" sz="2000" dirty="0">
+                <a:solidFill>
+                  <a:schemeClr val="tx2"/>
+                </a:solidFill>
+              </a:rPr>
+              <a:t>格子定数を</a:t>
+            </a:r>
+            <a:r>
+              <a:rPr lang="en-US" altLang="ja-JP" sz="2000" dirty="0">
+                <a:solidFill>
+                  <a:schemeClr val="tx2"/>
+                </a:solidFill>
+              </a:rPr>
+              <a:t>ICSD</a:t>
+            </a:r>
+            <a:r>
+              <a:rPr lang="ja-JP" altLang="en-US" sz="2000" dirty="0">
+                <a:solidFill>
+                  <a:schemeClr val="tx2"/>
+                </a:solidFill>
+              </a:rPr>
+              <a:t>に基づくカーネル密度推定で決める</a:t>
+            </a:r>
+            <a:endParaRPr lang="en-US" altLang="ja-JP" sz="2000" dirty="0">
+              <a:solidFill>
+                <a:schemeClr val="tx2"/>
+              </a:solidFill>
+            </a:endParaRPr>
+          </a:p>
+          <a:p>
+            <a:pPr marL="0" indent="0">
+              <a:buNone/>
+            </a:pPr>
+            <a:r>
+              <a:rPr lang="ja-JP" altLang="en-US" sz="2000" dirty="0">
+                <a:solidFill>
+                  <a:schemeClr val="tx2"/>
+                </a:solidFill>
+              </a:rPr>
+              <a:t>　　</a:t>
+            </a:r>
+            <a:r>
+              <a:rPr lang="en-US" altLang="ja-JP" sz="2000" dirty="0">
+                <a:solidFill>
+                  <a:schemeClr val="tx2"/>
+                </a:solidFill>
+              </a:rPr>
+              <a:t>5. </a:t>
+            </a:r>
+            <a:r>
+              <a:rPr lang="ja-JP" altLang="en-US" sz="2000" dirty="0">
+                <a:solidFill>
+                  <a:schemeClr val="tx2"/>
+                </a:solidFill>
+              </a:rPr>
+              <a:t>対称操作により単位格子を得る</a:t>
+            </a:r>
+            <a:endParaRPr lang="en-US" altLang="ja-JP" sz="2000" dirty="0">
+              <a:solidFill>
+                <a:schemeClr val="tx2"/>
+              </a:solidFill>
+            </a:endParaRPr>
+          </a:p>
+          <a:p>
+            <a:pPr marL="0" indent="0">
+              <a:spcBef>
+                <a:spcPts val="1800"/>
+              </a:spcBef>
+              <a:buNone/>
+            </a:pPr>
+            <a:r>
+              <a:rPr lang="ja-JP" altLang="en-US" sz="2000" dirty="0">
+                <a:solidFill>
+                  <a:schemeClr val="tx2"/>
+                </a:solidFill>
+              </a:rPr>
+              <a:t>　・</a:t>
+            </a:r>
+            <a:r>
+              <a:rPr lang="en-US" altLang="ja-JP" sz="2000" dirty="0">
+                <a:solidFill>
+                  <a:schemeClr val="tx2"/>
+                </a:solidFill>
+              </a:rPr>
+              <a:t>2, 3</a:t>
+            </a:r>
+            <a:r>
+              <a:rPr lang="ja-JP" altLang="en-US" sz="2000" dirty="0">
+                <a:solidFill>
+                  <a:schemeClr val="tx2"/>
+                </a:solidFill>
+              </a:rPr>
+              <a:t>は、</a:t>
+            </a:r>
+            <a:r>
+              <a:rPr lang="en-US" altLang="ja-JP" sz="2000" dirty="0">
+                <a:solidFill>
+                  <a:schemeClr val="tx2"/>
+                </a:solidFill>
+              </a:rPr>
+              <a:t>ICSD</a:t>
+            </a:r>
+            <a:r>
+              <a:rPr lang="ja-JP" altLang="en-US" sz="2000" dirty="0">
+                <a:solidFill>
+                  <a:schemeClr val="tx2"/>
+                </a:solidFill>
+              </a:rPr>
+              <a:t>に含まれる結晶の分布に従って、ランダムに選択する</a:t>
+            </a:r>
+            <a:endParaRPr lang="en-US" altLang="ja-JP" sz="2000" dirty="0">
+              <a:solidFill>
+                <a:schemeClr val="tx2"/>
+              </a:solidFill>
+            </a:endParaRPr>
+          </a:p>
+          <a:p>
+            <a:pPr marL="0" indent="0">
+              <a:buNone/>
+            </a:pPr>
+            <a:r>
+              <a:rPr lang="ja-JP" altLang="en-US" sz="2000" dirty="0">
+                <a:solidFill>
+                  <a:schemeClr val="tx2"/>
+                </a:solidFill>
+              </a:rPr>
+              <a:t>　・制限は、自由度０の</a:t>
+            </a:r>
+            <a:r>
+              <a:rPr lang="en-US" altLang="ja-JP" sz="2000" dirty="0">
+                <a:solidFill>
+                  <a:schemeClr val="tx2"/>
+                </a:solidFill>
+              </a:rPr>
+              <a:t>Wyckoff</a:t>
+            </a:r>
+            <a:r>
+              <a:rPr lang="ja-JP" altLang="en-US" sz="2000" dirty="0">
+                <a:solidFill>
+                  <a:schemeClr val="tx2"/>
+                </a:solidFill>
+              </a:rPr>
+              <a:t>位置に複数の原子を置かないことのみ</a:t>
+            </a:r>
+            <a:endParaRPr lang="en-US" altLang="ja-JP" sz="2000" dirty="0">
+              <a:solidFill>
+                <a:schemeClr val="tx2"/>
+              </a:solidFill>
+            </a:endParaRPr>
+          </a:p>
+          <a:p>
+            <a:pPr marL="0" indent="0">
+              <a:buNone/>
+            </a:pPr>
+            <a:r>
+              <a:rPr lang="ja-JP" altLang="en-US" sz="2000" dirty="0">
+                <a:solidFill>
+                  <a:schemeClr val="tx2"/>
+                </a:solidFill>
+              </a:rPr>
+              <a:t>　・</a:t>
+            </a:r>
+            <a:r>
+              <a:rPr lang="ja-JP" altLang="en-US" sz="2000" b="1" dirty="0">
+                <a:solidFill>
+                  <a:schemeClr val="tx2"/>
+                </a:solidFill>
+              </a:rPr>
+              <a:t>構造の安定性、原子の衝突などは考慮しない</a:t>
+            </a:r>
+            <a:endParaRPr lang="en-US" altLang="ja-JP" sz="2000" b="1" dirty="0">
+              <a:solidFill>
+                <a:schemeClr val="tx2"/>
+              </a:solidFill>
+            </a:endParaRPr>
+          </a:p>
+        </p:txBody>
+      </p:sp>
+      <p:sp>
+        <p:nvSpPr>
+          <p:cNvPr id="4" name="スライド番号プレースホルダー 3"/>
+          <p:cNvSpPr>
+            <a:spLocks noGrp="1"/>
+          </p:cNvSpPr>
+          <p:nvPr>
+            <p:ph type="sldNum" sz="quarter" idx="12"/>
+          </p:nvPr>
+        </p:nvSpPr>
+        <p:spPr/>
+        <p:txBody>
+          <a:bodyPr/>
+          <a:lstStyle/>
+          <a:p>
+            <a:pPr marL="0" marR="0" lvl="0" indent="0" algn="ctr" defTabSz="914400" rtl="0" eaLnBrk="1" fontAlgn="auto" latinLnBrk="0" hangingPunct="1">
+              <a:lnSpc>
+                <a:spcPct val="100000"/>
+              </a:lnSpc>
+              <a:spcBef>
+                <a:spcPts val="0"/>
+              </a:spcBef>
+              <a:spcAft>
+                <a:spcPts val="0"/>
+              </a:spcAft>
+              <a:buClrTx/>
+              <a:buSzTx/>
+              <a:buFontTx/>
+              <a:buNone/>
+              <a:tabLst/>
+              <a:defRPr/>
+            </a:pPr>
+            <a:fld id="{D44D3F4E-7F9B-4AD4-ADA0-3F21E9F7E4F4}" type="slidenum">
+              <a:rPr kumimoji="0" lang="en-US" sz="800" b="0" i="0" u="none" strike="noStrike" kern="1200" cap="none" spc="0" normalizeH="0" baseline="0" noProof="0" smtClean="0">
+                <a:ln>
+                  <a:noFill/>
+                </a:ln>
+                <a:solidFill>
+                  <a:srgbClr val="FFFFFF"/>
+                </a:solidFill>
+                <a:effectLst/>
+                <a:uLnTx/>
+                <a:uFillTx/>
+                <a:latin typeface="Segoe UI Semilight"/>
+                <a:ea typeface="メイリオ"/>
+                <a:cs typeface="+mn-cs"/>
+              </a:rPr>
+              <a:pPr marL="0" marR="0" lvl="0" indent="0" algn="ctr" defTabSz="914400" rtl="0" eaLnBrk="1" fontAlgn="auto" latinLnBrk="0" hangingPunct="1">
+                <a:lnSpc>
+                  <a:spcPct val="100000"/>
+                </a:lnSpc>
+                <a:spcBef>
+                  <a:spcPts val="0"/>
+                </a:spcBef>
+                <a:spcAft>
+                  <a:spcPts val="0"/>
+                </a:spcAft>
+                <a:buClrTx/>
+                <a:buSzTx/>
+                <a:buFontTx/>
+                <a:buNone/>
+                <a:tabLst/>
+                <a:defRPr/>
+              </a:pPr>
+              <a:t>10</a:t>
+            </a:fld>
+            <a:endParaRPr kumimoji="0" lang="en-US" sz="800" b="0" i="0" u="none" strike="noStrike" kern="1200" cap="none" spc="0" normalizeH="0" baseline="0" noProof="0">
+              <a:ln>
+                <a:noFill/>
+              </a:ln>
+              <a:solidFill>
+                <a:srgbClr val="FFFFFF"/>
+              </a:solidFill>
+              <a:effectLst/>
+              <a:uLnTx/>
+              <a:uFillTx/>
+              <a:latin typeface="Segoe UI Semilight"/>
+              <a:ea typeface="メイリオ"/>
+              <a:cs typeface="+mn-cs"/>
+            </a:endParaRPr>
+          </a:p>
+        </p:txBody>
+      </p:sp>
+      <p:sp>
+        <p:nvSpPr>
+          <p:cNvPr id="5" name="フッター プレースホルダー 4"/>
+          <p:cNvSpPr>
+            <a:spLocks noGrp="1"/>
+          </p:cNvSpPr>
+          <p:nvPr>
+            <p:ph type="ftr" sz="quarter" idx="11"/>
+          </p:nvPr>
+        </p:nvSpPr>
+        <p:spPr/>
+        <p:txBody>
+          <a:bodyPr/>
+          <a:lstStyle/>
+          <a:p>
+            <a:pPr>
+              <a:defRPr/>
+            </a:pPr>
+            <a:r>
+              <a:rPr kumimoji="0" lang="en-US">
+                <a:solidFill>
+                  <a:srgbClr val="FFFFFF"/>
+                </a:solidFill>
+              </a:rPr>
+              <a:t>© 2021 Rigaku Corporation. All rights reserved</a:t>
+            </a:r>
+            <a:endParaRPr kumimoji="0" lang="en-US" dirty="0">
+              <a:solidFill>
+                <a:srgbClr val="FFFFFF"/>
+              </a:solidFill>
+            </a:endParaRPr>
+          </a:p>
+        </p:txBody>
+      </p:sp>
+    </p:spTree>
+    <p:extLst>
+      <p:ext uri="{BB962C8B-B14F-4D97-AF65-F5344CB8AC3E}">
+        <p14:creationId xmlns:p14="http://schemas.microsoft.com/office/powerpoint/2010/main" val="3599340794"/>
+      </p:ext>
+    </p:extLst>
+  </p:cSld>
+  <p:clrMapOvr>
+    <a:masterClrMapping/>
+  </p:clrMapOvr>
+  <p:transition spd="slow">
+    <p:push/>
+  </p:transition>
+</p:sld>
+</file>
+
+<file path=ppt/slides/slide11.xml><?xml version="1.0" encoding="utf-8"?>
+<p:sld xmlns:a="http://schemas.openxmlformats.org/drawingml/2006/main" xmlns:r="http://schemas.openxmlformats.org/officeDocument/2006/relationships" xmlns:p="http://schemas.openxmlformats.org/presentationml/2006/main">
+  <p:cSld>
+    <p:spTree>
+      <p:nvGrpSpPr>
+        <p:cNvPr id="1" name=""/>
+        <p:cNvGrpSpPr/>
+        <p:nvPr/>
+      </p:nvGrpSpPr>
+      <p:grpSpPr>
+        <a:xfrm>
+          <a:off x="0" y="0"/>
+          <a:ext cx="0" cy="0"/>
+          <a:chOff x="0" y="0"/>
+          <a:chExt cx="0" cy="0"/>
+        </a:xfrm>
+      </p:grpSpPr>
+      <p:sp>
+        <p:nvSpPr>
+          <p:cNvPr id="2" name="タイトル 1"/>
+          <p:cNvSpPr>
+            <a:spLocks noGrp="1"/>
+          </p:cNvSpPr>
+          <p:nvPr>
+            <p:ph type="title"/>
+          </p:nvPr>
+        </p:nvSpPr>
+        <p:spPr/>
+        <p:txBody>
+          <a:bodyPr>
+            <a:normAutofit/>
+          </a:bodyPr>
+          <a:lstStyle/>
+          <a:p>
+            <a:r>
+              <a:rPr lang="ja-JP" altLang="en-US" sz="3600" dirty="0"/>
+              <a:t>学習</a:t>
+            </a:r>
+            <a:endParaRPr kumimoji="1" lang="ja-JP" altLang="en-US" sz="3600" dirty="0"/>
+          </a:p>
+        </p:txBody>
+      </p:sp>
+      <p:sp>
+        <p:nvSpPr>
+          <p:cNvPr id="3" name="コンテンツ プレースホルダー 2"/>
+          <p:cNvSpPr>
+            <a:spLocks noGrp="1"/>
+          </p:cNvSpPr>
+          <p:nvPr>
+            <p:ph idx="1"/>
+          </p:nvPr>
+        </p:nvSpPr>
+        <p:spPr>
+          <a:xfrm>
+            <a:off x="838200" y="1088136"/>
+            <a:ext cx="10515600" cy="5230367"/>
+          </a:xfrm>
+        </p:spPr>
+        <p:txBody>
+          <a:bodyPr>
+            <a:normAutofit/>
+          </a:bodyPr>
+          <a:lstStyle/>
+          <a:p>
+            <a:pPr marL="0" indent="0">
+              <a:buNone/>
+            </a:pPr>
+            <a:r>
+              <a:rPr lang="en-US" altLang="ja-JP" sz="2000" dirty="0">
+                <a:solidFill>
+                  <a:schemeClr val="tx2"/>
+                </a:solidFill>
+              </a:rPr>
+              <a:t>‣</a:t>
+            </a:r>
+            <a:r>
+              <a:rPr lang="ja-JP" altLang="en-US" sz="2000" dirty="0">
+                <a:solidFill>
+                  <a:schemeClr val="tx2"/>
+                </a:solidFill>
+              </a:rPr>
+              <a:t>学習データは動的に生成する</a:t>
+            </a:r>
+            <a:endParaRPr lang="en-US" altLang="ja-JP" sz="2000" dirty="0">
+              <a:solidFill>
+                <a:schemeClr val="tx2"/>
+              </a:solidFill>
+            </a:endParaRPr>
+          </a:p>
+          <a:p>
+            <a:pPr marL="0" indent="0">
+              <a:buNone/>
+            </a:pPr>
+            <a:endParaRPr lang="en-US" altLang="ja-JP" sz="2000" dirty="0">
+              <a:solidFill>
+                <a:schemeClr val="tx2"/>
+              </a:solidFill>
+            </a:endParaRPr>
+          </a:p>
+          <a:p>
+            <a:pPr marL="0" indent="0">
+              <a:buNone/>
+            </a:pPr>
+            <a:r>
+              <a:rPr lang="en-US" altLang="ja-JP" sz="2000" dirty="0">
+                <a:solidFill>
+                  <a:schemeClr val="tx2"/>
+                </a:solidFill>
+              </a:rPr>
+              <a:t>‣</a:t>
+            </a:r>
+            <a:r>
+              <a:rPr lang="ja-JP" altLang="en-US" sz="2000" dirty="0">
+                <a:solidFill>
+                  <a:schemeClr val="tx2"/>
+                </a:solidFill>
+              </a:rPr>
+              <a:t>学習</a:t>
+            </a:r>
+            <a:r>
+              <a:rPr lang="en-US" altLang="ja-JP" sz="2000" dirty="0">
+                <a:solidFill>
+                  <a:schemeClr val="tx2"/>
+                </a:solidFill>
+              </a:rPr>
+              <a:t>/</a:t>
+            </a:r>
+            <a:r>
+              <a:rPr lang="ja-JP" altLang="en-US" sz="2000" dirty="0">
+                <a:solidFill>
+                  <a:schemeClr val="tx2"/>
+                </a:solidFill>
+              </a:rPr>
+              <a:t>テストデータの分割</a:t>
+            </a:r>
+            <a:endParaRPr lang="en-US" altLang="ja-JP" sz="2000" dirty="0">
+              <a:solidFill>
+                <a:schemeClr val="tx2"/>
+              </a:solidFill>
+            </a:endParaRPr>
+          </a:p>
+          <a:p>
+            <a:pPr marL="0" indent="0">
+              <a:buNone/>
+            </a:pPr>
+            <a:r>
+              <a:rPr lang="ja-JP" altLang="en-US" sz="2000" dirty="0">
+                <a:solidFill>
+                  <a:schemeClr val="tx2"/>
+                </a:solidFill>
+              </a:rPr>
+              <a:t>　</a:t>
+            </a:r>
+            <a:r>
+              <a:rPr lang="en-US" altLang="ja-JP" sz="2000" dirty="0">
+                <a:solidFill>
+                  <a:schemeClr val="tx2"/>
+                </a:solidFill>
+              </a:rPr>
+              <a:t>…</a:t>
+            </a:r>
+            <a:r>
+              <a:rPr lang="ja-JP" altLang="en-US" sz="2000" dirty="0">
+                <a:solidFill>
+                  <a:schemeClr val="tx2"/>
+                </a:solidFill>
+              </a:rPr>
+              <a:t>　</a:t>
+            </a:r>
+            <a:r>
+              <a:rPr lang="en-US" altLang="ja-JP" sz="2000" dirty="0">
+                <a:solidFill>
+                  <a:schemeClr val="tx2"/>
+                </a:solidFill>
+              </a:rPr>
+              <a:t>ICSD</a:t>
+            </a:r>
+            <a:r>
+              <a:rPr lang="ja-JP" altLang="en-US" sz="2000" dirty="0">
+                <a:solidFill>
+                  <a:schemeClr val="tx2"/>
+                </a:solidFill>
+              </a:rPr>
+              <a:t>には似た構造の結晶が多く登録されているため、</a:t>
+            </a:r>
+            <a:endParaRPr lang="en-US" altLang="ja-JP" sz="2000" dirty="0">
+              <a:solidFill>
+                <a:schemeClr val="tx2"/>
+              </a:solidFill>
+            </a:endParaRPr>
+          </a:p>
+          <a:p>
+            <a:pPr marL="0" indent="0">
+              <a:buNone/>
+            </a:pPr>
+            <a:r>
+              <a:rPr lang="ja-JP" altLang="en-US" sz="2000" dirty="0">
+                <a:solidFill>
+                  <a:schemeClr val="tx2"/>
+                </a:solidFill>
+              </a:rPr>
+              <a:t>　　　ランダムに学習</a:t>
+            </a:r>
+            <a:r>
+              <a:rPr lang="en-US" altLang="ja-JP" sz="2000" dirty="0">
+                <a:solidFill>
+                  <a:schemeClr val="tx2"/>
+                </a:solidFill>
+              </a:rPr>
+              <a:t>/</a:t>
+            </a:r>
+            <a:r>
+              <a:rPr lang="ja-JP" altLang="en-US" sz="2000" dirty="0">
+                <a:solidFill>
+                  <a:schemeClr val="tx2"/>
+                </a:solidFill>
+              </a:rPr>
+              <a:t>テストデータを分割した場合は、</a:t>
+            </a:r>
+            <a:endParaRPr lang="en-US" altLang="ja-JP" sz="2000" dirty="0">
+              <a:solidFill>
+                <a:schemeClr val="tx2"/>
+              </a:solidFill>
+            </a:endParaRPr>
+          </a:p>
+          <a:p>
+            <a:pPr marL="0" indent="0">
+              <a:buNone/>
+            </a:pPr>
+            <a:r>
+              <a:rPr lang="ja-JP" altLang="en-US" sz="2000" dirty="0">
+                <a:solidFill>
+                  <a:schemeClr val="tx2"/>
+                </a:solidFill>
+              </a:rPr>
+              <a:t>　　　未知の結晶に対する分類性能を正しく評価できない</a:t>
+            </a:r>
+            <a:endParaRPr lang="en-US" altLang="ja-JP" sz="2000" dirty="0">
+              <a:solidFill>
+                <a:schemeClr val="tx2"/>
+              </a:solidFill>
+            </a:endParaRPr>
+          </a:p>
+          <a:p>
+            <a:pPr marL="0" indent="0">
+              <a:buNone/>
+            </a:pPr>
+            <a:r>
+              <a:rPr lang="ja-JP" altLang="en-US" sz="2000" dirty="0">
+                <a:solidFill>
+                  <a:schemeClr val="tx2"/>
+                </a:solidFill>
+              </a:rPr>
+              <a:t>　　　→　</a:t>
+            </a:r>
+            <a:r>
+              <a:rPr lang="en-US" altLang="ja-JP" sz="2000" dirty="0">
+                <a:solidFill>
+                  <a:schemeClr val="tx2"/>
+                </a:solidFill>
+              </a:rPr>
+              <a:t>Structure type</a:t>
+            </a:r>
+            <a:r>
+              <a:rPr lang="ja-JP" altLang="en-US" sz="2000" dirty="0">
+                <a:solidFill>
+                  <a:schemeClr val="tx2"/>
+                </a:solidFill>
+              </a:rPr>
+              <a:t> ごとに、学習</a:t>
+            </a:r>
+            <a:r>
+              <a:rPr lang="en-US" altLang="ja-JP" sz="2000" dirty="0">
+                <a:solidFill>
+                  <a:schemeClr val="tx2"/>
+                </a:solidFill>
+              </a:rPr>
+              <a:t>/</a:t>
+            </a:r>
+            <a:r>
+              <a:rPr lang="ja-JP" altLang="en-US" sz="2000" dirty="0">
+                <a:solidFill>
+                  <a:schemeClr val="tx2"/>
+                </a:solidFill>
+              </a:rPr>
+              <a:t>テストデータを分割する</a:t>
+            </a:r>
+            <a:endParaRPr lang="en-US" altLang="ja-JP" sz="2000" dirty="0">
+              <a:solidFill>
+                <a:schemeClr val="tx2"/>
+              </a:solidFill>
+            </a:endParaRPr>
+          </a:p>
+          <a:p>
+            <a:pPr marL="0" indent="0">
+              <a:buNone/>
+            </a:pPr>
+            <a:endParaRPr lang="en-US" altLang="ja-JP" sz="2000" dirty="0">
+              <a:solidFill>
+                <a:schemeClr val="tx2"/>
+              </a:solidFill>
+            </a:endParaRPr>
+          </a:p>
+          <a:p>
+            <a:pPr marL="0" indent="0">
+              <a:buNone/>
+            </a:pPr>
+            <a:r>
+              <a:rPr lang="en-US" altLang="ja-JP" sz="2000" dirty="0">
+                <a:solidFill>
+                  <a:schemeClr val="tx2"/>
+                </a:solidFill>
+              </a:rPr>
+              <a:t>‣</a:t>
+            </a:r>
+            <a:r>
+              <a:rPr lang="ja-JP" altLang="en-US" sz="2000" dirty="0">
+                <a:solidFill>
+                  <a:schemeClr val="tx2"/>
+                </a:solidFill>
+              </a:rPr>
+              <a:t>モデル　</a:t>
+            </a:r>
+            <a:r>
+              <a:rPr lang="en-US" altLang="ja-JP" sz="2000" dirty="0">
+                <a:solidFill>
+                  <a:schemeClr val="tx2"/>
+                </a:solidFill>
+              </a:rPr>
+              <a:t>…</a:t>
+            </a:r>
+            <a:r>
+              <a:rPr lang="ja-JP" altLang="en-US" sz="2000" dirty="0">
+                <a:solidFill>
+                  <a:schemeClr val="tx2"/>
+                </a:solidFill>
+              </a:rPr>
+              <a:t>　複数種類の畳み込みモデル（最大で</a:t>
+            </a:r>
+            <a:r>
+              <a:rPr lang="en-US" altLang="ja-JP" sz="2000" dirty="0">
+                <a:solidFill>
+                  <a:schemeClr val="tx2"/>
+                </a:solidFill>
+              </a:rPr>
+              <a:t>ResNet-101</a:t>
+            </a:r>
+            <a:r>
+              <a:rPr lang="ja-JP" altLang="en-US" sz="2000" dirty="0">
+                <a:solidFill>
+                  <a:schemeClr val="tx2"/>
+                </a:solidFill>
+              </a:rPr>
+              <a:t>）</a:t>
+            </a:r>
+            <a:endParaRPr lang="en-US" altLang="ja-JP" sz="2000" dirty="0">
+              <a:solidFill>
+                <a:schemeClr val="tx2"/>
+              </a:solidFill>
+            </a:endParaRPr>
+          </a:p>
+        </p:txBody>
+      </p:sp>
+      <p:sp>
+        <p:nvSpPr>
+          <p:cNvPr id="4" name="スライド番号プレースホルダー 3"/>
+          <p:cNvSpPr>
+            <a:spLocks noGrp="1"/>
+          </p:cNvSpPr>
+          <p:nvPr>
+            <p:ph type="sldNum" sz="quarter" idx="12"/>
+          </p:nvPr>
+        </p:nvSpPr>
+        <p:spPr/>
+        <p:txBody>
+          <a:bodyPr/>
+          <a:lstStyle/>
+          <a:p>
+            <a:pPr marL="0" marR="0" lvl="0" indent="0" algn="ctr" defTabSz="914400" rtl="0" eaLnBrk="1" fontAlgn="auto" latinLnBrk="0" hangingPunct="1">
+              <a:lnSpc>
+                <a:spcPct val="100000"/>
+              </a:lnSpc>
+              <a:spcBef>
+                <a:spcPts val="0"/>
+              </a:spcBef>
+              <a:spcAft>
+                <a:spcPts val="0"/>
+              </a:spcAft>
+              <a:buClrTx/>
+              <a:buSzTx/>
+              <a:buFontTx/>
+              <a:buNone/>
+              <a:tabLst/>
+              <a:defRPr/>
+            </a:pPr>
+            <a:fld id="{D44D3F4E-7F9B-4AD4-ADA0-3F21E9F7E4F4}" type="slidenum">
+              <a:rPr kumimoji="0" lang="en-US" sz="800" b="0" i="0" u="none" strike="noStrike" kern="1200" cap="none" spc="0" normalizeH="0" baseline="0" noProof="0" smtClean="0">
+                <a:ln>
+                  <a:noFill/>
+                </a:ln>
+                <a:solidFill>
+                  <a:srgbClr val="FFFFFF"/>
+                </a:solidFill>
+                <a:effectLst/>
+                <a:uLnTx/>
+                <a:uFillTx/>
+                <a:latin typeface="Segoe UI Semilight"/>
+                <a:ea typeface="メイリオ"/>
+                <a:cs typeface="+mn-cs"/>
+              </a:rPr>
+              <a:pPr marL="0" marR="0" lvl="0" indent="0" algn="ctr" defTabSz="914400" rtl="0" eaLnBrk="1" fontAlgn="auto" latinLnBrk="0" hangingPunct="1">
+                <a:lnSpc>
+                  <a:spcPct val="100000"/>
+                </a:lnSpc>
+                <a:spcBef>
+                  <a:spcPts val="0"/>
+                </a:spcBef>
+                <a:spcAft>
+                  <a:spcPts val="0"/>
+                </a:spcAft>
+                <a:buClrTx/>
+                <a:buSzTx/>
+                <a:buFontTx/>
+                <a:buNone/>
+                <a:tabLst/>
+                <a:defRPr/>
+              </a:pPr>
+              <a:t>11</a:t>
+            </a:fld>
+            <a:endParaRPr kumimoji="0" lang="en-US" sz="800" b="0" i="0" u="none" strike="noStrike" kern="1200" cap="none" spc="0" normalizeH="0" baseline="0" noProof="0">
+              <a:ln>
+                <a:noFill/>
+              </a:ln>
+              <a:solidFill>
+                <a:srgbClr val="FFFFFF"/>
+              </a:solidFill>
+              <a:effectLst/>
+              <a:uLnTx/>
+              <a:uFillTx/>
+              <a:latin typeface="Segoe UI Semilight"/>
+              <a:ea typeface="メイリオ"/>
+              <a:cs typeface="+mn-cs"/>
+            </a:endParaRPr>
+          </a:p>
+        </p:txBody>
+      </p:sp>
+      <p:sp>
+        <p:nvSpPr>
+          <p:cNvPr id="5" name="フッター プレースホルダー 4"/>
+          <p:cNvSpPr>
+            <a:spLocks noGrp="1"/>
+          </p:cNvSpPr>
+          <p:nvPr>
+            <p:ph type="ftr" sz="quarter" idx="11"/>
+          </p:nvPr>
+        </p:nvSpPr>
+        <p:spPr/>
+        <p:txBody>
+          <a:bodyPr/>
+          <a:lstStyle/>
+          <a:p>
+            <a:pPr>
+              <a:defRPr/>
+            </a:pPr>
+            <a:r>
+              <a:rPr kumimoji="0" lang="en-US">
+                <a:solidFill>
+                  <a:srgbClr val="FFFFFF"/>
+                </a:solidFill>
+              </a:rPr>
+              <a:t>© 2021 Rigaku Corporation. All rights reserved</a:t>
+            </a:r>
+            <a:endParaRPr kumimoji="0" lang="en-US" dirty="0">
+              <a:solidFill>
+                <a:srgbClr val="FFFFFF"/>
+              </a:solidFill>
+            </a:endParaRPr>
+          </a:p>
+        </p:txBody>
+      </p:sp>
+    </p:spTree>
+    <p:extLst>
+      <p:ext uri="{BB962C8B-B14F-4D97-AF65-F5344CB8AC3E}">
+        <p14:creationId xmlns:p14="http://schemas.microsoft.com/office/powerpoint/2010/main" val="2957899749"/>
+      </p:ext>
+    </p:extLst>
+  </p:cSld>
+  <p:clrMapOvr>
+    <a:masterClrMapping/>
+  </p:clrMapOvr>
+  <p:transition spd="slow">
+    <p:push/>
+  </p:transition>
+</p:sld>
+</file>
+
+<file path=ppt/slides/slide12.xml><?xml version="1.0" encoding="utf-8"?>
+<p:sld xmlns:a="http://schemas.openxmlformats.org/drawingml/2006/main" xmlns:r="http://schemas.openxmlformats.org/officeDocument/2006/relationships" xmlns:p="http://schemas.openxmlformats.org/presentationml/2006/main">
+  <p:cSld>
+    <p:spTree>
+      <p:nvGrpSpPr>
+        <p:cNvPr id="1" name=""/>
+        <p:cNvGrpSpPr/>
+        <p:nvPr/>
+      </p:nvGrpSpPr>
+      <p:grpSpPr>
+        <a:xfrm>
+          <a:off x="0" y="0"/>
+          <a:ext cx="0" cy="0"/>
+          <a:chOff x="0" y="0"/>
+          <a:chExt cx="0" cy="0"/>
+        </a:xfrm>
+      </p:grpSpPr>
+      <p:sp>
+        <p:nvSpPr>
+          <p:cNvPr id="2" name="タイトル 1"/>
+          <p:cNvSpPr>
+            <a:spLocks noGrp="1"/>
+          </p:cNvSpPr>
+          <p:nvPr>
+            <p:ph type="title"/>
+          </p:nvPr>
+        </p:nvSpPr>
+        <p:spPr/>
+        <p:txBody>
+          <a:bodyPr>
+            <a:normAutofit/>
+          </a:bodyPr>
+          <a:lstStyle/>
+          <a:p>
+            <a:r>
+              <a:rPr kumimoji="1" lang="ja-JP" altLang="en-US" sz="3600" dirty="0"/>
+              <a:t>結果</a:t>
+            </a:r>
+          </a:p>
+        </p:txBody>
+      </p:sp>
+      <p:sp>
+        <p:nvSpPr>
+          <p:cNvPr id="3" name="コンテンツ プレースホルダー 2"/>
+          <p:cNvSpPr>
+            <a:spLocks noGrp="1"/>
+          </p:cNvSpPr>
+          <p:nvPr>
+            <p:ph idx="1"/>
+          </p:nvPr>
+        </p:nvSpPr>
+        <p:spPr>
+          <a:xfrm>
+            <a:off x="838200" y="1088136"/>
+            <a:ext cx="10515600" cy="5230367"/>
+          </a:xfrm>
+        </p:spPr>
+        <p:txBody>
+          <a:bodyPr>
+            <a:normAutofit/>
+          </a:bodyPr>
+          <a:lstStyle/>
+          <a:p>
+            <a:pPr marL="0" indent="0">
+              <a:buNone/>
+            </a:pPr>
+            <a:r>
+              <a:rPr lang="en-US" altLang="ja-JP" sz="2000" dirty="0">
+                <a:solidFill>
+                  <a:schemeClr val="tx2"/>
+                </a:solidFill>
+              </a:rPr>
+              <a:t>‣Structure</a:t>
+            </a:r>
+            <a:r>
+              <a:rPr lang="ja-JP" altLang="en-US" sz="2000" dirty="0">
+                <a:solidFill>
+                  <a:schemeClr val="tx2"/>
+                </a:solidFill>
+              </a:rPr>
+              <a:t> </a:t>
+            </a:r>
+            <a:r>
+              <a:rPr lang="en-US" altLang="ja-JP" sz="2000" dirty="0">
+                <a:solidFill>
+                  <a:schemeClr val="tx2"/>
+                </a:solidFill>
+              </a:rPr>
+              <a:t>type </a:t>
+            </a:r>
+            <a:r>
+              <a:rPr lang="ja-JP" altLang="en-US" sz="2000" dirty="0">
+                <a:solidFill>
+                  <a:schemeClr val="tx2"/>
+                </a:solidFill>
+              </a:rPr>
+              <a:t>ごとに学習</a:t>
+            </a:r>
+            <a:r>
+              <a:rPr lang="en-US" altLang="ja-JP" sz="2000" dirty="0">
+                <a:solidFill>
+                  <a:schemeClr val="tx2"/>
+                </a:solidFill>
+              </a:rPr>
+              <a:t>/</a:t>
+            </a:r>
+            <a:r>
+              <a:rPr lang="ja-JP" altLang="en-US" sz="2000" dirty="0">
+                <a:solidFill>
+                  <a:schemeClr val="tx2"/>
+                </a:solidFill>
+              </a:rPr>
+              <a:t>テストデータを分割したとき、</a:t>
+            </a:r>
+            <a:endParaRPr lang="en-US" altLang="ja-JP" sz="2000" dirty="0">
+              <a:solidFill>
+                <a:schemeClr val="tx2"/>
+              </a:solidFill>
+            </a:endParaRPr>
+          </a:p>
+          <a:p>
+            <a:pPr marL="0" indent="0">
+              <a:buNone/>
+            </a:pPr>
+            <a:r>
+              <a:rPr lang="ja-JP" altLang="en-US" sz="2000" dirty="0">
+                <a:solidFill>
+                  <a:schemeClr val="tx2"/>
+                </a:solidFill>
+              </a:rPr>
+              <a:t>　論文の学習データ生成方法の方が高い正解率を得られる</a:t>
+            </a:r>
+            <a:endParaRPr lang="en-US" altLang="ja-JP" sz="2000" dirty="0">
+              <a:solidFill>
+                <a:schemeClr val="tx2"/>
+              </a:solidFill>
+            </a:endParaRPr>
+          </a:p>
+          <a:p>
+            <a:pPr marL="0" indent="0">
+              <a:spcBef>
+                <a:spcPts val="1800"/>
+              </a:spcBef>
+              <a:buNone/>
+            </a:pPr>
+            <a:r>
+              <a:rPr lang="en-US" altLang="ja-JP" sz="2000" dirty="0">
+                <a:solidFill>
+                  <a:schemeClr val="tx2"/>
+                </a:solidFill>
+              </a:rPr>
+              <a:t>‣</a:t>
+            </a:r>
+            <a:r>
+              <a:rPr lang="ja-JP" altLang="en-US" sz="2000" dirty="0">
+                <a:solidFill>
+                  <a:schemeClr val="tx2"/>
+                </a:solidFill>
+              </a:rPr>
+              <a:t>原理的には無限にデータ生成できるため、</a:t>
+            </a:r>
+            <a:endParaRPr lang="en-US" altLang="ja-JP" sz="2000" dirty="0">
+              <a:solidFill>
+                <a:schemeClr val="tx2"/>
+              </a:solidFill>
+            </a:endParaRPr>
+          </a:p>
+          <a:p>
+            <a:pPr marL="0" indent="0">
+              <a:buNone/>
+            </a:pPr>
+            <a:r>
+              <a:rPr lang="ja-JP" altLang="en-US" sz="2000" dirty="0">
+                <a:solidFill>
+                  <a:schemeClr val="tx2"/>
+                </a:solidFill>
+              </a:rPr>
+              <a:t>　過学習に陥ることなく巨大なモデル（</a:t>
+            </a:r>
+            <a:r>
+              <a:rPr lang="en-US" altLang="ja-JP" sz="2000" dirty="0">
+                <a:solidFill>
+                  <a:schemeClr val="tx2"/>
+                </a:solidFill>
+              </a:rPr>
+              <a:t>ResNet-101</a:t>
+            </a:r>
+            <a:r>
+              <a:rPr lang="ja-JP" altLang="en-US" sz="2000" dirty="0">
+                <a:solidFill>
+                  <a:schemeClr val="tx2"/>
+                </a:solidFill>
+              </a:rPr>
+              <a:t>）を学習できる</a:t>
+            </a:r>
+            <a:endParaRPr lang="en-US" altLang="ja-JP" sz="2000" dirty="0">
+              <a:solidFill>
+                <a:schemeClr val="tx2"/>
+              </a:solidFill>
+            </a:endParaRPr>
+          </a:p>
+        </p:txBody>
+      </p:sp>
+      <p:sp>
+        <p:nvSpPr>
+          <p:cNvPr id="4" name="スライド番号プレースホルダー 3"/>
+          <p:cNvSpPr>
+            <a:spLocks noGrp="1"/>
+          </p:cNvSpPr>
+          <p:nvPr>
+            <p:ph type="sldNum" sz="quarter" idx="12"/>
+          </p:nvPr>
+        </p:nvSpPr>
+        <p:spPr/>
+        <p:txBody>
+          <a:bodyPr/>
+          <a:lstStyle/>
+          <a:p>
+            <a:pPr marL="0" marR="0" lvl="0" indent="0" algn="ctr" defTabSz="914400" rtl="0" eaLnBrk="1" fontAlgn="auto" latinLnBrk="0" hangingPunct="1">
+              <a:lnSpc>
+                <a:spcPct val="100000"/>
+              </a:lnSpc>
+              <a:spcBef>
+                <a:spcPts val="0"/>
+              </a:spcBef>
+              <a:spcAft>
+                <a:spcPts val="0"/>
+              </a:spcAft>
+              <a:buClrTx/>
+              <a:buSzTx/>
+              <a:buFontTx/>
+              <a:buNone/>
+              <a:tabLst/>
+              <a:defRPr/>
+            </a:pPr>
+            <a:fld id="{D44D3F4E-7F9B-4AD4-ADA0-3F21E9F7E4F4}" type="slidenum">
+              <a:rPr kumimoji="0" lang="en-US" sz="800" b="0" i="0" u="none" strike="noStrike" kern="1200" cap="none" spc="0" normalizeH="0" baseline="0" noProof="0" smtClean="0">
+                <a:ln>
+                  <a:noFill/>
+                </a:ln>
+                <a:solidFill>
+                  <a:srgbClr val="FFFFFF"/>
+                </a:solidFill>
+                <a:effectLst/>
+                <a:uLnTx/>
+                <a:uFillTx/>
+                <a:latin typeface="Segoe UI Semilight"/>
+                <a:ea typeface="メイリオ"/>
+                <a:cs typeface="+mn-cs"/>
+              </a:rPr>
+              <a:pPr marL="0" marR="0" lvl="0" indent="0" algn="ctr" defTabSz="914400" rtl="0" eaLnBrk="1" fontAlgn="auto" latinLnBrk="0" hangingPunct="1">
+                <a:lnSpc>
+                  <a:spcPct val="100000"/>
+                </a:lnSpc>
+                <a:spcBef>
+                  <a:spcPts val="0"/>
+                </a:spcBef>
+                <a:spcAft>
+                  <a:spcPts val="0"/>
+                </a:spcAft>
+                <a:buClrTx/>
+                <a:buSzTx/>
+                <a:buFontTx/>
+                <a:buNone/>
+                <a:tabLst/>
+                <a:defRPr/>
+              </a:pPr>
+              <a:t>12</a:t>
+            </a:fld>
+            <a:endParaRPr kumimoji="0" lang="en-US" sz="800" b="0" i="0" u="none" strike="noStrike" kern="1200" cap="none" spc="0" normalizeH="0" baseline="0" noProof="0">
+              <a:ln>
+                <a:noFill/>
+              </a:ln>
+              <a:solidFill>
+                <a:srgbClr val="FFFFFF"/>
+              </a:solidFill>
+              <a:effectLst/>
+              <a:uLnTx/>
+              <a:uFillTx/>
+              <a:latin typeface="Segoe UI Semilight"/>
+              <a:ea typeface="メイリオ"/>
+              <a:cs typeface="+mn-cs"/>
+            </a:endParaRPr>
+          </a:p>
+        </p:txBody>
+      </p:sp>
+      <p:sp>
+        <p:nvSpPr>
+          <p:cNvPr id="5" name="フッター プレースホルダー 4"/>
+          <p:cNvSpPr>
+            <a:spLocks noGrp="1"/>
+          </p:cNvSpPr>
+          <p:nvPr>
+            <p:ph type="ftr" sz="quarter" idx="11"/>
+          </p:nvPr>
+        </p:nvSpPr>
+        <p:spPr/>
+        <p:txBody>
+          <a:bodyPr/>
+          <a:lstStyle/>
+          <a:p>
+            <a:pPr>
+              <a:defRPr/>
+            </a:pPr>
+            <a:r>
+              <a:rPr kumimoji="0" lang="en-US">
+                <a:solidFill>
+                  <a:srgbClr val="FFFFFF"/>
+                </a:solidFill>
+              </a:rPr>
+              <a:t>© 2021 Rigaku Corporation. All rights reserved</a:t>
+            </a:r>
+            <a:endParaRPr kumimoji="0" lang="en-US" dirty="0">
+              <a:solidFill>
+                <a:srgbClr val="FFFFFF"/>
+              </a:solidFill>
+            </a:endParaRPr>
+          </a:p>
+        </p:txBody>
+      </p:sp>
+      <p:pic>
+        <p:nvPicPr>
+          <p:cNvPr id="7" name="図 6">
+            <a:extLst>
+              <a:ext uri="{FF2B5EF4-FFF2-40B4-BE49-F238E27FC236}">
+                <a16:creationId xmlns:a16="http://schemas.microsoft.com/office/drawing/2014/main" id="{CAC6862B-9F3D-C214-7241-F4B9708880ED}"/>
+              </a:ext>
+            </a:extLst>
+          </p:cNvPr>
+          <p:cNvPicPr>
+            <a:picLocks noChangeAspect="1"/>
+          </p:cNvPicPr>
+          <p:nvPr/>
+        </p:nvPicPr>
+        <p:blipFill>
+          <a:blip r:embed="rId2"/>
+          <a:stretch>
+            <a:fillRect/>
+          </a:stretch>
+        </p:blipFill>
+        <p:spPr>
+          <a:xfrm>
+            <a:off x="1049033" y="3257764"/>
+            <a:ext cx="8488160" cy="2700276"/>
+          </a:xfrm>
+          <a:prstGeom prst="rect">
+            <a:avLst/>
+          </a:prstGeom>
+        </p:spPr>
+      </p:pic>
+      <p:sp>
+        <p:nvSpPr>
+          <p:cNvPr id="9" name="テキスト ボックス 8">
+            <a:extLst>
+              <a:ext uri="{FF2B5EF4-FFF2-40B4-BE49-F238E27FC236}">
+                <a16:creationId xmlns:a16="http://schemas.microsoft.com/office/drawing/2014/main" id="{46C91ED5-C2CE-57E3-3134-31AE68A7AE04}"/>
+              </a:ext>
+            </a:extLst>
+          </p:cNvPr>
+          <p:cNvSpPr txBox="1"/>
+          <p:nvPr/>
+        </p:nvSpPr>
+        <p:spPr>
+          <a:xfrm>
+            <a:off x="9573246" y="3831336"/>
+            <a:ext cx="1661161" cy="523220"/>
+          </a:xfrm>
+          <a:prstGeom prst="rect">
+            <a:avLst/>
+          </a:prstGeom>
+          <a:noFill/>
+        </p:spPr>
+        <p:txBody>
+          <a:bodyPr wrap="square" rtlCol="0">
+            <a:spAutoFit/>
+          </a:bodyPr>
+          <a:lstStyle/>
+          <a:p>
+            <a:pPr algn="ctr"/>
+            <a:r>
+              <a:rPr kumimoji="1" lang="ja-JP" altLang="en-US" sz="1400" dirty="0"/>
+              <a:t>従来法</a:t>
+            </a:r>
+            <a:endParaRPr kumimoji="1" lang="en-US" altLang="ja-JP" sz="1400" dirty="0"/>
+          </a:p>
+          <a:p>
+            <a:pPr algn="ctr"/>
+            <a:r>
+              <a:rPr kumimoji="1" lang="ja-JP" altLang="en-US" sz="1400" dirty="0"/>
+              <a:t>（ランダム分割）</a:t>
+            </a:r>
+          </a:p>
+        </p:txBody>
+      </p:sp>
+      <p:sp>
+        <p:nvSpPr>
+          <p:cNvPr id="10" name="テキスト ボックス 9">
+            <a:extLst>
+              <a:ext uri="{FF2B5EF4-FFF2-40B4-BE49-F238E27FC236}">
+                <a16:creationId xmlns:a16="http://schemas.microsoft.com/office/drawing/2014/main" id="{B6883DD2-374B-35DE-CA07-65119BB7D29C}"/>
+              </a:ext>
+            </a:extLst>
+          </p:cNvPr>
+          <p:cNvSpPr txBox="1"/>
+          <p:nvPr/>
+        </p:nvSpPr>
+        <p:spPr>
+          <a:xfrm>
+            <a:off x="9472662" y="4354556"/>
+            <a:ext cx="1862327" cy="523220"/>
+          </a:xfrm>
+          <a:prstGeom prst="rect">
+            <a:avLst/>
+          </a:prstGeom>
+          <a:noFill/>
+        </p:spPr>
+        <p:txBody>
+          <a:bodyPr wrap="square" rtlCol="0">
+            <a:spAutoFit/>
+          </a:bodyPr>
+          <a:lstStyle/>
+          <a:p>
+            <a:pPr algn="ctr"/>
+            <a:r>
+              <a:rPr kumimoji="1" lang="ja-JP" altLang="en-US" sz="1400" dirty="0"/>
+              <a:t>従来法</a:t>
+            </a:r>
+            <a:endParaRPr kumimoji="1" lang="en-US" altLang="ja-JP" sz="1400" dirty="0"/>
+          </a:p>
+          <a:p>
+            <a:pPr algn="ctr"/>
+            <a:r>
+              <a:rPr kumimoji="1" lang="ja-JP" altLang="en-US" sz="1400" dirty="0"/>
+              <a:t>（構造タイプ分割）</a:t>
+            </a:r>
+          </a:p>
+        </p:txBody>
+      </p:sp>
+      <p:sp>
+        <p:nvSpPr>
+          <p:cNvPr id="11" name="テキスト ボックス 10">
+            <a:extLst>
+              <a:ext uri="{FF2B5EF4-FFF2-40B4-BE49-F238E27FC236}">
+                <a16:creationId xmlns:a16="http://schemas.microsoft.com/office/drawing/2014/main" id="{2613FE3B-8365-D948-2AAB-0DF18C5FEF0B}"/>
+              </a:ext>
+            </a:extLst>
+          </p:cNvPr>
+          <p:cNvSpPr txBox="1"/>
+          <p:nvPr/>
+        </p:nvSpPr>
+        <p:spPr>
+          <a:xfrm>
+            <a:off x="9472661" y="5074333"/>
+            <a:ext cx="1862327" cy="523220"/>
+          </a:xfrm>
+          <a:prstGeom prst="rect">
+            <a:avLst/>
+          </a:prstGeom>
+          <a:noFill/>
+        </p:spPr>
+        <p:txBody>
+          <a:bodyPr wrap="square" rtlCol="0">
+            <a:spAutoFit/>
+          </a:bodyPr>
+          <a:lstStyle/>
+          <a:p>
+            <a:pPr algn="ctr"/>
+            <a:r>
+              <a:rPr lang="ja-JP" altLang="en-US" sz="1400" dirty="0"/>
+              <a:t>論文の方法</a:t>
+            </a:r>
+            <a:endParaRPr lang="en-US" altLang="ja-JP" sz="1400" dirty="0"/>
+          </a:p>
+          <a:p>
+            <a:pPr algn="ctr"/>
+            <a:r>
+              <a:rPr kumimoji="1" lang="ja-JP" altLang="en-US" sz="1400" dirty="0"/>
+              <a:t>（構造タイプ分割）</a:t>
+            </a:r>
+          </a:p>
+        </p:txBody>
+      </p:sp>
+    </p:spTree>
+    <p:extLst>
+      <p:ext uri="{BB962C8B-B14F-4D97-AF65-F5344CB8AC3E}">
+        <p14:creationId xmlns:p14="http://schemas.microsoft.com/office/powerpoint/2010/main" val="2061135360"/>
       </p:ext>
     </p:extLst>
   </p:cSld>
@@ -20191,7 +21784,13 @@
       </p:grpSpPr>
       <p:sp>
         <p:nvSpPr>
-          <p:cNvPr id="2" name="タイトル 1"/>
+          <p:cNvPr id="2" name="Title 1">
+            <a:extLst>
+              <a:ext uri="{FF2B5EF4-FFF2-40B4-BE49-F238E27FC236}">
+                <a16:creationId xmlns:a16="http://schemas.microsoft.com/office/drawing/2014/main" id="{5DF9AE3B-4809-2A04-46F2-27F6E3C3610E}"/>
+              </a:ext>
+            </a:extLst>
+          </p:cNvPr>
           <p:cNvSpPr>
             <a:spLocks noGrp="1"/>
           </p:cNvSpPr>
@@ -20202,12 +21801,12 @@
         <p:spPr/>
         <p:txBody>
           <a:bodyPr>
-            <a:normAutofit/>
+            <a:normAutofit fontScale="90000"/>
           </a:bodyPr>
           <a:lstStyle/>
           <a:p>
             <a:r>
-              <a:rPr kumimoji="1" lang="ja-JP" altLang="en-US" sz="3600" dirty="0"/>
+              <a:rPr kumimoji="1" lang="ja-JP" altLang="en-US" dirty="0"/>
               <a:t>概要</a:t>
             </a:r>
           </a:p>
@@ -20215,7 +21814,13 @@
       </p:sp>
       <p:sp>
         <p:nvSpPr>
-          <p:cNvPr id="3" name="コンテンツ プレースホルダー 2"/>
+          <p:cNvPr id="3" name="Content Placeholder 2">
+            <a:extLst>
+              <a:ext uri="{FF2B5EF4-FFF2-40B4-BE49-F238E27FC236}">
+                <a16:creationId xmlns:a16="http://schemas.microsoft.com/office/drawing/2014/main" id="{C73B431D-B972-47DF-0742-92AEE03E51F5}"/>
+              </a:ext>
+            </a:extLst>
+          </p:cNvPr>
           <p:cNvSpPr>
             <a:spLocks noGrp="1"/>
           </p:cNvSpPr>
@@ -20223,355 +21828,81 @@
             <p:ph idx="1"/>
           </p:nvPr>
         </p:nvSpPr>
-        <p:spPr>
-          <a:xfrm>
-            <a:off x="838200" y="1088136"/>
-            <a:ext cx="10515600" cy="5230367"/>
-          </a:xfrm>
-        </p:spPr>
-        <p:txBody>
-          <a:bodyPr>
-            <a:normAutofit/>
-          </a:bodyPr>
+        <p:spPr/>
+        <p:txBody>
+          <a:bodyPr/>
           <a:lstStyle/>
           <a:p>
-            <a:pPr marL="0" indent="0">
-              <a:buNone/>
-            </a:pPr>
-            <a:r>
-              <a:rPr lang="en-US" altLang="ja-JP" sz="2000" dirty="0">
-                <a:solidFill>
-                  <a:schemeClr val="tx2"/>
-                </a:solidFill>
-              </a:rPr>
-              <a:t>‣</a:t>
-            </a:r>
-            <a:r>
-              <a:rPr lang="ja-JP" altLang="en-US" sz="2000" dirty="0">
-                <a:solidFill>
-                  <a:schemeClr val="tx2"/>
-                </a:solidFill>
-              </a:rPr>
-              <a:t>機械学習を用いた粉末</a:t>
-            </a:r>
-            <a:r>
-              <a:rPr lang="en-US" altLang="ja-JP" sz="2000" dirty="0">
-                <a:solidFill>
-                  <a:schemeClr val="tx2"/>
-                </a:solidFill>
-              </a:rPr>
+            <a:r>
+              <a:rPr kumimoji="1" lang="en-US" altLang="ja-JP" dirty="0" err="1"/>
+              <a:t>AIAgent</a:t>
+            </a:r>
+            <a:endParaRPr kumimoji="1" lang="en-US" altLang="ja-JP" dirty="0"/>
+          </a:p>
+          <a:p>
+            <a:pPr lvl="1"/>
+            <a:r>
+              <a:rPr kumimoji="1" lang="en-US" altLang="ja-JP" dirty="0"/>
+              <a:t>QA</a:t>
+            </a:r>
+            <a:r>
+              <a:rPr kumimoji="1" lang="ja-JP" altLang="en-US" dirty="0"/>
+              <a:t>システムに</a:t>
+            </a:r>
+            <a:r>
+              <a:rPr kumimoji="1" lang="en-US" altLang="ja-JP" dirty="0"/>
+              <a:t>Agent</a:t>
+            </a:r>
+            <a:r>
+              <a:rPr kumimoji="1" lang="ja-JP" altLang="en-US" dirty="0"/>
+              <a:t>を導入</a:t>
+            </a:r>
+            <a:endParaRPr kumimoji="1" lang="en-US" altLang="ja-JP" dirty="0"/>
+          </a:p>
+          <a:p>
+            <a:pPr lvl="1"/>
+            <a:r>
+              <a:rPr lang="en-US" altLang="ja-JP" dirty="0"/>
+              <a:t>Agent</a:t>
+            </a:r>
+            <a:r>
+              <a:rPr lang="ja-JP" altLang="en-US" dirty="0"/>
+              <a:t>より自動テストの検討</a:t>
+            </a:r>
+            <a:endParaRPr lang="en-US" altLang="ja-JP" dirty="0"/>
+          </a:p>
+          <a:p>
+            <a:endParaRPr kumimoji="1" lang="en-US" altLang="ja-JP" dirty="0"/>
+          </a:p>
+          <a:p>
+            <a:r>
+              <a:rPr kumimoji="1" lang="en-US" altLang="ja-JP" dirty="0"/>
+              <a:t>AI</a:t>
+            </a:r>
+            <a:r>
+              <a:rPr kumimoji="1" lang="ja-JP" altLang="en-US" dirty="0"/>
+              <a:t>と</a:t>
+            </a:r>
+            <a:r>
+              <a:rPr kumimoji="1" lang="en-US" altLang="ja-JP" dirty="0"/>
               <a:t>XRD</a:t>
             </a:r>
             <a:r>
-              <a:rPr lang="ja-JP" altLang="en-US" sz="2000" dirty="0">
-                <a:solidFill>
-                  <a:schemeClr val="tx2"/>
-                </a:solidFill>
-              </a:rPr>
-              <a:t>プロファイルフィッティング⇒結晶構造</a:t>
-            </a:r>
-            <a:endParaRPr lang="en-US" altLang="ja-JP" sz="2000" dirty="0">
-              <a:solidFill>
-                <a:schemeClr val="tx2"/>
-              </a:solidFill>
-            </a:endParaRPr>
-          </a:p>
-          <a:p>
-            <a:pPr marL="0" indent="0">
-              <a:spcBef>
-                <a:spcPts val="1800"/>
-              </a:spcBef>
-              <a:buNone/>
-            </a:pPr>
-            <a:r>
-              <a:rPr lang="ja-JP" altLang="en-US" sz="2000" dirty="0">
-                <a:solidFill>
-                  <a:schemeClr val="tx2"/>
-                </a:solidFill>
-              </a:rPr>
-              <a:t>　</a:t>
-            </a:r>
-            <a:r>
-              <a:rPr lang="en-US" altLang="ja-JP" sz="2000" dirty="0">
-                <a:solidFill>
-                  <a:schemeClr val="tx2"/>
-                </a:solidFill>
-              </a:rPr>
-              <a:t>‣</a:t>
-            </a:r>
-            <a:r>
-              <a:rPr lang="ja-JP" altLang="en-US" sz="2000" dirty="0">
-                <a:solidFill>
-                  <a:schemeClr val="tx2"/>
-                </a:solidFill>
-              </a:rPr>
-              <a:t>目的：</a:t>
-            </a:r>
-            <a:r>
-              <a:rPr lang="en-US" altLang="ja-JP" sz="2000" dirty="0">
-                <a:solidFill>
-                  <a:schemeClr val="tx2"/>
-                </a:solidFill>
-              </a:rPr>
-              <a:t>predict atomic structures directly from X-ray</a:t>
-            </a:r>
-            <a:r>
-              <a:rPr lang="ja-JP" altLang="en-US" sz="2000">
-                <a:solidFill>
-                  <a:schemeClr val="tx2"/>
-                </a:solidFill>
-              </a:rPr>
-              <a:t>　</a:t>
-            </a:r>
-            <a:r>
-              <a:rPr lang="en-US" altLang="ja-JP" sz="2000">
-                <a:solidFill>
-                  <a:schemeClr val="tx2"/>
-                </a:solidFill>
-              </a:rPr>
-              <a:t>diffraction </a:t>
-            </a:r>
-            <a:r>
-              <a:rPr lang="en-US" altLang="ja-JP" sz="2000" dirty="0">
-                <a:solidFill>
-                  <a:schemeClr val="tx2"/>
-                </a:solidFill>
-              </a:rPr>
-              <a:t>(XRD) patterns.</a:t>
-            </a:r>
-          </a:p>
-          <a:p>
-            <a:pPr marL="0" indent="0">
-              <a:spcBef>
-                <a:spcPts val="1800"/>
-              </a:spcBef>
-              <a:buNone/>
-            </a:pPr>
-            <a:r>
-              <a:rPr lang="ja-JP" altLang="en-US" sz="2000" dirty="0">
-                <a:solidFill>
-                  <a:schemeClr val="tx2"/>
-                </a:solidFill>
-              </a:rPr>
-              <a:t>　</a:t>
-            </a:r>
-            <a:r>
-              <a:rPr lang="en-US" altLang="ja-JP" sz="2000" dirty="0">
-                <a:solidFill>
-                  <a:schemeClr val="tx2"/>
-                </a:solidFill>
-              </a:rPr>
-              <a:t>‣</a:t>
-            </a:r>
-            <a:r>
-              <a:rPr lang="ja-JP" altLang="en-US" sz="2000" dirty="0">
-                <a:solidFill>
-                  <a:schemeClr val="tx2"/>
-                </a:solidFill>
-              </a:rPr>
-              <a:t>従来の研究：</a:t>
-            </a:r>
-            <a:r>
-              <a:rPr lang="en-US" altLang="ja-JP" sz="2000" dirty="0">
-                <a:solidFill>
-                  <a:schemeClr val="tx2"/>
-                </a:solidFill>
-              </a:rPr>
-              <a:t>ICSD</a:t>
-            </a:r>
-            <a:r>
-              <a:rPr lang="ja-JP" altLang="en-US" sz="2000" dirty="0">
-                <a:solidFill>
-                  <a:schemeClr val="tx2"/>
-                </a:solidFill>
-              </a:rPr>
-              <a:t>に登録されている結晶（約</a:t>
-            </a:r>
-            <a:r>
-              <a:rPr lang="en-US" altLang="ja-JP" sz="2000" dirty="0">
-                <a:solidFill>
-                  <a:schemeClr val="tx2"/>
-                </a:solidFill>
-              </a:rPr>
-              <a:t>27</a:t>
-            </a:r>
-            <a:r>
-              <a:rPr lang="ja-JP" altLang="en-US" sz="2000" dirty="0">
-                <a:solidFill>
-                  <a:schemeClr val="tx2"/>
-                </a:solidFill>
-              </a:rPr>
-              <a:t>万件）に対し、</a:t>
-            </a:r>
-            <a:endParaRPr lang="en-US" altLang="ja-JP" sz="2000" dirty="0">
-              <a:solidFill>
-                <a:schemeClr val="tx2"/>
-              </a:solidFill>
-            </a:endParaRPr>
-          </a:p>
-          <a:p>
-            <a:pPr marL="0" indent="0">
-              <a:buNone/>
-            </a:pPr>
-            <a:r>
-              <a:rPr lang="ja-JP" altLang="en-US" sz="2000" dirty="0">
-                <a:solidFill>
-                  <a:schemeClr val="tx2"/>
-                </a:solidFill>
-              </a:rPr>
-              <a:t>　　　　　　　　</a:t>
-            </a:r>
-            <a:r>
-              <a:rPr lang="en-US" altLang="ja-JP" sz="2000" dirty="0">
-                <a:solidFill>
-                  <a:schemeClr val="tx2"/>
-                </a:solidFill>
-              </a:rPr>
-              <a:t>XRD</a:t>
-            </a:r>
-            <a:r>
-              <a:rPr lang="ja-JP" altLang="en-US" sz="2000" dirty="0">
-                <a:solidFill>
-                  <a:schemeClr val="tx2"/>
-                </a:solidFill>
-              </a:rPr>
-              <a:t>プロファイルをシミュレーションして学習させていた</a:t>
-            </a:r>
-            <a:endParaRPr lang="en-US" altLang="ja-JP" sz="2000" dirty="0">
-              <a:solidFill>
-                <a:schemeClr val="tx2"/>
-              </a:solidFill>
-            </a:endParaRPr>
-          </a:p>
-          <a:p>
-            <a:pPr marL="0" indent="0">
-              <a:buNone/>
-            </a:pPr>
-            <a:r>
-              <a:rPr lang="ja-JP" altLang="en-US" sz="2000" dirty="0">
-                <a:solidFill>
-                  <a:schemeClr val="tx2"/>
-                </a:solidFill>
-              </a:rPr>
-              <a:t>　　→　・学習データ数が不十分（</a:t>
-            </a:r>
-            <a:r>
-              <a:rPr lang="en-US" altLang="ja-JP" sz="2000" dirty="0">
-                <a:solidFill>
-                  <a:schemeClr val="tx2"/>
-                </a:solidFill>
-              </a:rPr>
-              <a:t>27</a:t>
-            </a:r>
-            <a:r>
-              <a:rPr lang="ja-JP" altLang="en-US" sz="2000" dirty="0">
-                <a:solidFill>
-                  <a:schemeClr val="tx2"/>
-                </a:solidFill>
-              </a:rPr>
-              <a:t>万件でも）</a:t>
-            </a:r>
-            <a:endParaRPr lang="en-US" altLang="ja-JP" sz="2000" dirty="0">
-              <a:solidFill>
-                <a:schemeClr val="tx2"/>
-              </a:solidFill>
-            </a:endParaRPr>
-          </a:p>
-          <a:p>
-            <a:pPr marL="0" indent="0">
-              <a:buNone/>
-            </a:pPr>
-            <a:r>
-              <a:rPr lang="ja-JP" altLang="en-US" sz="2000" dirty="0">
-                <a:solidFill>
-                  <a:schemeClr val="tx2"/>
-                </a:solidFill>
-              </a:rPr>
-              <a:t>　　　　・登録されている結晶の数が、空間群によって著しく異なる</a:t>
-            </a:r>
-            <a:endParaRPr lang="en-US" altLang="ja-JP" sz="2000" dirty="0">
-              <a:solidFill>
-                <a:schemeClr val="tx2"/>
-              </a:solidFill>
-            </a:endParaRPr>
-          </a:p>
-          <a:p>
-            <a:pPr marL="0" indent="0">
-              <a:spcBef>
-                <a:spcPts val="1800"/>
-              </a:spcBef>
-              <a:buNone/>
-            </a:pPr>
-            <a:r>
-              <a:rPr lang="ja-JP" altLang="en-US" sz="2000" dirty="0">
-                <a:solidFill>
-                  <a:schemeClr val="tx2"/>
-                </a:solidFill>
-              </a:rPr>
-              <a:t>　</a:t>
-            </a:r>
-            <a:r>
-              <a:rPr lang="en-US" altLang="ja-JP" sz="2000" dirty="0">
-                <a:solidFill>
-                  <a:schemeClr val="tx2"/>
-                </a:solidFill>
-              </a:rPr>
-              <a:t>‣</a:t>
-            </a:r>
-            <a:r>
-              <a:rPr lang="ja-JP" altLang="en-US" sz="2000" dirty="0">
-                <a:solidFill>
-                  <a:schemeClr val="tx2"/>
-                </a:solidFill>
-              </a:rPr>
-              <a:t>この論文</a:t>
-            </a:r>
-            <a:r>
-              <a:rPr lang="ja-JP" altLang="en-US" sz="2000" dirty="0">
-                <a:solidFill>
-                  <a:schemeClr val="tx2"/>
-                </a:solidFill>
-                <a:sym typeface="Wingdings" panose="05000000000000000000" pitchFamily="2" charset="2"/>
-              </a:rPr>
-              <a:t>：</a:t>
-            </a:r>
-            <a:r>
-              <a:rPr lang="ja-JP" altLang="en-US" sz="2000" dirty="0">
-                <a:solidFill>
-                  <a:schemeClr val="tx2"/>
-                </a:solidFill>
-              </a:rPr>
-              <a:t>結晶構造（実在しない）をランダムに生成して、学習データに用いる</a:t>
-            </a:r>
-            <a:endParaRPr lang="en-US" altLang="ja-JP" sz="2000" dirty="0">
-              <a:solidFill>
-                <a:schemeClr val="tx2"/>
-              </a:solidFill>
-            </a:endParaRPr>
-          </a:p>
-          <a:p>
-            <a:pPr marL="0" indent="0">
-              <a:buNone/>
-            </a:pPr>
-            <a:r>
-              <a:rPr lang="ja-JP" altLang="en-US" sz="2000" dirty="0">
-                <a:solidFill>
-                  <a:schemeClr val="tx2"/>
-                </a:solidFill>
-              </a:rPr>
-              <a:t>　　→　従来法よりも、未知の構造に対するロバスト性が向上した</a:t>
-            </a:r>
-            <a:endParaRPr lang="en-US" altLang="ja-JP" sz="2000" dirty="0">
-              <a:solidFill>
-                <a:schemeClr val="tx2"/>
-              </a:solidFill>
-            </a:endParaRPr>
-          </a:p>
-        </p:txBody>
-      </p:sp>
-      <p:sp>
-        <p:nvSpPr>
-          <p:cNvPr id="4" name="スライド番号プレースホルダー 3"/>
+              <a:rPr kumimoji="1" lang="ja-JP" altLang="en-US" dirty="0"/>
+              <a:t>の論文調査</a:t>
+            </a:r>
+          </a:p>
+        </p:txBody>
+      </p:sp>
+      <p:sp>
+        <p:nvSpPr>
+          <p:cNvPr id="4" name="Slide Number Placeholder 3">
+            <a:extLst>
+              <a:ext uri="{FF2B5EF4-FFF2-40B4-BE49-F238E27FC236}">
+                <a16:creationId xmlns:a16="http://schemas.microsoft.com/office/drawing/2014/main" id="{060DB3B4-2843-CCDE-D56C-30901246F200}"/>
+              </a:ext>
+            </a:extLst>
+          </p:cNvPr>
           <p:cNvSpPr>
             <a:spLocks noGrp="1"/>
           </p:cNvSpPr>
@@ -20654,7 +21985,13 @@
       </p:sp>
       <p:sp>
         <p:nvSpPr>
-          <p:cNvPr id="5" name="フッター プレースホルダー 4"/>
+          <p:cNvPr id="5" name="Footer Placeholder 4">
+            <a:extLst>
+              <a:ext uri="{FF2B5EF4-FFF2-40B4-BE49-F238E27FC236}">
+                <a16:creationId xmlns:a16="http://schemas.microsoft.com/office/drawing/2014/main" id="{2D9BDC19-94CC-EEAF-6645-96AB57EC2373}"/>
+              </a:ext>
+            </a:extLst>
+          </p:cNvPr>
           <p:cNvSpPr>
             <a:spLocks noGrp="1"/>
           </p:cNvSpPr>
@@ -20686,10 +22023,37 @@
           </a:p>
         </p:txBody>
       </p:sp>
+      <p:sp>
+        <p:nvSpPr>
+          <p:cNvPr id="6" name="Text Placeholder 5">
+            <a:extLst>
+              <a:ext uri="{FF2B5EF4-FFF2-40B4-BE49-F238E27FC236}">
+                <a16:creationId xmlns:a16="http://schemas.microsoft.com/office/drawing/2014/main" id="{745A8BEE-55BD-EA5C-F84B-13D473983411}"/>
+              </a:ext>
+            </a:extLst>
+          </p:cNvPr>
+          <p:cNvSpPr>
+            <a:spLocks noGrp="1"/>
+          </p:cNvSpPr>
+          <p:nvPr>
+            <p:ph type="body" idx="13"/>
+          </p:nvPr>
+        </p:nvSpPr>
+        <p:spPr/>
+        <p:txBody>
+          <a:bodyPr>
+            <a:normAutofit fontScale="85000" lnSpcReduction="10000"/>
+          </a:bodyPr>
+          <a:lstStyle/>
+          <a:p>
+            <a:endParaRPr kumimoji="1" lang="ja-JP" altLang="en-US"/>
+          </a:p>
+        </p:txBody>
+      </p:sp>
     </p:spTree>
     <p:extLst>
       <p:ext uri="{BB962C8B-B14F-4D97-AF65-F5344CB8AC3E}">
-        <p14:creationId xmlns:p14="http://schemas.microsoft.com/office/powerpoint/2010/main" val="3593733492"/>
+        <p14:creationId xmlns:p14="http://schemas.microsoft.com/office/powerpoint/2010/main" val="4016415781"/>
       </p:ext>
     </p:extLst>
   </p:cSld>
@@ -20707,7 +22071,13 @@
   <p:cSld>
     <p:spTree>
       <p:nvGrpSpPr>
-        <p:cNvPr id="1" name=""/>
+        <p:cNvPr id="1" name="">
+          <a:extLst>
+            <a:ext uri="{FF2B5EF4-FFF2-40B4-BE49-F238E27FC236}">
+              <a16:creationId xmlns:a16="http://schemas.microsoft.com/office/drawing/2014/main" id="{2523BEDF-CD76-5213-E527-3AD211D76B04}"/>
+            </a:ext>
+          </a:extLst>
+        </p:cNvPr>
         <p:cNvGrpSpPr/>
         <p:nvPr/>
       </p:nvGrpSpPr>
@@ -20721,7 +22091,13 @@
       </p:grpSpPr>
       <p:sp>
         <p:nvSpPr>
-          <p:cNvPr id="2" name="タイトル 1"/>
+          <p:cNvPr id="2" name="タイトル 1">
+            <a:extLst>
+              <a:ext uri="{FF2B5EF4-FFF2-40B4-BE49-F238E27FC236}">
+                <a16:creationId xmlns:a16="http://schemas.microsoft.com/office/drawing/2014/main" id="{97E33E2D-0C01-EDFE-5AD0-9F3DC5C5A61E}"/>
+              </a:ext>
+            </a:extLst>
+          </p:cNvPr>
           <p:cNvSpPr>
             <a:spLocks noGrp="1"/>
           </p:cNvSpPr>
@@ -20737,383 +22113,29 @@
           <a:lstStyle/>
           <a:p>
             <a:r>
-              <a:rPr lang="ja-JP" altLang="en-US" sz="3600" dirty="0"/>
-              <a:t>学習</a:t>
-            </a:r>
-            <a:endParaRPr kumimoji="1" lang="ja-JP" altLang="en-US" sz="3600" dirty="0"/>
-          </a:p>
-        </p:txBody>
-      </p:sp>
-      <p:sp>
-        <p:nvSpPr>
-          <p:cNvPr id="3" name="コンテンツ プレースホルダー 2"/>
-          <p:cNvSpPr>
-            <a:spLocks noGrp="1"/>
-          </p:cNvSpPr>
-          <p:nvPr>
-            <p:ph idx="1"/>
-          </p:nvPr>
-        </p:nvSpPr>
-        <p:spPr>
-          <a:xfrm>
-            <a:off x="838200" y="1088136"/>
-            <a:ext cx="10515600" cy="5230367"/>
-          </a:xfrm>
-        </p:spPr>
-        <p:txBody>
-          <a:bodyPr>
-            <a:normAutofit/>
-          </a:bodyPr>
-          <a:lstStyle/>
-          <a:p>
-            <a:pPr marL="0" indent="0">
-              <a:buNone/>
-            </a:pPr>
-            <a:r>
-              <a:rPr lang="en-US" altLang="ja-JP" sz="2000" dirty="0">
-                <a:solidFill>
-                  <a:schemeClr val="tx2"/>
-                </a:solidFill>
-              </a:rPr>
-              <a:t>‣</a:t>
-            </a:r>
-            <a:r>
-              <a:rPr lang="ja-JP" altLang="en-US" sz="2000" dirty="0">
-                <a:solidFill>
-                  <a:schemeClr val="tx2"/>
-                </a:solidFill>
-              </a:rPr>
-              <a:t>学習データ生成</a:t>
-            </a:r>
-            <a:endParaRPr lang="en-US" altLang="ja-JP" sz="2000" dirty="0">
-              <a:solidFill>
-                <a:schemeClr val="tx2"/>
-              </a:solidFill>
-            </a:endParaRPr>
-          </a:p>
-          <a:p>
-            <a:pPr marL="0" indent="0">
-              <a:spcBef>
-                <a:spcPts val="1800"/>
-              </a:spcBef>
-              <a:buNone/>
-            </a:pPr>
-            <a:r>
-              <a:rPr lang="ja-JP" altLang="en-US" sz="2000" dirty="0">
-                <a:solidFill>
-                  <a:schemeClr val="tx2"/>
-                </a:solidFill>
-              </a:rPr>
-              <a:t>　　</a:t>
-            </a:r>
-            <a:r>
-              <a:rPr lang="en-US" altLang="ja-JP" sz="2000" dirty="0">
-                <a:solidFill>
-                  <a:schemeClr val="tx2"/>
-                </a:solidFill>
-              </a:rPr>
-              <a:t>1.</a:t>
-            </a:r>
-            <a:r>
-              <a:rPr lang="ja-JP" altLang="en-US" sz="2000" dirty="0">
-                <a:solidFill>
-                  <a:schemeClr val="tx2"/>
-                </a:solidFill>
-              </a:rPr>
-              <a:t> 空間群をランダムに選ぶ</a:t>
-            </a:r>
-            <a:endParaRPr lang="en-US" altLang="ja-JP" sz="2000" dirty="0">
-              <a:solidFill>
-                <a:schemeClr val="tx2"/>
-              </a:solidFill>
-            </a:endParaRPr>
-          </a:p>
-          <a:p>
-            <a:pPr marL="0" indent="0">
-              <a:buNone/>
-            </a:pPr>
-            <a:r>
-              <a:rPr lang="ja-JP" altLang="en-US" sz="2000" dirty="0">
-                <a:solidFill>
-                  <a:schemeClr val="tx2"/>
-                </a:solidFill>
-              </a:rPr>
-              <a:t>　　</a:t>
-            </a:r>
-            <a:r>
-              <a:rPr lang="en-US" altLang="ja-JP" sz="2000" dirty="0">
-                <a:solidFill>
-                  <a:schemeClr val="tx2"/>
-                </a:solidFill>
-              </a:rPr>
-              <a:t>2. </a:t>
-            </a:r>
-            <a:r>
-              <a:rPr lang="ja-JP" altLang="en-US" sz="2000" dirty="0">
-                <a:solidFill>
-                  <a:schemeClr val="tx2"/>
-                </a:solidFill>
-              </a:rPr>
-              <a:t>非対称単位中の原子の種類・数を決める</a:t>
-            </a:r>
-            <a:endParaRPr lang="en-US" altLang="ja-JP" sz="2000" dirty="0">
-              <a:solidFill>
-                <a:schemeClr val="tx2"/>
-              </a:solidFill>
-            </a:endParaRPr>
-          </a:p>
-          <a:p>
-            <a:pPr marL="0" indent="0">
-              <a:buNone/>
-            </a:pPr>
-            <a:r>
-              <a:rPr lang="ja-JP" altLang="en-US" sz="2000" dirty="0">
-                <a:solidFill>
-                  <a:schemeClr val="tx2"/>
-                </a:solidFill>
-              </a:rPr>
-              <a:t>　　</a:t>
-            </a:r>
-            <a:r>
-              <a:rPr lang="en-US" altLang="ja-JP" sz="2000" dirty="0">
-                <a:solidFill>
-                  <a:schemeClr val="tx2"/>
-                </a:solidFill>
-              </a:rPr>
-              <a:t>3. </a:t>
-            </a:r>
-            <a:r>
-              <a:rPr lang="ja-JP" altLang="en-US" sz="2000" dirty="0">
-                <a:solidFill>
-                  <a:schemeClr val="tx2"/>
-                </a:solidFill>
-              </a:rPr>
-              <a:t>原子を</a:t>
-            </a:r>
-            <a:r>
-              <a:rPr lang="en-US" altLang="ja-JP" sz="2000" dirty="0">
-                <a:solidFill>
-                  <a:schemeClr val="tx2"/>
-                </a:solidFill>
-              </a:rPr>
-              <a:t>Wyckoff</a:t>
-            </a:r>
-            <a:r>
-              <a:rPr lang="ja-JP" altLang="en-US" sz="2000" dirty="0">
-                <a:solidFill>
-                  <a:schemeClr val="tx2"/>
-                </a:solidFill>
-              </a:rPr>
-              <a:t>位置に配置する</a:t>
-            </a:r>
-            <a:endParaRPr lang="en-US" altLang="ja-JP" sz="2000" dirty="0">
-              <a:solidFill>
-                <a:schemeClr val="tx2"/>
-              </a:solidFill>
-            </a:endParaRPr>
-          </a:p>
-          <a:p>
-            <a:pPr marL="0" indent="0">
-              <a:buNone/>
-            </a:pPr>
-            <a:r>
-              <a:rPr lang="ja-JP" altLang="en-US" sz="2000" dirty="0">
-                <a:solidFill>
-                  <a:schemeClr val="tx2"/>
-                </a:solidFill>
-              </a:rPr>
-              <a:t>　　</a:t>
-            </a:r>
-            <a:r>
-              <a:rPr lang="en-US" altLang="ja-JP" sz="2000" dirty="0">
-                <a:solidFill>
-                  <a:schemeClr val="tx2"/>
-                </a:solidFill>
-              </a:rPr>
-              <a:t>4. </a:t>
-            </a:r>
-            <a:r>
-              <a:rPr lang="ja-JP" altLang="en-US" sz="2000" dirty="0">
-                <a:solidFill>
-                  <a:schemeClr val="tx2"/>
-                </a:solidFill>
-              </a:rPr>
-              <a:t>格子定数を</a:t>
-            </a:r>
-            <a:r>
-              <a:rPr lang="en-US" altLang="ja-JP" sz="2000" dirty="0">
-                <a:solidFill>
-                  <a:schemeClr val="tx2"/>
-                </a:solidFill>
-              </a:rPr>
-              <a:t>ICSD</a:t>
-            </a:r>
-            <a:r>
-              <a:rPr lang="ja-JP" altLang="en-US" sz="2000" dirty="0">
-                <a:solidFill>
-                  <a:schemeClr val="tx2"/>
-                </a:solidFill>
-              </a:rPr>
-              <a:t>に基づくカーネル密度推定で決める</a:t>
-            </a:r>
-            <a:endParaRPr lang="en-US" altLang="ja-JP" sz="2000" dirty="0">
-              <a:solidFill>
-                <a:schemeClr val="tx2"/>
-              </a:solidFill>
-            </a:endParaRPr>
-          </a:p>
-          <a:p>
-            <a:pPr marL="0" indent="0">
-              <a:buNone/>
-            </a:pPr>
-            <a:r>
-              <a:rPr lang="ja-JP" altLang="en-US" sz="2000" dirty="0">
-                <a:solidFill>
-                  <a:schemeClr val="tx2"/>
-                </a:solidFill>
-              </a:rPr>
-              <a:t>　　</a:t>
-            </a:r>
-            <a:r>
-              <a:rPr lang="en-US" altLang="ja-JP" sz="2000" dirty="0">
-                <a:solidFill>
-                  <a:schemeClr val="tx2"/>
-                </a:solidFill>
-              </a:rPr>
-              <a:t>5. </a:t>
-            </a:r>
-            <a:r>
-              <a:rPr lang="ja-JP" altLang="en-US" sz="2000" dirty="0">
-                <a:solidFill>
-                  <a:schemeClr val="tx2"/>
-                </a:solidFill>
-              </a:rPr>
-              <a:t>対称操作により単位格子を得る</a:t>
-            </a:r>
-            <a:endParaRPr lang="en-US" altLang="ja-JP" sz="2000" dirty="0">
-              <a:solidFill>
-                <a:schemeClr val="tx2"/>
-              </a:solidFill>
-            </a:endParaRPr>
-          </a:p>
-          <a:p>
-            <a:pPr marL="0" indent="0">
-              <a:spcBef>
-                <a:spcPts val="1800"/>
-              </a:spcBef>
-              <a:buNone/>
-            </a:pPr>
-            <a:r>
-              <a:rPr lang="ja-JP" altLang="en-US" sz="2000" dirty="0">
-                <a:solidFill>
-                  <a:schemeClr val="tx2"/>
-                </a:solidFill>
-              </a:rPr>
-              <a:t>　・</a:t>
-            </a:r>
-            <a:r>
-              <a:rPr lang="en-US" altLang="ja-JP" sz="2000" dirty="0">
-                <a:solidFill>
-                  <a:schemeClr val="tx2"/>
-                </a:solidFill>
-              </a:rPr>
-              <a:t>2, 3</a:t>
-            </a:r>
-            <a:r>
-              <a:rPr lang="ja-JP" altLang="en-US" sz="2000" dirty="0">
-                <a:solidFill>
-                  <a:schemeClr val="tx2"/>
-                </a:solidFill>
-              </a:rPr>
-              <a:t>は、</a:t>
-            </a:r>
-            <a:r>
-              <a:rPr lang="en-US" altLang="ja-JP" sz="2000" dirty="0">
-                <a:solidFill>
-                  <a:schemeClr val="tx2"/>
-                </a:solidFill>
-              </a:rPr>
-              <a:t>ICSD</a:t>
-            </a:r>
-            <a:r>
-              <a:rPr lang="ja-JP" altLang="en-US" sz="2000" dirty="0">
-                <a:solidFill>
-                  <a:schemeClr val="tx2"/>
-                </a:solidFill>
-              </a:rPr>
-              <a:t>に含まれる結晶の分布に従って、ランダムに選択する</a:t>
-            </a:r>
-            <a:endParaRPr lang="en-US" altLang="ja-JP" sz="2000" dirty="0">
-              <a:solidFill>
-                <a:schemeClr val="tx2"/>
-              </a:solidFill>
-            </a:endParaRPr>
-          </a:p>
-          <a:p>
-            <a:pPr marL="0" indent="0">
-              <a:buNone/>
-            </a:pPr>
-            <a:r>
-              <a:rPr lang="ja-JP" altLang="en-US" sz="2000" dirty="0">
-                <a:solidFill>
-                  <a:schemeClr val="tx2"/>
-                </a:solidFill>
-              </a:rPr>
-              <a:t>　・制限は、自由度０の</a:t>
-            </a:r>
-            <a:r>
-              <a:rPr lang="en-US" altLang="ja-JP" sz="2000" dirty="0">
-                <a:solidFill>
-                  <a:schemeClr val="tx2"/>
-                </a:solidFill>
-              </a:rPr>
-              <a:t>Wyckoff</a:t>
-            </a:r>
-            <a:r>
-              <a:rPr lang="ja-JP" altLang="en-US" sz="2000" dirty="0">
-                <a:solidFill>
-                  <a:schemeClr val="tx2"/>
-                </a:solidFill>
-              </a:rPr>
-              <a:t>位置に複数の原子を置かないことのみ</a:t>
-            </a:r>
-            <a:endParaRPr lang="en-US" altLang="ja-JP" sz="2000" dirty="0">
-              <a:solidFill>
-                <a:schemeClr val="tx2"/>
-              </a:solidFill>
-            </a:endParaRPr>
-          </a:p>
-          <a:p>
-            <a:pPr marL="0" indent="0">
-              <a:buNone/>
-            </a:pPr>
-            <a:r>
-              <a:rPr lang="ja-JP" altLang="en-US" sz="2000" dirty="0">
-                <a:solidFill>
-                  <a:schemeClr val="tx2"/>
-                </a:solidFill>
-              </a:rPr>
-              <a:t>　・</a:t>
-            </a:r>
-            <a:r>
-              <a:rPr lang="ja-JP" altLang="en-US" sz="2000" b="1" dirty="0">
-                <a:solidFill>
-                  <a:schemeClr val="tx2"/>
-                </a:solidFill>
-              </a:rPr>
-              <a:t>構造の安定性、原子の衝突などは考慮しない</a:t>
-            </a:r>
-            <a:endParaRPr lang="en-US" altLang="ja-JP" sz="2000" b="1" dirty="0">
-              <a:solidFill>
-                <a:schemeClr val="tx2"/>
-              </a:solidFill>
-            </a:endParaRPr>
-          </a:p>
-        </p:txBody>
-      </p:sp>
-      <p:sp>
-        <p:nvSpPr>
-          <p:cNvPr id="4" name="スライド番号プレースホルダー 3"/>
+              <a:rPr kumimoji="1" lang="ja-JP" altLang="en-US" sz="3600" dirty="0"/>
+              <a:t>前の</a:t>
+            </a:r>
+            <a:r>
+              <a:rPr kumimoji="1" lang="en-US" altLang="ja-JP" sz="3600" dirty="0"/>
+              <a:t>QA</a:t>
+            </a:r>
+            <a:r>
+              <a:rPr kumimoji="1" lang="ja-JP" altLang="en-US" sz="3600" dirty="0"/>
+              <a:t>システム</a:t>
+            </a:r>
+          </a:p>
+        </p:txBody>
+      </p:sp>
+      <p:sp>
+        <p:nvSpPr>
+          <p:cNvPr id="4" name="スライド番号プレースホルダー 3">
+            <a:extLst>
+              <a:ext uri="{FF2B5EF4-FFF2-40B4-BE49-F238E27FC236}">
+                <a16:creationId xmlns:a16="http://schemas.microsoft.com/office/drawing/2014/main" id="{EA906B1A-89DB-8B20-33DF-317FA4C9F141}"/>
+              </a:ext>
+            </a:extLst>
+          </p:cNvPr>
           <p:cNvSpPr>
             <a:spLocks noGrp="1"/>
           </p:cNvSpPr>
@@ -21177,7 +22199,7 @@
               </a:pPr>
               <a:t>3</a:t>
             </a:fld>
-            <a:endParaRPr kumimoji="0" lang="en-US" sz="800" b="0" i="0" u="none" strike="noStrike" kern="1200" cap="none" spc="0" normalizeH="0" baseline="0" noProof="0">
+            <a:endParaRPr kumimoji="0" lang="en-US" sz="800" b="0" i="0" u="none" strike="noStrike" kern="1200" cap="none" spc="0" normalizeH="0" baseline="0" noProof="0" dirty="0">
               <a:ln>
                 <a:noFill/>
               </a:ln>
@@ -21196,7 +22218,13 @@
       </p:sp>
       <p:sp>
         <p:nvSpPr>
-          <p:cNvPr id="5" name="フッター プレースホルダー 4"/>
+          <p:cNvPr id="5" name="フッター プレースホルダー 4">
+            <a:extLst>
+              <a:ext uri="{FF2B5EF4-FFF2-40B4-BE49-F238E27FC236}">
+                <a16:creationId xmlns:a16="http://schemas.microsoft.com/office/drawing/2014/main" id="{C2728F39-92A8-7FE2-C691-81EA10DD7ED9}"/>
+              </a:ext>
+            </a:extLst>
+          </p:cNvPr>
           <p:cNvSpPr>
             <a:spLocks noGrp="1"/>
           </p:cNvSpPr>
@@ -21228,10 +22256,669 @@
           </a:p>
         </p:txBody>
       </p:sp>
+      <p:sp>
+        <p:nvSpPr>
+          <p:cNvPr id="6" name="コンテンツ プレースホルダー 2">
+            <a:extLst>
+              <a:ext uri="{FF2B5EF4-FFF2-40B4-BE49-F238E27FC236}">
+                <a16:creationId xmlns:a16="http://schemas.microsoft.com/office/drawing/2014/main" id="{56B2104D-43A5-B474-3AFB-FEE52BC0A940}"/>
+              </a:ext>
+            </a:extLst>
+          </p:cNvPr>
+          <p:cNvSpPr txBox="1">
+            <a:spLocks/>
+          </p:cNvSpPr>
+          <p:nvPr/>
+        </p:nvSpPr>
+        <p:spPr>
+          <a:xfrm>
+            <a:off x="700177" y="1195833"/>
+            <a:ext cx="11290540" cy="5230367"/>
+          </a:xfrm>
+          <a:prstGeom prst="rect">
+            <a:avLst/>
+          </a:prstGeom>
+        </p:spPr>
+        <p:txBody>
+          <a:bodyPr vert="horz" lIns="91440" tIns="45720" rIns="91440" bIns="45720" rtlCol="0">
+            <a:normAutofit/>
+          </a:bodyPr>
+          <a:lstStyle>
+            <a:lvl1pPr marL="365760" indent="-365760" algn="l" defTabSz="914400" rtl="0" eaLnBrk="1" latinLnBrk="0" hangingPunct="1">
+              <a:lnSpc>
+                <a:spcPct val="110000"/>
+              </a:lnSpc>
+              <a:spcBef>
+                <a:spcPts val="1000"/>
+              </a:spcBef>
+              <a:spcAft>
+                <a:spcPts val="0"/>
+              </a:spcAft>
+              <a:buFont typeface="Arial" panose="020B0604020202020204" pitchFamily="34" charset="0"/>
+              <a:buChar char="•"/>
+              <a:tabLst/>
+              <a:defRPr kumimoji="1" sz="2800" kern="1200" baseline="0">
+                <a:solidFill>
+                  <a:srgbClr val="464646"/>
+                </a:solidFill>
+                <a:latin typeface="メイリオ" panose="020B0604030504040204" pitchFamily="50" charset="-128"/>
+                <a:ea typeface="メイリオ" panose="020B0604030504040204" pitchFamily="50" charset="-128"/>
+                <a:cs typeface="+mn-cs"/>
+              </a:defRPr>
+            </a:lvl1pPr>
+            <a:lvl2pPr marL="731520" indent="-365760" algn="l" defTabSz="914400" rtl="0" eaLnBrk="1" latinLnBrk="0" hangingPunct="1">
+              <a:lnSpc>
+                <a:spcPct val="110000"/>
+              </a:lnSpc>
+              <a:spcBef>
+                <a:spcPts val="1000"/>
+              </a:spcBef>
+              <a:spcAft>
+                <a:spcPts val="0"/>
+              </a:spcAft>
+              <a:buFont typeface="Calibri" panose="020F0502020204030204" pitchFamily="34" charset="0"/>
+              <a:buChar char="◦"/>
+              <a:defRPr kumimoji="1" sz="2400" kern="1200">
+                <a:solidFill>
+                  <a:srgbClr val="464646"/>
+                </a:solidFill>
+                <a:latin typeface="+mn-lt"/>
+                <a:ea typeface="Roboto" pitchFamily="2" charset="0"/>
+                <a:cs typeface="+mn-cs"/>
+              </a:defRPr>
+            </a:lvl2pPr>
+            <a:lvl3pPr marL="1097280" indent="-365760" algn="l" defTabSz="914400" rtl="0" eaLnBrk="1" latinLnBrk="0" hangingPunct="1">
+              <a:lnSpc>
+                <a:spcPct val="110000"/>
+              </a:lnSpc>
+              <a:spcBef>
+                <a:spcPts val="1000"/>
+              </a:spcBef>
+              <a:spcAft>
+                <a:spcPts val="0"/>
+              </a:spcAft>
+              <a:buSzPct val="75000"/>
+              <a:buFont typeface="Courier New" panose="02070309020205020404" pitchFamily="49" charset="0"/>
+              <a:buChar char="o"/>
+              <a:defRPr kumimoji="1" sz="2000" kern="1200" baseline="0">
+                <a:solidFill>
+                  <a:srgbClr val="464646"/>
+                </a:solidFill>
+                <a:latin typeface="メイリオ" panose="020B0604030504040204" pitchFamily="50" charset="-128"/>
+                <a:ea typeface="メイリオ" panose="020B0604030504040204" pitchFamily="50" charset="-128"/>
+                <a:cs typeface="+mn-cs"/>
+              </a:defRPr>
+            </a:lvl3pPr>
+            <a:lvl4pPr marL="1463040" indent="-365760" algn="l" defTabSz="914400" rtl="0" eaLnBrk="1" latinLnBrk="0" hangingPunct="1">
+              <a:lnSpc>
+                <a:spcPct val="110000"/>
+              </a:lnSpc>
+              <a:spcBef>
+                <a:spcPts val="1000"/>
+              </a:spcBef>
+              <a:spcAft>
+                <a:spcPts val="0"/>
+              </a:spcAft>
+              <a:buFont typeface="Roboto" panose="02000000000000000000" pitchFamily="2" charset="0"/>
+              <a:buChar char="−"/>
+              <a:defRPr kumimoji="1" sz="1800" kern="1200">
+                <a:solidFill>
+                  <a:srgbClr val="464646"/>
+                </a:solidFill>
+                <a:latin typeface="メイリオ" panose="020B0604030504040204" pitchFamily="50" charset="-128"/>
+                <a:ea typeface="メイリオ" panose="020B0604030504040204" pitchFamily="50" charset="-128"/>
+                <a:cs typeface="+mn-cs"/>
+              </a:defRPr>
+            </a:lvl4pPr>
+            <a:lvl5pPr marL="1828800" marR="0" indent="-365760" algn="l" defTabSz="914400" rtl="0" eaLnBrk="1" fontAlgn="auto" latinLnBrk="0" hangingPunct="1">
+              <a:lnSpc>
+                <a:spcPct val="110000"/>
+              </a:lnSpc>
+              <a:spcBef>
+                <a:spcPts val="1000"/>
+              </a:spcBef>
+              <a:spcAft>
+                <a:spcPts val="0"/>
+              </a:spcAft>
+              <a:buClrTx/>
+              <a:buSzTx/>
+              <a:buFont typeface="Roboto" panose="02000000000000000000" pitchFamily="2" charset="0"/>
+              <a:buChar char="−"/>
+              <a:tabLst/>
+              <a:defRPr kumimoji="1" sz="1800" kern="1200">
+                <a:solidFill>
+                  <a:srgbClr val="464646"/>
+                </a:solidFill>
+                <a:latin typeface="メイリオ" panose="020B0604030504040204" pitchFamily="50" charset="-128"/>
+                <a:ea typeface="メイリオ" panose="020B0604030504040204" pitchFamily="50" charset="-128"/>
+                <a:cs typeface="+mn-cs"/>
+              </a:defRPr>
+            </a:lvl5pPr>
+            <a:lvl6pPr marL="2514600" indent="-228600" algn="l" defTabSz="914400" rtl="0" eaLnBrk="1" latinLnBrk="0" hangingPunct="1">
+              <a:lnSpc>
+                <a:spcPct val="90000"/>
+              </a:lnSpc>
+              <a:spcBef>
+                <a:spcPts val="500"/>
+              </a:spcBef>
+              <a:buFont typeface="Arial" panose="020B0604020202020204" pitchFamily="34" charset="0"/>
+              <a:buChar char="•"/>
+              <a:defRPr kumimoji="1" sz="1800" kern="1200">
+                <a:solidFill>
+                  <a:schemeClr val="tx1"/>
+                </a:solidFill>
+                <a:latin typeface="+mn-lt"/>
+                <a:ea typeface="+mn-ea"/>
+                <a:cs typeface="+mn-cs"/>
+              </a:defRPr>
+            </a:lvl6pPr>
+            <a:lvl7pPr marL="2971800" indent="-228600" algn="l" defTabSz="914400" rtl="0" eaLnBrk="1" latinLnBrk="0" hangingPunct="1">
+              <a:lnSpc>
+                <a:spcPct val="90000"/>
+              </a:lnSpc>
+              <a:spcBef>
+                <a:spcPts val="500"/>
+              </a:spcBef>
+              <a:buFont typeface="Arial" panose="020B0604020202020204" pitchFamily="34" charset="0"/>
+              <a:buChar char="•"/>
+              <a:defRPr kumimoji="1" sz="1800" kern="1200">
+                <a:solidFill>
+                  <a:schemeClr val="tx1"/>
+                </a:solidFill>
+                <a:latin typeface="+mn-lt"/>
+                <a:ea typeface="+mn-ea"/>
+                <a:cs typeface="+mn-cs"/>
+              </a:defRPr>
+            </a:lvl7pPr>
+            <a:lvl8pPr marL="3429000" indent="-228600" algn="l" defTabSz="914400" rtl="0" eaLnBrk="1" latinLnBrk="0" hangingPunct="1">
+              <a:lnSpc>
+                <a:spcPct val="90000"/>
+              </a:lnSpc>
+              <a:spcBef>
+                <a:spcPts val="500"/>
+              </a:spcBef>
+              <a:buFont typeface="Arial" panose="020B0604020202020204" pitchFamily="34" charset="0"/>
+              <a:buChar char="•"/>
+              <a:defRPr kumimoji="1" sz="1800" kern="1200">
+                <a:solidFill>
+                  <a:schemeClr val="tx1"/>
+                </a:solidFill>
+                <a:latin typeface="+mn-lt"/>
+                <a:ea typeface="+mn-ea"/>
+                <a:cs typeface="+mn-cs"/>
+              </a:defRPr>
+            </a:lvl8pPr>
+            <a:lvl9pPr marL="3886200" indent="-228600" algn="l" defTabSz="914400" rtl="0" eaLnBrk="1" latinLnBrk="0" hangingPunct="1">
+              <a:lnSpc>
+                <a:spcPct val="90000"/>
+              </a:lnSpc>
+              <a:spcBef>
+                <a:spcPts val="500"/>
+              </a:spcBef>
+              <a:buFont typeface="Arial" panose="020B0604020202020204" pitchFamily="34" charset="0"/>
+              <a:buChar char="•"/>
+              <a:defRPr kumimoji="1" sz="1800" kern="1200">
+                <a:solidFill>
+                  <a:schemeClr val="tx1"/>
+                </a:solidFill>
+                <a:latin typeface="+mn-lt"/>
+                <a:ea typeface="+mn-ea"/>
+                <a:cs typeface="+mn-cs"/>
+              </a:defRPr>
+            </a:lvl9pPr>
+          </a:lstStyle>
+          <a:p>
+            <a:pPr>
+              <a:spcBef>
+                <a:spcPts val="1200"/>
+              </a:spcBef>
+            </a:pPr>
+            <a:r>
+              <a:rPr lang="en-US" altLang="ja-JP" sz="2000" dirty="0">
+                <a:solidFill>
+                  <a:schemeClr val="tx1"/>
+                </a:solidFill>
+              </a:rPr>
+              <a:t>Rag</a:t>
+            </a:r>
+            <a:r>
+              <a:rPr lang="ja-JP" altLang="en-US" sz="2000" dirty="0">
+                <a:solidFill>
+                  <a:schemeClr val="tx1"/>
+                </a:solidFill>
+              </a:rPr>
+              <a:t>（</a:t>
+            </a:r>
+            <a:r>
+              <a:rPr lang="en-US" altLang="ja-JP" sz="2000" dirty="0">
+                <a:solidFill>
+                  <a:schemeClr val="tx1"/>
+                </a:solidFill>
+              </a:rPr>
+              <a:t>Retrieval-Augmented Generation</a:t>
+            </a:r>
+            <a:r>
+              <a:rPr lang="ja-JP" altLang="en-US" sz="2000" dirty="0">
+                <a:solidFill>
+                  <a:schemeClr val="tx1"/>
+                </a:solidFill>
+              </a:rPr>
+              <a:t>）とは</a:t>
+            </a:r>
+            <a:endParaRPr lang="en-US" altLang="ja-JP" sz="2000" dirty="0">
+              <a:solidFill>
+                <a:schemeClr val="tx1"/>
+              </a:solidFill>
+            </a:endParaRPr>
+          </a:p>
+          <a:p>
+            <a:pPr lvl="1">
+              <a:spcBef>
+                <a:spcPts val="1200"/>
+              </a:spcBef>
+            </a:pPr>
+            <a:r>
+              <a:rPr lang="ja-JP" altLang="en-US" sz="1600" dirty="0">
+                <a:solidFill>
+                  <a:schemeClr val="tx1"/>
+                </a:solidFill>
+              </a:rPr>
+              <a:t>検索拡張生成</a:t>
+            </a:r>
+            <a:endParaRPr lang="en-US" altLang="ja-JP" sz="1600" dirty="0">
+              <a:solidFill>
+                <a:schemeClr val="tx1"/>
+              </a:solidFill>
+            </a:endParaRPr>
+          </a:p>
+          <a:p>
+            <a:pPr lvl="1">
+              <a:spcBef>
+                <a:spcPts val="1200"/>
+              </a:spcBef>
+            </a:pPr>
+            <a:r>
+              <a:rPr lang="en-US" altLang="ja-JP" sz="1600" dirty="0">
+                <a:solidFill>
+                  <a:schemeClr val="tx1"/>
+                </a:solidFill>
+              </a:rPr>
+              <a:t>LLM (Large Language Model: </a:t>
+            </a:r>
+            <a:r>
+              <a:rPr lang="ja-JP" altLang="en-US" sz="1600" dirty="0">
+                <a:solidFill>
+                  <a:schemeClr val="tx1"/>
+                </a:solidFill>
+              </a:rPr>
+              <a:t>大規模言語モデル</a:t>
+            </a:r>
+            <a:r>
+              <a:rPr lang="en-US" altLang="ja-JP" sz="1600" dirty="0">
+                <a:solidFill>
+                  <a:schemeClr val="tx1"/>
+                </a:solidFill>
+              </a:rPr>
+              <a:t>) </a:t>
+            </a:r>
+            <a:r>
+              <a:rPr lang="ja-JP" altLang="en-US" sz="1600" dirty="0">
+                <a:solidFill>
+                  <a:schemeClr val="tx1"/>
+                </a:solidFill>
+              </a:rPr>
+              <a:t>が持つ内部知識を補うために外部知識を活用する</a:t>
+            </a:r>
+            <a:endParaRPr lang="en-US" altLang="ja-JP" sz="1600" dirty="0">
+              <a:solidFill>
+                <a:schemeClr val="tx1"/>
+              </a:solidFill>
+            </a:endParaRPr>
+          </a:p>
+          <a:p>
+            <a:pPr marL="365760" lvl="1" indent="0">
+              <a:spcBef>
+                <a:spcPts val="1200"/>
+              </a:spcBef>
+              <a:buNone/>
+            </a:pPr>
+            <a:endParaRPr lang="en-US" altLang="ja-JP" sz="1600" dirty="0">
+              <a:solidFill>
+                <a:schemeClr val="tx1"/>
+              </a:solidFill>
+            </a:endParaRPr>
+          </a:p>
+          <a:p>
+            <a:pPr marL="365760" lvl="1" indent="0">
+              <a:spcBef>
+                <a:spcPts val="1200"/>
+              </a:spcBef>
+              <a:buNone/>
+            </a:pPr>
+            <a:endParaRPr lang="en-US" altLang="ja-JP" sz="1600" dirty="0">
+              <a:solidFill>
+                <a:schemeClr val="tx1"/>
+              </a:solidFill>
+            </a:endParaRPr>
+          </a:p>
+          <a:p>
+            <a:pPr lvl="4">
+              <a:spcBef>
+                <a:spcPts val="1200"/>
+              </a:spcBef>
+            </a:pPr>
+            <a:endParaRPr lang="en-US" altLang="ja-JP" sz="1000" dirty="0">
+              <a:solidFill>
+                <a:schemeClr val="tx1"/>
+              </a:solidFill>
+            </a:endParaRPr>
+          </a:p>
+          <a:p>
+            <a:pPr>
+              <a:spcBef>
+                <a:spcPts val="1200"/>
+              </a:spcBef>
+            </a:pPr>
+            <a:endParaRPr lang="en-US" altLang="ja-JP" sz="2000" dirty="0">
+              <a:solidFill>
+                <a:schemeClr val="tx1"/>
+              </a:solidFill>
+            </a:endParaRPr>
+          </a:p>
+          <a:p>
+            <a:pPr>
+              <a:spcBef>
+                <a:spcPts val="1200"/>
+              </a:spcBef>
+            </a:pPr>
+            <a:endParaRPr lang="en-US" altLang="ja-JP" sz="2000" dirty="0">
+              <a:solidFill>
+                <a:schemeClr val="tx1"/>
+              </a:solidFill>
+            </a:endParaRPr>
+          </a:p>
+        </p:txBody>
+      </p:sp>
+      <p:pic>
+        <p:nvPicPr>
+          <p:cNvPr id="7" name="Picture 6">
+            <a:extLst>
+              <a:ext uri="{FF2B5EF4-FFF2-40B4-BE49-F238E27FC236}">
+                <a16:creationId xmlns:a16="http://schemas.microsoft.com/office/drawing/2014/main" id="{AE14047D-5261-8A94-12BD-9733D5F3AF7A}"/>
+              </a:ext>
+            </a:extLst>
+          </p:cNvPr>
+          <p:cNvPicPr>
+            <a:picLocks noChangeAspect="1"/>
+          </p:cNvPicPr>
+          <p:nvPr/>
+        </p:nvPicPr>
+        <p:blipFill>
+          <a:blip r:embed="rId3"/>
+          <a:stretch>
+            <a:fillRect/>
+          </a:stretch>
+        </p:blipFill>
+        <p:spPr>
+          <a:xfrm>
+            <a:off x="1721144" y="2712431"/>
+            <a:ext cx="4543473" cy="3157268"/>
+          </a:xfrm>
+          <a:prstGeom prst="rect">
+            <a:avLst/>
+          </a:prstGeom>
+        </p:spPr>
+      </p:pic>
+      <p:sp>
+        <p:nvSpPr>
+          <p:cNvPr id="9" name="TextBox 8">
+            <a:extLst>
+              <a:ext uri="{FF2B5EF4-FFF2-40B4-BE49-F238E27FC236}">
+                <a16:creationId xmlns:a16="http://schemas.microsoft.com/office/drawing/2014/main" id="{D30616C4-CF78-E649-8208-120808360725}"/>
+              </a:ext>
+            </a:extLst>
+          </p:cNvPr>
+          <p:cNvSpPr txBox="1"/>
+          <p:nvPr/>
+        </p:nvSpPr>
+        <p:spPr>
+          <a:xfrm>
+            <a:off x="1798320" y="5949019"/>
+            <a:ext cx="3992880" cy="538609"/>
+          </a:xfrm>
+          <a:prstGeom prst="rect">
+            <a:avLst/>
+          </a:prstGeom>
+          <a:noFill/>
+        </p:spPr>
+        <p:txBody>
+          <a:bodyPr wrap="square" rtlCol="0">
+            <a:spAutoFit/>
+          </a:bodyPr>
+          <a:lstStyle/>
+          <a:p>
+            <a:r>
+              <a:rPr lang="en-US" altLang="ja-JP" sz="1100" dirty="0">
+                <a:hlinkClick r:id="rId4"/>
+              </a:rPr>
+              <a:t>【RAG</a:t>
+            </a:r>
+            <a:r>
+              <a:rPr lang="ja-JP" altLang="en-US" sz="1100" dirty="0">
+                <a:hlinkClick r:id="rId4"/>
+              </a:rPr>
+              <a:t>入門</a:t>
+            </a:r>
+            <a:r>
+              <a:rPr lang="en-US" altLang="ja-JP" sz="1100" dirty="0">
+                <a:hlinkClick r:id="rId4"/>
+              </a:rPr>
+              <a:t>】RAG</a:t>
+            </a:r>
+            <a:r>
+              <a:rPr lang="ja-JP" altLang="en-US" sz="1100" dirty="0">
+                <a:hlinkClick r:id="rId4"/>
+              </a:rPr>
+              <a:t>って何？なぜ</a:t>
+            </a:r>
+            <a:r>
+              <a:rPr lang="en-US" altLang="ja-JP" sz="1100" dirty="0">
+                <a:hlinkClick r:id="rId4"/>
+              </a:rPr>
+              <a:t>RAG</a:t>
+            </a:r>
+            <a:r>
+              <a:rPr lang="ja-JP" altLang="en-US" sz="1100" dirty="0">
+                <a:hlinkClick r:id="rId4"/>
+              </a:rPr>
+              <a:t>が注目を浴びるのか？</a:t>
+            </a:r>
+            <a:endParaRPr lang="ja-JP" altLang="en-US" sz="1100" dirty="0"/>
+          </a:p>
+          <a:p>
+            <a:endParaRPr kumimoji="1" lang="ja-JP" altLang="en-US" dirty="0"/>
+          </a:p>
+        </p:txBody>
+      </p:sp>
+      <p:sp>
+        <p:nvSpPr>
+          <p:cNvPr id="3" name="Speech Bubble: Rectangle with Corners Rounded 2">
+            <a:extLst>
+              <a:ext uri="{FF2B5EF4-FFF2-40B4-BE49-F238E27FC236}">
+                <a16:creationId xmlns:a16="http://schemas.microsoft.com/office/drawing/2014/main" id="{F068DBEC-98AE-5596-827E-CCB2A7E79EB8}"/>
+              </a:ext>
+            </a:extLst>
+          </p:cNvPr>
+          <p:cNvSpPr/>
+          <p:nvPr/>
+        </p:nvSpPr>
+        <p:spPr>
+          <a:xfrm>
+            <a:off x="6830929" y="2712431"/>
+            <a:ext cx="5159788" cy="1078992"/>
+          </a:xfrm>
+          <a:prstGeom prst="wedgeRoundRectCallout">
+            <a:avLst>
+              <a:gd name="adj1" fmla="val -58402"/>
+              <a:gd name="adj2" fmla="val -15466"/>
+              <a:gd name="adj3" fmla="val 16667"/>
+            </a:avLst>
+          </a:prstGeom>
+          <a:noFill/>
+          <a:ln w="9525" cap="flat" cmpd="sng" algn="ctr">
+            <a:solidFill>
+              <a:schemeClr val="accent1"/>
+            </a:solidFill>
+            <a:prstDash val="solid"/>
+            <a:round/>
+            <a:headEnd type="none" w="med" len="med"/>
+            <a:tailEnd type="none" w="med" len="med"/>
+          </a:ln>
+        </p:spPr>
+        <p:style>
+          <a:lnRef idx="0">
+            <a:scrgbClr r="0" g="0" b="0"/>
+          </a:lnRef>
+          <a:fillRef idx="0">
+            <a:scrgbClr r="0" g="0" b="0"/>
+          </a:fillRef>
+          <a:effectRef idx="0">
+            <a:scrgbClr r="0" g="0" b="0"/>
+          </a:effectRef>
+          <a:fontRef idx="minor">
+            <a:schemeClr val="accent1"/>
+          </a:fontRef>
+        </p:style>
+        <p:txBody>
+          <a:bodyPr rtlCol="0" anchor="ctr"/>
+          <a:lstStyle/>
+          <a:p>
+            <a:pPr algn="ctr"/>
+            <a:r>
+              <a:rPr kumimoji="1" lang="ja-JP" altLang="en-US" dirty="0"/>
+              <a:t>質問に対して、どこに調べにいくかわからない</a:t>
+            </a:r>
+            <a:endParaRPr kumimoji="1" lang="en-US" altLang="ja-JP" dirty="0"/>
+          </a:p>
+          <a:p>
+            <a:pPr algn="ctr"/>
+            <a:r>
+              <a:rPr lang="ja-JP" altLang="en-US" dirty="0"/>
+              <a:t>例　</a:t>
+            </a:r>
+            <a:r>
+              <a:rPr lang="en-US" altLang="ja-JP" dirty="0"/>
+              <a:t>XRD</a:t>
+            </a:r>
+            <a:r>
+              <a:rPr lang="ja-JP" altLang="en-US" dirty="0"/>
+              <a:t>⇒</a:t>
+            </a:r>
+            <a:r>
+              <a:rPr lang="en-US" altLang="ja-JP" dirty="0"/>
+              <a:t>XRD</a:t>
+            </a:r>
+            <a:r>
+              <a:rPr lang="ja-JP" altLang="en-US" dirty="0"/>
+              <a:t>の教科書</a:t>
+            </a:r>
+            <a:endParaRPr lang="en-US" altLang="ja-JP" dirty="0"/>
+          </a:p>
+          <a:p>
+            <a:pPr algn="ctr"/>
+            <a:r>
+              <a:rPr kumimoji="1" lang="en-US" altLang="ja-JP" dirty="0"/>
+              <a:t>AI</a:t>
+            </a:r>
+            <a:r>
+              <a:rPr kumimoji="1" lang="ja-JP" altLang="en-US" dirty="0"/>
+              <a:t>⇒</a:t>
+            </a:r>
+            <a:r>
+              <a:rPr kumimoji="1" lang="en-US" altLang="ja-JP" dirty="0"/>
+              <a:t>ML</a:t>
+            </a:r>
+            <a:r>
+              <a:rPr kumimoji="1" lang="ja-JP" altLang="en-US" dirty="0"/>
+              <a:t>の教科書</a:t>
+            </a:r>
+          </a:p>
+        </p:txBody>
+      </p:sp>
+      <p:sp>
+        <p:nvSpPr>
+          <p:cNvPr id="10" name="Speech Bubble: Rectangle with Corners Rounded 9">
+            <a:extLst>
+              <a:ext uri="{FF2B5EF4-FFF2-40B4-BE49-F238E27FC236}">
+                <a16:creationId xmlns:a16="http://schemas.microsoft.com/office/drawing/2014/main" id="{5BC6507B-35F5-A4F7-F979-6E9C9958E3AC}"/>
+              </a:ext>
+            </a:extLst>
+          </p:cNvPr>
+          <p:cNvSpPr/>
+          <p:nvPr/>
+        </p:nvSpPr>
+        <p:spPr>
+          <a:xfrm>
+            <a:off x="6830928" y="4583175"/>
+            <a:ext cx="5361071" cy="1078992"/>
+          </a:xfrm>
+          <a:prstGeom prst="wedgeRoundRectCallout">
+            <a:avLst>
+              <a:gd name="adj1" fmla="val -58402"/>
+              <a:gd name="adj2" fmla="val -15466"/>
+              <a:gd name="adj3" fmla="val 16667"/>
+            </a:avLst>
+          </a:prstGeom>
+          <a:noFill/>
+          <a:ln w="9525" cap="flat" cmpd="sng" algn="ctr">
+            <a:solidFill>
+              <a:schemeClr val="accent1"/>
+            </a:solidFill>
+            <a:prstDash val="solid"/>
+            <a:round/>
+            <a:headEnd type="none" w="med" len="med"/>
+            <a:tailEnd type="none" w="med" len="med"/>
+          </a:ln>
+        </p:spPr>
+        <p:style>
+          <a:lnRef idx="0">
+            <a:scrgbClr r="0" g="0" b="0"/>
+          </a:lnRef>
+          <a:fillRef idx="0">
+            <a:scrgbClr r="0" g="0" b="0"/>
+          </a:fillRef>
+          <a:effectRef idx="0">
+            <a:scrgbClr r="0" g="0" b="0"/>
+          </a:effectRef>
+          <a:fontRef idx="minor">
+            <a:schemeClr val="accent1"/>
+          </a:fontRef>
+        </p:style>
+        <p:txBody>
+          <a:bodyPr rtlCol="0" anchor="ctr"/>
+          <a:lstStyle/>
+          <a:p>
+            <a:pPr algn="ctr"/>
+            <a:r>
+              <a:rPr kumimoji="1" lang="ja-JP" altLang="en-US" dirty="0"/>
+              <a:t>検索効率が低い</a:t>
+            </a:r>
+            <a:endParaRPr kumimoji="1" lang="en-US" altLang="ja-JP" dirty="0"/>
+          </a:p>
+          <a:p>
+            <a:pPr algn="ctr"/>
+            <a:r>
+              <a:rPr lang="ja-JP" altLang="en-US" dirty="0"/>
+              <a:t>人間のような考えながら動くすることができない</a:t>
+            </a:r>
+            <a:endParaRPr kumimoji="1" lang="ja-JP" altLang="en-US" dirty="0"/>
+          </a:p>
+        </p:txBody>
+      </p:sp>
     </p:spTree>
     <p:extLst>
       <p:ext uri="{BB962C8B-B14F-4D97-AF65-F5344CB8AC3E}">
-        <p14:creationId xmlns:p14="http://schemas.microsoft.com/office/powerpoint/2010/main" val="3599340794"/>
+        <p14:creationId xmlns:p14="http://schemas.microsoft.com/office/powerpoint/2010/main" val="242264771"/>
       </p:ext>
     </p:extLst>
   </p:cSld>
@@ -21263,7 +22950,13 @@
       </p:grpSpPr>
       <p:sp>
         <p:nvSpPr>
-          <p:cNvPr id="2" name="タイトル 1"/>
+          <p:cNvPr id="2" name="Title 1">
+            <a:extLst>
+              <a:ext uri="{FF2B5EF4-FFF2-40B4-BE49-F238E27FC236}">
+                <a16:creationId xmlns:a16="http://schemas.microsoft.com/office/drawing/2014/main" id="{83173357-9DF0-4C53-063A-349D6EB9923A}"/>
+              </a:ext>
+            </a:extLst>
+          </p:cNvPr>
           <p:cNvSpPr>
             <a:spLocks noGrp="1"/>
           </p:cNvSpPr>
@@ -21274,342 +22967,42 @@
         <p:spPr/>
         <p:txBody>
           <a:bodyPr>
-            <a:normAutofit/>
+            <a:normAutofit fontScale="90000"/>
           </a:bodyPr>
           <a:lstStyle/>
           <a:p>
             <a:r>
-              <a:rPr lang="ja-JP" altLang="en-US" sz="3600" dirty="0"/>
-              <a:t>学習</a:t>
-            </a:r>
-            <a:endParaRPr kumimoji="1" lang="ja-JP" altLang="en-US" sz="3600" dirty="0"/>
-          </a:p>
-        </p:txBody>
-      </p:sp>
-      <p:sp>
-        <p:nvSpPr>
-          <p:cNvPr id="3" name="コンテンツ プレースホルダー 2"/>
-          <p:cNvSpPr>
-            <a:spLocks noGrp="1"/>
-          </p:cNvSpPr>
-          <p:nvPr>
-            <p:ph idx="1"/>
-          </p:nvPr>
-        </p:nvSpPr>
-        <p:spPr>
-          <a:xfrm>
-            <a:off x="838200" y="1088136"/>
-            <a:ext cx="10515600" cy="5230367"/>
-          </a:xfrm>
-        </p:spPr>
-        <p:txBody>
-          <a:bodyPr>
-            <a:normAutofit/>
-          </a:bodyPr>
-          <a:lstStyle/>
-          <a:p>
-            <a:pPr marL="0" indent="0">
-              <a:buNone/>
-            </a:pPr>
-            <a:r>
-              <a:rPr lang="en-US" altLang="ja-JP" sz="2000" dirty="0">
-                <a:solidFill>
-                  <a:schemeClr val="tx2"/>
-                </a:solidFill>
-              </a:rPr>
-              <a:t>‣</a:t>
-            </a:r>
-            <a:r>
-              <a:rPr lang="ja-JP" altLang="en-US" sz="2000" dirty="0">
-                <a:solidFill>
-                  <a:schemeClr val="tx2"/>
-                </a:solidFill>
-              </a:rPr>
-              <a:t>学習データは動的に生成する</a:t>
-            </a:r>
-            <a:endParaRPr lang="en-US" altLang="ja-JP" sz="2000" dirty="0">
-              <a:solidFill>
-                <a:schemeClr val="tx2"/>
-              </a:solidFill>
-            </a:endParaRPr>
-          </a:p>
-          <a:p>
-            <a:pPr marL="0" indent="0">
-              <a:buNone/>
-            </a:pPr>
-            <a:endParaRPr lang="en-US" altLang="ja-JP" sz="2000" dirty="0">
-              <a:solidFill>
-                <a:schemeClr val="tx2"/>
-              </a:solidFill>
-            </a:endParaRPr>
-          </a:p>
-          <a:p>
-            <a:pPr marL="0" indent="0">
-              <a:buNone/>
-            </a:pPr>
-            <a:r>
-              <a:rPr lang="en-US" altLang="ja-JP" sz="2000" dirty="0">
-                <a:solidFill>
-                  <a:schemeClr val="tx2"/>
-                </a:solidFill>
-              </a:rPr>
-              <a:t>‣</a:t>
-            </a:r>
-            <a:r>
-              <a:rPr lang="ja-JP" altLang="en-US" sz="2000" dirty="0">
-                <a:solidFill>
-                  <a:schemeClr val="tx2"/>
-                </a:solidFill>
-              </a:rPr>
-              <a:t>学習</a:t>
-            </a:r>
-            <a:r>
-              <a:rPr lang="en-US" altLang="ja-JP" sz="2000" dirty="0">
-                <a:solidFill>
-                  <a:schemeClr val="tx2"/>
-                </a:solidFill>
-              </a:rPr>
-              <a:t>/</a:t>
-            </a:r>
-            <a:r>
-              <a:rPr lang="ja-JP" altLang="en-US" sz="2000" dirty="0">
-                <a:solidFill>
-                  <a:schemeClr val="tx2"/>
-                </a:solidFill>
-              </a:rPr>
-              <a:t>テストデータの分割</a:t>
-            </a:r>
-            <a:endParaRPr lang="en-US" altLang="ja-JP" sz="2000" dirty="0">
-              <a:solidFill>
-                <a:schemeClr val="tx2"/>
-              </a:solidFill>
-            </a:endParaRPr>
-          </a:p>
-          <a:p>
-            <a:pPr marL="0" indent="0">
-              <a:buNone/>
-            </a:pPr>
-            <a:r>
-              <a:rPr lang="ja-JP" altLang="en-US" sz="2000" dirty="0">
-                <a:solidFill>
-                  <a:schemeClr val="tx2"/>
-                </a:solidFill>
-              </a:rPr>
-              <a:t>　</a:t>
-            </a:r>
-            <a:r>
-              <a:rPr lang="en-US" altLang="ja-JP" sz="2000" dirty="0">
-                <a:solidFill>
-                  <a:schemeClr val="tx2"/>
-                </a:solidFill>
-              </a:rPr>
-              <a:t>…</a:t>
-            </a:r>
-            <a:r>
-              <a:rPr lang="ja-JP" altLang="en-US" sz="2000" dirty="0">
-                <a:solidFill>
-                  <a:schemeClr val="tx2"/>
-                </a:solidFill>
-              </a:rPr>
-              <a:t>　</a:t>
-            </a:r>
-            <a:r>
-              <a:rPr lang="en-US" altLang="ja-JP" sz="2000" dirty="0">
-                <a:solidFill>
-                  <a:schemeClr val="tx2"/>
-                </a:solidFill>
-              </a:rPr>
-              <a:t>ICSD</a:t>
-            </a:r>
-            <a:r>
-              <a:rPr lang="ja-JP" altLang="en-US" sz="2000" dirty="0">
-                <a:solidFill>
-                  <a:schemeClr val="tx2"/>
-                </a:solidFill>
-              </a:rPr>
-              <a:t>には似た構造の結晶が多く登録されているため、</a:t>
-            </a:r>
-            <a:endParaRPr lang="en-US" altLang="ja-JP" sz="2000" dirty="0">
-              <a:solidFill>
-                <a:schemeClr val="tx2"/>
-              </a:solidFill>
-            </a:endParaRPr>
-          </a:p>
-          <a:p>
-            <a:pPr marL="0" indent="0">
-              <a:buNone/>
-            </a:pPr>
-            <a:r>
-              <a:rPr lang="ja-JP" altLang="en-US" sz="2000" dirty="0">
-                <a:solidFill>
-                  <a:schemeClr val="tx2"/>
-                </a:solidFill>
-              </a:rPr>
-              <a:t>　　　ランダムに学習</a:t>
-            </a:r>
-            <a:r>
-              <a:rPr lang="en-US" altLang="ja-JP" sz="2000" dirty="0">
-                <a:solidFill>
-                  <a:schemeClr val="tx2"/>
-                </a:solidFill>
-              </a:rPr>
-              <a:t>/</a:t>
-            </a:r>
-            <a:r>
-              <a:rPr lang="ja-JP" altLang="en-US" sz="2000" dirty="0">
-                <a:solidFill>
-                  <a:schemeClr val="tx2"/>
-                </a:solidFill>
-              </a:rPr>
-              <a:t>テストデータを分割した場合は、</a:t>
-            </a:r>
-            <a:endParaRPr lang="en-US" altLang="ja-JP" sz="2000" dirty="0">
-              <a:solidFill>
-                <a:schemeClr val="tx2"/>
-              </a:solidFill>
-            </a:endParaRPr>
-          </a:p>
-          <a:p>
-            <a:pPr marL="0" indent="0">
-              <a:buNone/>
-            </a:pPr>
-            <a:r>
-              <a:rPr lang="ja-JP" altLang="en-US" sz="2000" dirty="0">
-                <a:solidFill>
-                  <a:schemeClr val="tx2"/>
-                </a:solidFill>
-              </a:rPr>
-              <a:t>　　　未知の結晶に対する分類性能を正しく評価できない</a:t>
-            </a:r>
-            <a:endParaRPr lang="en-US" altLang="ja-JP" sz="2000" dirty="0">
-              <a:solidFill>
-                <a:schemeClr val="tx2"/>
-              </a:solidFill>
-            </a:endParaRPr>
-          </a:p>
-          <a:p>
-            <a:pPr marL="0" indent="0">
-              <a:buNone/>
-            </a:pPr>
-            <a:r>
-              <a:rPr lang="ja-JP" altLang="en-US" sz="2000" dirty="0">
-                <a:solidFill>
-                  <a:schemeClr val="tx2"/>
-                </a:solidFill>
-              </a:rPr>
-              <a:t>　　　→　</a:t>
-            </a:r>
-            <a:r>
-              <a:rPr lang="en-US" altLang="ja-JP" sz="2000" dirty="0">
-                <a:solidFill>
-                  <a:schemeClr val="tx2"/>
-                </a:solidFill>
-              </a:rPr>
-              <a:t>Structure type</a:t>
-            </a:r>
-            <a:r>
-              <a:rPr lang="ja-JP" altLang="en-US" sz="2000" dirty="0">
-                <a:solidFill>
-                  <a:schemeClr val="tx2"/>
-                </a:solidFill>
-              </a:rPr>
-              <a:t> ごとに、学習</a:t>
-            </a:r>
-            <a:r>
-              <a:rPr lang="en-US" altLang="ja-JP" sz="2000" dirty="0">
-                <a:solidFill>
-                  <a:schemeClr val="tx2"/>
-                </a:solidFill>
-              </a:rPr>
-              <a:t>/</a:t>
-            </a:r>
-            <a:r>
-              <a:rPr lang="ja-JP" altLang="en-US" sz="2000" dirty="0">
-                <a:solidFill>
-                  <a:schemeClr val="tx2"/>
-                </a:solidFill>
-              </a:rPr>
-              <a:t>テストデータを分割する</a:t>
-            </a:r>
-            <a:endParaRPr lang="en-US" altLang="ja-JP" sz="2000" dirty="0">
-              <a:solidFill>
-                <a:schemeClr val="tx2"/>
-              </a:solidFill>
-            </a:endParaRPr>
-          </a:p>
-          <a:p>
-            <a:pPr marL="0" indent="0">
-              <a:buNone/>
-            </a:pPr>
-            <a:endParaRPr lang="en-US" altLang="ja-JP" sz="2000" dirty="0">
-              <a:solidFill>
-                <a:schemeClr val="tx2"/>
-              </a:solidFill>
-            </a:endParaRPr>
-          </a:p>
-          <a:p>
-            <a:pPr marL="0" indent="0">
-              <a:buNone/>
-            </a:pPr>
-            <a:r>
-              <a:rPr lang="en-US" altLang="ja-JP" sz="2000" dirty="0">
-                <a:solidFill>
-                  <a:schemeClr val="tx2"/>
-                </a:solidFill>
-              </a:rPr>
-              <a:t>‣</a:t>
-            </a:r>
-            <a:r>
-              <a:rPr lang="ja-JP" altLang="en-US" sz="2000" dirty="0">
-                <a:solidFill>
-                  <a:schemeClr val="tx2"/>
-                </a:solidFill>
-              </a:rPr>
-              <a:t>モデル　</a:t>
-            </a:r>
-            <a:r>
-              <a:rPr lang="en-US" altLang="ja-JP" sz="2000" dirty="0">
-                <a:solidFill>
-                  <a:schemeClr val="tx2"/>
-                </a:solidFill>
-              </a:rPr>
-              <a:t>…</a:t>
-            </a:r>
-            <a:r>
-              <a:rPr lang="ja-JP" altLang="en-US" sz="2000" dirty="0">
-                <a:solidFill>
-                  <a:schemeClr val="tx2"/>
-                </a:solidFill>
-              </a:rPr>
-              <a:t>　複数種類の畳み込みモデル（最大で</a:t>
-            </a:r>
-            <a:r>
-              <a:rPr lang="en-US" altLang="ja-JP" sz="2000" dirty="0">
-                <a:solidFill>
-                  <a:schemeClr val="tx2"/>
-                </a:solidFill>
-              </a:rPr>
-              <a:t>ResNet-101</a:t>
-            </a:r>
-            <a:r>
-              <a:rPr lang="ja-JP" altLang="en-US" sz="2000" dirty="0">
-                <a:solidFill>
-                  <a:schemeClr val="tx2"/>
-                </a:solidFill>
-              </a:rPr>
-              <a:t>）</a:t>
-            </a:r>
-            <a:endParaRPr lang="en-US" altLang="ja-JP" sz="2000" dirty="0">
-              <a:solidFill>
-                <a:schemeClr val="tx2"/>
-              </a:solidFill>
-            </a:endParaRPr>
-          </a:p>
-        </p:txBody>
-      </p:sp>
-      <p:sp>
-        <p:nvSpPr>
-          <p:cNvPr id="4" name="スライド番号プレースホルダー 3"/>
+              <a:rPr lang="en-US" altLang="ja-JP" dirty="0"/>
+              <a:t>QA</a:t>
+            </a:r>
+            <a:r>
+              <a:rPr lang="ja-JP" altLang="en-US" dirty="0"/>
+              <a:t>システムに</a:t>
+            </a:r>
+            <a:r>
+              <a:rPr lang="en-US" altLang="ja-JP" dirty="0"/>
+              <a:t>Agent</a:t>
+            </a:r>
+            <a:r>
+              <a:rPr lang="ja-JP" altLang="en-US" dirty="0"/>
+              <a:t>を導入</a:t>
+            </a:r>
+            <a:br>
+              <a:rPr lang="en-US" altLang="ja-JP" dirty="0"/>
+            </a:br>
+            <a:endParaRPr kumimoji="1" lang="ja-JP" altLang="en-US" dirty="0"/>
+          </a:p>
+        </p:txBody>
+      </p:sp>
+      <p:sp>
+        <p:nvSpPr>
+          <p:cNvPr id="4" name="Slide Number Placeholder 3">
+            <a:extLst>
+              <a:ext uri="{FF2B5EF4-FFF2-40B4-BE49-F238E27FC236}">
+                <a16:creationId xmlns:a16="http://schemas.microsoft.com/office/drawing/2014/main" id="{E1D1BB9D-4582-77F6-5475-AC8039BE42AB}"/>
+              </a:ext>
+            </a:extLst>
+          </p:cNvPr>
           <p:cNvSpPr>
             <a:spLocks noGrp="1"/>
           </p:cNvSpPr>
@@ -21692,7 +23085,13 @@
       </p:sp>
       <p:sp>
         <p:nvSpPr>
-          <p:cNvPr id="5" name="フッター プレースホルダー 4"/>
+          <p:cNvPr id="5" name="Footer Placeholder 4">
+            <a:extLst>
+              <a:ext uri="{FF2B5EF4-FFF2-40B4-BE49-F238E27FC236}">
+                <a16:creationId xmlns:a16="http://schemas.microsoft.com/office/drawing/2014/main" id="{053D0D6D-C05B-5A0D-C333-404AEC08B866}"/>
+              </a:ext>
+            </a:extLst>
+          </p:cNvPr>
           <p:cNvSpPr>
             <a:spLocks noGrp="1"/>
           </p:cNvSpPr>
@@ -21724,10 +23123,516 @@
           </a:p>
         </p:txBody>
       </p:sp>
+      <p:sp>
+        <p:nvSpPr>
+          <p:cNvPr id="6" name="Text Placeholder 5">
+            <a:extLst>
+              <a:ext uri="{FF2B5EF4-FFF2-40B4-BE49-F238E27FC236}">
+                <a16:creationId xmlns:a16="http://schemas.microsoft.com/office/drawing/2014/main" id="{3C1BD884-82BC-30FF-622C-A31A4271B349}"/>
+              </a:ext>
+            </a:extLst>
+          </p:cNvPr>
+          <p:cNvSpPr>
+            <a:spLocks noGrp="1"/>
+          </p:cNvSpPr>
+          <p:nvPr>
+            <p:ph type="body" idx="13"/>
+          </p:nvPr>
+        </p:nvSpPr>
+        <p:spPr/>
+        <p:txBody>
+          <a:bodyPr>
+            <a:normAutofit fontScale="85000" lnSpcReduction="10000"/>
+          </a:bodyPr>
+          <a:lstStyle/>
+          <a:p>
+            <a:r>
+              <a:rPr kumimoji="1" lang="en-US" altLang="ja-JP" dirty="0"/>
+              <a:t>Microsoft Agent Framework</a:t>
+            </a:r>
+            <a:r>
+              <a:rPr kumimoji="1" lang="ja-JP" altLang="en-US" dirty="0"/>
+              <a:t>を用いた</a:t>
+            </a:r>
+          </a:p>
+        </p:txBody>
+      </p:sp>
+      <p:pic>
+        <p:nvPicPr>
+          <p:cNvPr id="8" name="Content Placeholder 7">
+            <a:extLst>
+              <a:ext uri="{FF2B5EF4-FFF2-40B4-BE49-F238E27FC236}">
+                <a16:creationId xmlns:a16="http://schemas.microsoft.com/office/drawing/2014/main" id="{FC2DEF7E-C714-81D4-9358-983254571EA6}"/>
+              </a:ext>
+            </a:extLst>
+          </p:cNvPr>
+          <p:cNvPicPr>
+            <a:picLocks noGrp="1" noChangeAspect="1"/>
+          </p:cNvPicPr>
+          <p:nvPr>
+            <p:ph idx="1"/>
+          </p:nvPr>
+        </p:nvPicPr>
+        <p:blipFill>
+          <a:blip r:embed="rId2"/>
+          <a:stretch>
+            <a:fillRect/>
+          </a:stretch>
+        </p:blipFill>
+        <p:spPr>
+          <a:xfrm>
+            <a:off x="4378324" y="2329414"/>
+            <a:ext cx="1714500" cy="1714500"/>
+          </a:xfrm>
+          <a:prstGeom prst="rect">
+            <a:avLst/>
+          </a:prstGeom>
+        </p:spPr>
+      </p:pic>
+      <p:sp>
+        <p:nvSpPr>
+          <p:cNvPr id="9" name="TextBox 8">
+            <a:extLst>
+              <a:ext uri="{FF2B5EF4-FFF2-40B4-BE49-F238E27FC236}">
+                <a16:creationId xmlns:a16="http://schemas.microsoft.com/office/drawing/2014/main" id="{0465B522-24D3-DE37-A5EC-450F215107B4}"/>
+              </a:ext>
+            </a:extLst>
+          </p:cNvPr>
+          <p:cNvSpPr txBox="1"/>
+          <p:nvPr/>
+        </p:nvSpPr>
+        <p:spPr>
+          <a:xfrm>
+            <a:off x="2729484" y="3001998"/>
+            <a:ext cx="914400" cy="369332"/>
+          </a:xfrm>
+          <a:prstGeom prst="rect">
+            <a:avLst/>
+          </a:prstGeom>
+          <a:noFill/>
+        </p:spPr>
+        <p:txBody>
+          <a:bodyPr wrap="square" rtlCol="0">
+            <a:spAutoFit/>
+          </a:bodyPr>
+          <a:lstStyle/>
+          <a:p>
+            <a:r>
+              <a:rPr kumimoji="1" lang="ja-JP" altLang="en-US" dirty="0"/>
+              <a:t>質問</a:t>
+            </a:r>
+          </a:p>
+        </p:txBody>
+      </p:sp>
+      <p:sp>
+        <p:nvSpPr>
+          <p:cNvPr id="11" name="Arrow: Right 10">
+            <a:extLst>
+              <a:ext uri="{FF2B5EF4-FFF2-40B4-BE49-F238E27FC236}">
+                <a16:creationId xmlns:a16="http://schemas.microsoft.com/office/drawing/2014/main" id="{FD577ACC-F59F-53CA-37AE-D3FA1B961C96}"/>
+              </a:ext>
+            </a:extLst>
+          </p:cNvPr>
+          <p:cNvSpPr/>
+          <p:nvPr/>
+        </p:nvSpPr>
+        <p:spPr>
+          <a:xfrm>
+            <a:off x="3547872" y="3001998"/>
+            <a:ext cx="914400" cy="244122"/>
+          </a:xfrm>
+          <a:prstGeom prst="rightArrow">
+            <a:avLst/>
+          </a:prstGeom>
+        </p:spPr>
+        <p:style>
+          <a:lnRef idx="2">
+            <a:schemeClr val="accent1">
+              <a:shade val="15000"/>
+            </a:schemeClr>
+          </a:lnRef>
+          <a:fillRef idx="1">
+            <a:schemeClr val="accent1"/>
+          </a:fillRef>
+          <a:effectRef idx="0">
+            <a:schemeClr val="accent1"/>
+          </a:effectRef>
+          <a:fontRef idx="minor">
+            <a:schemeClr val="lt1"/>
+          </a:fontRef>
+        </p:style>
+        <p:txBody>
+          <a:bodyPr rtlCol="0" anchor="ctr"/>
+          <a:lstStyle/>
+          <a:p>
+            <a:pPr algn="ctr"/>
+            <a:endParaRPr kumimoji="1" lang="ja-JP" altLang="en-US"/>
+          </a:p>
+        </p:txBody>
+      </p:sp>
+      <p:sp>
+        <p:nvSpPr>
+          <p:cNvPr id="12" name="Speech Bubble: Rectangle with Corners Rounded 11">
+            <a:extLst>
+              <a:ext uri="{FF2B5EF4-FFF2-40B4-BE49-F238E27FC236}">
+                <a16:creationId xmlns:a16="http://schemas.microsoft.com/office/drawing/2014/main" id="{1A2EF2CA-1F8C-3E03-93B1-99946102F236}"/>
+              </a:ext>
+            </a:extLst>
+          </p:cNvPr>
+          <p:cNvSpPr/>
+          <p:nvPr/>
+        </p:nvSpPr>
+        <p:spPr>
+          <a:xfrm>
+            <a:off x="4378324" y="4151376"/>
+            <a:ext cx="1510412" cy="1225296"/>
+          </a:xfrm>
+          <a:prstGeom prst="wedgeRoundRectCallout">
+            <a:avLst>
+              <a:gd name="adj1" fmla="val 18353"/>
+              <a:gd name="adj2" fmla="val -63619"/>
+              <a:gd name="adj3" fmla="val 16667"/>
+            </a:avLst>
+          </a:prstGeom>
+        </p:spPr>
+        <p:style>
+          <a:lnRef idx="2">
+            <a:schemeClr val="accent1">
+              <a:shade val="15000"/>
+            </a:schemeClr>
+          </a:lnRef>
+          <a:fillRef idx="1">
+            <a:schemeClr val="accent1"/>
+          </a:fillRef>
+          <a:effectRef idx="0">
+            <a:schemeClr val="accent1"/>
+          </a:effectRef>
+          <a:fontRef idx="minor">
+            <a:schemeClr val="lt1"/>
+          </a:fontRef>
+        </p:style>
+        <p:txBody>
+          <a:bodyPr rtlCol="0" anchor="ctr"/>
+          <a:lstStyle/>
+          <a:p>
+            <a:pPr algn="ctr"/>
+            <a:r>
+              <a:rPr kumimoji="1" lang="ja-JP" altLang="en-US" dirty="0"/>
+              <a:t>どこに調べればいいでしょう</a:t>
+            </a:r>
+          </a:p>
+        </p:txBody>
+      </p:sp>
+      <p:sp>
+        <p:nvSpPr>
+          <p:cNvPr id="13" name="Arrow: Right 12">
+            <a:extLst>
+              <a:ext uri="{FF2B5EF4-FFF2-40B4-BE49-F238E27FC236}">
+                <a16:creationId xmlns:a16="http://schemas.microsoft.com/office/drawing/2014/main" id="{281DAE5E-CCD2-E8B9-8FF6-2FE134671618}"/>
+              </a:ext>
+            </a:extLst>
+          </p:cNvPr>
+          <p:cNvSpPr/>
+          <p:nvPr/>
+        </p:nvSpPr>
+        <p:spPr>
+          <a:xfrm rot="20576159">
+            <a:off x="6114869" y="2751150"/>
+            <a:ext cx="914400" cy="244122"/>
+          </a:xfrm>
+          <a:prstGeom prst="rightArrow">
+            <a:avLst/>
+          </a:prstGeom>
+        </p:spPr>
+        <p:style>
+          <a:lnRef idx="2">
+            <a:schemeClr val="accent1">
+              <a:shade val="15000"/>
+            </a:schemeClr>
+          </a:lnRef>
+          <a:fillRef idx="1">
+            <a:schemeClr val="accent1"/>
+          </a:fillRef>
+          <a:effectRef idx="0">
+            <a:schemeClr val="accent1"/>
+          </a:effectRef>
+          <a:fontRef idx="minor">
+            <a:schemeClr val="lt1"/>
+          </a:fontRef>
+        </p:style>
+        <p:txBody>
+          <a:bodyPr rtlCol="0" anchor="ctr"/>
+          <a:lstStyle/>
+          <a:p>
+            <a:pPr algn="ctr"/>
+            <a:endParaRPr kumimoji="1" lang="ja-JP" altLang="en-US"/>
+          </a:p>
+        </p:txBody>
+      </p:sp>
+      <p:sp>
+        <p:nvSpPr>
+          <p:cNvPr id="14" name="Arrow: Right 13">
+            <a:extLst>
+              <a:ext uri="{FF2B5EF4-FFF2-40B4-BE49-F238E27FC236}">
+                <a16:creationId xmlns:a16="http://schemas.microsoft.com/office/drawing/2014/main" id="{ABC263F0-DACB-5DB4-6E28-AAA88803C595}"/>
+              </a:ext>
+            </a:extLst>
+          </p:cNvPr>
+          <p:cNvSpPr/>
+          <p:nvPr/>
+        </p:nvSpPr>
+        <p:spPr>
+          <a:xfrm rot="1455167">
+            <a:off x="6114418" y="3404860"/>
+            <a:ext cx="914400" cy="244122"/>
+          </a:xfrm>
+          <a:prstGeom prst="rightArrow">
+            <a:avLst/>
+          </a:prstGeom>
+        </p:spPr>
+        <p:style>
+          <a:lnRef idx="2">
+            <a:schemeClr val="accent1">
+              <a:shade val="15000"/>
+            </a:schemeClr>
+          </a:lnRef>
+          <a:fillRef idx="1">
+            <a:schemeClr val="accent1"/>
+          </a:fillRef>
+          <a:effectRef idx="0">
+            <a:schemeClr val="accent1"/>
+          </a:effectRef>
+          <a:fontRef idx="minor">
+            <a:schemeClr val="lt1"/>
+          </a:fontRef>
+        </p:style>
+        <p:txBody>
+          <a:bodyPr rtlCol="0" anchor="ctr"/>
+          <a:lstStyle/>
+          <a:p>
+            <a:pPr algn="ctr"/>
+            <a:endParaRPr kumimoji="1" lang="ja-JP" altLang="en-US"/>
+          </a:p>
+        </p:txBody>
+      </p:sp>
+      <p:sp>
+        <p:nvSpPr>
+          <p:cNvPr id="15" name="Speech Bubble: Rectangle with Corners Rounded 14">
+            <a:extLst>
+              <a:ext uri="{FF2B5EF4-FFF2-40B4-BE49-F238E27FC236}">
+                <a16:creationId xmlns:a16="http://schemas.microsoft.com/office/drawing/2014/main" id="{304FA2AB-D0E0-4D2D-85FB-9B3FB8E26835}"/>
+              </a:ext>
+            </a:extLst>
+          </p:cNvPr>
+          <p:cNvSpPr/>
+          <p:nvPr/>
+        </p:nvSpPr>
+        <p:spPr>
+          <a:xfrm>
+            <a:off x="7191628" y="2373375"/>
+            <a:ext cx="2647316" cy="764381"/>
+          </a:xfrm>
+          <a:prstGeom prst="wedgeRoundRectCallout">
+            <a:avLst>
+              <a:gd name="adj1" fmla="val 19735"/>
+              <a:gd name="adj2" fmla="val -40890"/>
+              <a:gd name="adj3" fmla="val 16667"/>
+            </a:avLst>
+          </a:prstGeom>
+        </p:spPr>
+        <p:style>
+          <a:lnRef idx="2">
+            <a:schemeClr val="accent1">
+              <a:shade val="15000"/>
+            </a:schemeClr>
+          </a:lnRef>
+          <a:fillRef idx="1">
+            <a:schemeClr val="accent1"/>
+          </a:fillRef>
+          <a:effectRef idx="0">
+            <a:schemeClr val="accent1"/>
+          </a:effectRef>
+          <a:fontRef idx="minor">
+            <a:schemeClr val="lt1"/>
+          </a:fontRef>
+        </p:style>
+        <p:txBody>
+          <a:bodyPr rtlCol="0" anchor="ctr"/>
+          <a:lstStyle/>
+          <a:p>
+            <a:pPr algn="ctr"/>
+            <a:r>
+              <a:rPr kumimoji="1" lang="ja-JP" altLang="en-US" dirty="0"/>
+              <a:t>顧客対応</a:t>
+            </a:r>
+            <a:r>
+              <a:rPr kumimoji="1" lang="en-US" altLang="ja-JP" dirty="0"/>
+              <a:t>QA</a:t>
+            </a:r>
+            <a:r>
+              <a:rPr kumimoji="1" lang="ja-JP" altLang="en-US" dirty="0"/>
+              <a:t>リスト</a:t>
+            </a:r>
+          </a:p>
+        </p:txBody>
+      </p:sp>
+      <p:sp>
+        <p:nvSpPr>
+          <p:cNvPr id="16" name="Speech Bubble: Rectangle with Corners Rounded 15">
+            <a:extLst>
+              <a:ext uri="{FF2B5EF4-FFF2-40B4-BE49-F238E27FC236}">
+                <a16:creationId xmlns:a16="http://schemas.microsoft.com/office/drawing/2014/main" id="{5A551FDE-E9CD-00A0-A220-4F0D690827EF}"/>
+              </a:ext>
+            </a:extLst>
+          </p:cNvPr>
+          <p:cNvSpPr/>
+          <p:nvPr/>
+        </p:nvSpPr>
+        <p:spPr>
+          <a:xfrm>
+            <a:off x="7191628" y="3371330"/>
+            <a:ext cx="2647316" cy="764381"/>
+          </a:xfrm>
+          <a:prstGeom prst="wedgeRoundRectCallout">
+            <a:avLst>
+              <a:gd name="adj1" fmla="val 18008"/>
+              <a:gd name="adj2" fmla="val -45675"/>
+              <a:gd name="adj3" fmla="val 16667"/>
+            </a:avLst>
+          </a:prstGeom>
+        </p:spPr>
+        <p:style>
+          <a:lnRef idx="2">
+            <a:schemeClr val="accent1">
+              <a:shade val="15000"/>
+            </a:schemeClr>
+          </a:lnRef>
+          <a:fillRef idx="1">
+            <a:schemeClr val="accent1"/>
+          </a:fillRef>
+          <a:effectRef idx="0">
+            <a:schemeClr val="accent1"/>
+          </a:effectRef>
+          <a:fontRef idx="minor">
+            <a:schemeClr val="lt1"/>
+          </a:fontRef>
+        </p:style>
+        <p:txBody>
+          <a:bodyPr rtlCol="0" anchor="ctr"/>
+          <a:lstStyle/>
+          <a:p>
+            <a:pPr algn="ctr"/>
+            <a:r>
+              <a:rPr kumimoji="1" lang="ja-JP" altLang="en-US" dirty="0"/>
+              <a:t>過去のエラーリスト</a:t>
+            </a:r>
+          </a:p>
+        </p:txBody>
+      </p:sp>
+      <p:sp>
+        <p:nvSpPr>
+          <p:cNvPr id="17" name="Arrow: Right 16">
+            <a:extLst>
+              <a:ext uri="{FF2B5EF4-FFF2-40B4-BE49-F238E27FC236}">
+                <a16:creationId xmlns:a16="http://schemas.microsoft.com/office/drawing/2014/main" id="{BABA4A47-926E-6946-D836-51A2E7A989E0}"/>
+              </a:ext>
+            </a:extLst>
+          </p:cNvPr>
+          <p:cNvSpPr/>
+          <p:nvPr/>
+        </p:nvSpPr>
+        <p:spPr>
+          <a:xfrm rot="2163748">
+            <a:off x="6071612" y="4071759"/>
+            <a:ext cx="914400" cy="244122"/>
+          </a:xfrm>
+          <a:prstGeom prst="rightArrow">
+            <a:avLst/>
+          </a:prstGeom>
+        </p:spPr>
+        <p:style>
+          <a:lnRef idx="2">
+            <a:schemeClr val="accent1">
+              <a:shade val="15000"/>
+            </a:schemeClr>
+          </a:lnRef>
+          <a:fillRef idx="1">
+            <a:schemeClr val="accent1"/>
+          </a:fillRef>
+          <a:effectRef idx="0">
+            <a:schemeClr val="accent1"/>
+          </a:effectRef>
+          <a:fontRef idx="minor">
+            <a:schemeClr val="lt1"/>
+          </a:fontRef>
+        </p:style>
+        <p:txBody>
+          <a:bodyPr rtlCol="0" anchor="ctr"/>
+          <a:lstStyle/>
+          <a:p>
+            <a:pPr algn="ctr"/>
+            <a:endParaRPr kumimoji="1" lang="ja-JP" altLang="en-US"/>
+          </a:p>
+        </p:txBody>
+      </p:sp>
+      <p:sp>
+        <p:nvSpPr>
+          <p:cNvPr id="18" name="Speech Bubble: Rectangle with Corners Rounded 17">
+            <a:extLst>
+              <a:ext uri="{FF2B5EF4-FFF2-40B4-BE49-F238E27FC236}">
+                <a16:creationId xmlns:a16="http://schemas.microsoft.com/office/drawing/2014/main" id="{2FAC3946-C420-C3C1-55D9-4A8144F72EF1}"/>
+              </a:ext>
+            </a:extLst>
+          </p:cNvPr>
+          <p:cNvSpPr/>
+          <p:nvPr/>
+        </p:nvSpPr>
+        <p:spPr>
+          <a:xfrm>
+            <a:off x="7168888" y="4369285"/>
+            <a:ext cx="2647316" cy="764381"/>
+          </a:xfrm>
+          <a:prstGeom prst="wedgeRoundRectCallout">
+            <a:avLst>
+              <a:gd name="adj1" fmla="val 18008"/>
+              <a:gd name="adj2" fmla="val -45675"/>
+              <a:gd name="adj3" fmla="val 16667"/>
+            </a:avLst>
+          </a:prstGeom>
+        </p:spPr>
+        <p:style>
+          <a:lnRef idx="2">
+            <a:schemeClr val="accent1">
+              <a:shade val="15000"/>
+            </a:schemeClr>
+          </a:lnRef>
+          <a:fillRef idx="1">
+            <a:schemeClr val="accent1"/>
+          </a:fillRef>
+          <a:effectRef idx="0">
+            <a:schemeClr val="accent1"/>
+          </a:effectRef>
+          <a:fontRef idx="minor">
+            <a:schemeClr val="lt1"/>
+          </a:fontRef>
+        </p:style>
+        <p:txBody>
+          <a:bodyPr rtlCol="0" anchor="ctr"/>
+          <a:lstStyle/>
+          <a:p>
+            <a:pPr algn="ctr"/>
+            <a:r>
+              <a:rPr kumimoji="1" lang="en-US" altLang="ja-JP" dirty="0"/>
+              <a:t>….</a:t>
+            </a:r>
+            <a:endParaRPr kumimoji="1" lang="ja-JP" altLang="en-US" dirty="0"/>
+          </a:p>
+        </p:txBody>
+      </p:sp>
     </p:spTree>
     <p:extLst>
       <p:ext uri="{BB962C8B-B14F-4D97-AF65-F5344CB8AC3E}">
-        <p14:creationId xmlns:p14="http://schemas.microsoft.com/office/powerpoint/2010/main" val="2957899749"/>
+        <p14:creationId xmlns:p14="http://schemas.microsoft.com/office/powerpoint/2010/main" val="1397520433"/>
       </p:ext>
     </p:extLst>
   </p:cSld>
@@ -21759,7 +23664,13 @@
       </p:grpSpPr>
       <p:sp>
         <p:nvSpPr>
-          <p:cNvPr id="2" name="タイトル 1"/>
+          <p:cNvPr id="2" name="Title 1">
+            <a:extLst>
+              <a:ext uri="{FF2B5EF4-FFF2-40B4-BE49-F238E27FC236}">
+                <a16:creationId xmlns:a16="http://schemas.microsoft.com/office/drawing/2014/main" id="{F28E5887-7038-5E73-D06B-A446D72842D4}"/>
+              </a:ext>
+            </a:extLst>
+          </p:cNvPr>
           <p:cNvSpPr>
             <a:spLocks noGrp="1"/>
           </p:cNvSpPr>
@@ -21770,182 +23681,55 @@
         <p:spPr/>
         <p:txBody>
           <a:bodyPr>
-            <a:normAutofit/>
+            <a:normAutofit fontScale="90000"/>
           </a:bodyPr>
           <a:lstStyle/>
           <a:p>
-            <a:r>
-              <a:rPr kumimoji="1" lang="ja-JP" altLang="en-US" sz="3600" dirty="0"/>
-              <a:t>結果</a:t>
-            </a:r>
-          </a:p>
-        </p:txBody>
-      </p:sp>
-      <p:sp>
-        <p:nvSpPr>
-          <p:cNvPr id="3" name="コンテンツ プレースホルダー 2"/>
-          <p:cNvSpPr>
-            <a:spLocks noGrp="1"/>
-          </p:cNvSpPr>
+            <a:endParaRPr kumimoji="1" lang="ja-JP" altLang="en-US"/>
+          </a:p>
+        </p:txBody>
+      </p:sp>
+      <p:pic>
+        <p:nvPicPr>
+          <p:cNvPr id="8" name="Content Placeholder 7">
+            <a:extLst>
+              <a:ext uri="{FF2B5EF4-FFF2-40B4-BE49-F238E27FC236}">
+                <a16:creationId xmlns:a16="http://schemas.microsoft.com/office/drawing/2014/main" id="{070A9C37-E855-1FC6-A0B7-96E93EF9050D}"/>
+              </a:ext>
+            </a:extLst>
+          </p:cNvPr>
+          <p:cNvPicPr>
+            <a:picLocks noGrp="1" noChangeAspect="1"/>
+          </p:cNvPicPr>
           <p:nvPr>
             <p:ph idx="1"/>
           </p:nvPr>
-        </p:nvSpPr>
+        </p:nvPicPr>
+        <p:blipFill>
+          <a:blip r:embed="rId2"/>
+          <a:stretch>
+            <a:fillRect/>
+          </a:stretch>
+        </p:blipFill>
         <p:spPr>
           <a:xfrm>
-            <a:off x="838200" y="1088136"/>
-            <a:ext cx="10515600" cy="5230367"/>
+            <a:off x="74786" y="-39078"/>
+            <a:ext cx="10515600" cy="3462122"/>
           </a:xfrm>
+          <a:prstGeom prst="rect">
+            <a:avLst/>
+          </a:prstGeom>
         </p:spPr>
-        <p:txBody>
-          <a:bodyPr>
-            <a:normAutofit/>
-          </a:bodyPr>
-          <a:lstStyle/>
-          <a:p>
-            <a:pPr marL="0" indent="0">
-              <a:buNone/>
-            </a:pPr>
-            <a:r>
-              <a:rPr lang="en-US" altLang="ja-JP" sz="2000" dirty="0">
-                <a:solidFill>
-                  <a:schemeClr val="tx2"/>
-                </a:solidFill>
-              </a:rPr>
-              <a:t>‣Structure</a:t>
-            </a:r>
-            <a:r>
-              <a:rPr lang="ja-JP" altLang="en-US" sz="2000" dirty="0">
-                <a:solidFill>
-                  <a:schemeClr val="tx2"/>
-                </a:solidFill>
-              </a:rPr>
-              <a:t> </a:t>
-            </a:r>
-            <a:r>
-              <a:rPr lang="en-US" altLang="ja-JP" sz="2000" dirty="0">
-                <a:solidFill>
-                  <a:schemeClr val="tx2"/>
-                </a:solidFill>
-              </a:rPr>
-              <a:t>type </a:t>
-            </a:r>
-            <a:r>
-              <a:rPr lang="ja-JP" altLang="en-US" sz="2000" dirty="0">
-                <a:solidFill>
-                  <a:schemeClr val="tx2"/>
-                </a:solidFill>
-              </a:rPr>
-              <a:t>ごとに学習</a:t>
-            </a:r>
-            <a:r>
-              <a:rPr lang="en-US" altLang="ja-JP" sz="2000" dirty="0">
-                <a:solidFill>
-                  <a:schemeClr val="tx2"/>
-                </a:solidFill>
-              </a:rPr>
-              <a:t>/</a:t>
-            </a:r>
-            <a:r>
-              <a:rPr lang="ja-JP" altLang="en-US" sz="2000" dirty="0">
-                <a:solidFill>
-                  <a:schemeClr val="tx2"/>
-                </a:solidFill>
-              </a:rPr>
-              <a:t>テストデータを分割したとき、</a:t>
-            </a:r>
-            <a:endParaRPr lang="en-US" altLang="ja-JP" sz="2000" dirty="0">
-              <a:solidFill>
-                <a:schemeClr val="tx2"/>
-              </a:solidFill>
-            </a:endParaRPr>
-          </a:p>
-          <a:p>
-            <a:pPr marL="0" indent="0">
-              <a:buNone/>
-            </a:pPr>
-            <a:r>
-              <a:rPr lang="ja-JP" altLang="en-US" sz="2000" dirty="0">
-                <a:solidFill>
-                  <a:schemeClr val="tx2"/>
-                </a:solidFill>
-              </a:rPr>
-              <a:t>　論文の学習データ生成方法の方が高い正解率を得られる</a:t>
-            </a:r>
-            <a:endParaRPr lang="en-US" altLang="ja-JP" sz="2000" dirty="0">
-              <a:solidFill>
-                <a:schemeClr val="tx2"/>
-              </a:solidFill>
-            </a:endParaRPr>
-          </a:p>
-          <a:p>
-            <a:pPr marL="0" indent="0">
-              <a:spcBef>
-                <a:spcPts val="1800"/>
-              </a:spcBef>
-              <a:buNone/>
-            </a:pPr>
-            <a:r>
-              <a:rPr lang="en-US" altLang="ja-JP" sz="2000" dirty="0">
-                <a:solidFill>
-                  <a:schemeClr val="tx2"/>
-                </a:solidFill>
-              </a:rPr>
-              <a:t>‣</a:t>
-            </a:r>
-            <a:r>
-              <a:rPr lang="ja-JP" altLang="en-US" sz="2000" dirty="0">
-                <a:solidFill>
-                  <a:schemeClr val="tx2"/>
-                </a:solidFill>
-              </a:rPr>
-              <a:t>原理的には無限にデータ生成できるため、</a:t>
-            </a:r>
-            <a:endParaRPr lang="en-US" altLang="ja-JP" sz="2000" dirty="0">
-              <a:solidFill>
-                <a:schemeClr val="tx2"/>
-              </a:solidFill>
-            </a:endParaRPr>
-          </a:p>
-          <a:p>
-            <a:pPr marL="0" indent="0">
-              <a:buNone/>
-            </a:pPr>
-            <a:r>
-              <a:rPr lang="ja-JP" altLang="en-US" sz="2000" dirty="0">
-                <a:solidFill>
-                  <a:schemeClr val="tx2"/>
-                </a:solidFill>
-              </a:rPr>
-              <a:t>　過学習に陥ることなく巨大なモデル（</a:t>
-            </a:r>
-            <a:r>
-              <a:rPr lang="en-US" altLang="ja-JP" sz="2000" dirty="0">
-                <a:solidFill>
-                  <a:schemeClr val="tx2"/>
-                </a:solidFill>
-              </a:rPr>
-              <a:t>ResNet-101</a:t>
-            </a:r>
-            <a:r>
-              <a:rPr lang="ja-JP" altLang="en-US" sz="2000" dirty="0">
-                <a:solidFill>
-                  <a:schemeClr val="tx2"/>
-                </a:solidFill>
-              </a:rPr>
-              <a:t>）を学習できる</a:t>
-            </a:r>
-            <a:endParaRPr lang="en-US" altLang="ja-JP" sz="2000" dirty="0">
-              <a:solidFill>
-                <a:schemeClr val="tx2"/>
-              </a:solidFill>
-            </a:endParaRPr>
-          </a:p>
-        </p:txBody>
-      </p:sp>
-      <p:sp>
-        <p:nvSpPr>
-          <p:cNvPr id="4" name="スライド番号プレースホルダー 3"/>
+      </p:pic>
+      <p:sp>
+        <p:nvSpPr>
+          <p:cNvPr id="4" name="Slide Number Placeholder 3">
+            <a:extLst>
+              <a:ext uri="{FF2B5EF4-FFF2-40B4-BE49-F238E27FC236}">
+                <a16:creationId xmlns:a16="http://schemas.microsoft.com/office/drawing/2014/main" id="{EFCF2D66-5927-CE2C-545C-D0A0B552644D}"/>
+              </a:ext>
+            </a:extLst>
+          </p:cNvPr>
           <p:cNvSpPr>
             <a:spLocks noGrp="1"/>
           </p:cNvSpPr>
@@ -22028,7 +23812,13 @@
       </p:sp>
       <p:sp>
         <p:nvSpPr>
-          <p:cNvPr id="5" name="フッター プレースホルダー 4"/>
+          <p:cNvPr id="5" name="Footer Placeholder 4">
+            <a:extLst>
+              <a:ext uri="{FF2B5EF4-FFF2-40B4-BE49-F238E27FC236}">
+                <a16:creationId xmlns:a16="http://schemas.microsoft.com/office/drawing/2014/main" id="{BFBB8034-9302-D4C3-41BB-BD273A30BB87}"/>
+              </a:ext>
+            </a:extLst>
+          </p:cNvPr>
           <p:cNvSpPr>
             <a:spLocks noGrp="1"/>
           </p:cNvSpPr>
@@ -22062,10 +23852,10 @@
       </p:sp>
       <p:pic>
         <p:nvPicPr>
-          <p:cNvPr id="7" name="図 6">
+          <p:cNvPr id="10" name="Picture 9">
             <a:extLst>
               <a:ext uri="{FF2B5EF4-FFF2-40B4-BE49-F238E27FC236}">
-                <a16:creationId xmlns:a16="http://schemas.microsoft.com/office/drawing/2014/main" id="{CAC6862B-9F3D-C214-7241-F4B9708880ED}"/>
+                <a16:creationId xmlns:a16="http://schemas.microsoft.com/office/drawing/2014/main" id="{3281ABB1-2122-7BFF-0046-ED9CB7DF8552}"/>
               </a:ext>
             </a:extLst>
           </p:cNvPr>
@@ -22075,15 +23865,15 @@
           <p:nvPr/>
         </p:nvPicPr>
         <p:blipFill>
-          <a:blip r:embed="rId2"/>
+          <a:blip r:embed="rId3"/>
           <a:stretch>
             <a:fillRect/>
           </a:stretch>
         </p:blipFill>
         <p:spPr>
           <a:xfrm>
-            <a:off x="1049033" y="3257764"/>
-            <a:ext cx="8488160" cy="2700276"/>
+            <a:off x="-17927" y="3278739"/>
+            <a:ext cx="10158984" cy="3353194"/>
           </a:xfrm>
           <a:prstGeom prst="rect">
             <a:avLst/>
@@ -22092,132 +23882,161 @@
       </p:pic>
       <p:sp>
         <p:nvSpPr>
-          <p:cNvPr id="9" name="テキスト ボックス 8">
+          <p:cNvPr id="11" name="Rectangle 10">
             <a:extLst>
               <a:ext uri="{FF2B5EF4-FFF2-40B4-BE49-F238E27FC236}">
-                <a16:creationId xmlns:a16="http://schemas.microsoft.com/office/drawing/2014/main" id="{46C91ED5-C2CE-57E3-3134-31AE68A7AE04}"/>
+                <a16:creationId xmlns:a16="http://schemas.microsoft.com/office/drawing/2014/main" id="{2FE6DA38-F653-CE09-1268-256066844FBE}"/>
               </a:ext>
             </a:extLst>
           </p:cNvPr>
-          <p:cNvSpPr txBox="1"/>
+          <p:cNvSpPr/>
           <p:nvPr/>
         </p:nvSpPr>
         <p:spPr>
           <a:xfrm>
-            <a:off x="9573246" y="3831336"/>
-            <a:ext cx="1661161" cy="523220"/>
+            <a:off x="320040" y="320040"/>
+            <a:ext cx="4215384" cy="338328"/>
           </a:xfrm>
           <a:prstGeom prst="rect">
             <a:avLst/>
           </a:prstGeom>
           <a:noFill/>
+          <a:ln w="38100" cap="flat" cmpd="sng" algn="ctr">
+            <a:solidFill>
+              <a:srgbClr val="FF0000"/>
+            </a:solidFill>
+            <a:prstDash val="solid"/>
+            <a:round/>
+            <a:headEnd type="none" w="med" len="med"/>
+            <a:tailEnd type="none" w="med" len="med"/>
+          </a:ln>
         </p:spPr>
-        <p:txBody>
-          <a:bodyPr wrap="square" rtlCol="0">
-            <a:spAutoFit/>
-          </a:bodyPr>
+        <p:style>
+          <a:lnRef idx="0">
+            <a:scrgbClr r="0" g="0" b="0"/>
+          </a:lnRef>
+          <a:fillRef idx="0">
+            <a:scrgbClr r="0" g="0" b="0"/>
+          </a:fillRef>
+          <a:effectRef idx="0">
+            <a:scrgbClr r="0" g="0" b="0"/>
+          </a:effectRef>
+          <a:fontRef idx="minor">
+            <a:schemeClr val="accent5"/>
+          </a:fontRef>
+        </p:style>
+        <p:txBody>
+          <a:bodyPr rtlCol="0" anchor="ctr"/>
           <a:lstStyle/>
           <a:p>
             <a:pPr algn="ctr"/>
-            <a:r>
-              <a:rPr kumimoji="1" lang="ja-JP" altLang="en-US" sz="1400" dirty="0"/>
-              <a:t>従来法</a:t>
-            </a:r>
-            <a:endParaRPr kumimoji="1" lang="en-US" altLang="ja-JP" sz="1400" dirty="0"/>
-          </a:p>
-          <a:p>
-            <a:pPr algn="ctr"/>
-            <a:r>
-              <a:rPr kumimoji="1" lang="ja-JP" altLang="en-US" sz="1400" dirty="0"/>
-              <a:t>（ランダム分割）</a:t>
-            </a:r>
-          </a:p>
-        </p:txBody>
-      </p:sp>
-      <p:sp>
-        <p:nvSpPr>
-          <p:cNvPr id="10" name="テキスト ボックス 9">
+            <a:endParaRPr kumimoji="1" lang="ja-JP" altLang="en-US"/>
+          </a:p>
+        </p:txBody>
+      </p:sp>
+      <p:sp>
+        <p:nvSpPr>
+          <p:cNvPr id="12" name="Rectangle 11">
             <a:extLst>
               <a:ext uri="{FF2B5EF4-FFF2-40B4-BE49-F238E27FC236}">
-                <a16:creationId xmlns:a16="http://schemas.microsoft.com/office/drawing/2014/main" id="{B6883DD2-374B-35DE-CA07-65119BB7D29C}"/>
+                <a16:creationId xmlns:a16="http://schemas.microsoft.com/office/drawing/2014/main" id="{27FC2C8B-644E-E713-9EE7-405B833041DD}"/>
               </a:ext>
             </a:extLst>
           </p:cNvPr>
-          <p:cNvSpPr txBox="1"/>
+          <p:cNvSpPr/>
           <p:nvPr/>
         </p:nvSpPr>
         <p:spPr>
           <a:xfrm>
-            <a:off x="9472662" y="4354556"/>
-            <a:ext cx="1862327" cy="523220"/>
+            <a:off x="225552" y="3419836"/>
+            <a:ext cx="8031480" cy="338328"/>
           </a:xfrm>
           <a:prstGeom prst="rect">
             <a:avLst/>
           </a:prstGeom>
           <a:noFill/>
+          <a:ln w="38100" cap="flat" cmpd="sng" algn="ctr">
+            <a:solidFill>
+              <a:srgbClr val="FF0000"/>
+            </a:solidFill>
+            <a:prstDash val="solid"/>
+            <a:round/>
+            <a:headEnd type="none" w="med" len="med"/>
+            <a:tailEnd type="none" w="med" len="med"/>
+          </a:ln>
         </p:spPr>
-        <p:txBody>
-          <a:bodyPr wrap="square" rtlCol="0">
-            <a:spAutoFit/>
-          </a:bodyPr>
+        <p:style>
+          <a:lnRef idx="0">
+            <a:scrgbClr r="0" g="0" b="0"/>
+          </a:lnRef>
+          <a:fillRef idx="0">
+            <a:scrgbClr r="0" g="0" b="0"/>
+          </a:fillRef>
+          <a:effectRef idx="0">
+            <a:scrgbClr r="0" g="0" b="0"/>
+          </a:effectRef>
+          <a:fontRef idx="minor">
+            <a:schemeClr val="accent5"/>
+          </a:fontRef>
+        </p:style>
+        <p:txBody>
+          <a:bodyPr rtlCol="0" anchor="ctr"/>
           <a:lstStyle/>
           <a:p>
             <a:pPr algn="ctr"/>
-            <a:r>
-              <a:rPr kumimoji="1" lang="ja-JP" altLang="en-US" sz="1400" dirty="0"/>
-              <a:t>従来法</a:t>
-            </a:r>
-            <a:endParaRPr kumimoji="1" lang="en-US" altLang="ja-JP" sz="1400" dirty="0"/>
-          </a:p>
-          <a:p>
-            <a:pPr algn="ctr"/>
-            <a:r>
-              <a:rPr kumimoji="1" lang="ja-JP" altLang="en-US" sz="1400" dirty="0"/>
-              <a:t>（構造タイプ分割）</a:t>
-            </a:r>
-          </a:p>
-        </p:txBody>
-      </p:sp>
-      <p:sp>
-        <p:nvSpPr>
-          <p:cNvPr id="11" name="テキスト ボックス 10">
+            <a:endParaRPr kumimoji="1" lang="ja-JP" altLang="en-US"/>
+          </a:p>
+        </p:txBody>
+      </p:sp>
+      <p:sp>
+        <p:nvSpPr>
+          <p:cNvPr id="13" name="Speech Bubble: Rectangle with Corners Rounded 12">
             <a:extLst>
               <a:ext uri="{FF2B5EF4-FFF2-40B4-BE49-F238E27FC236}">
-                <a16:creationId xmlns:a16="http://schemas.microsoft.com/office/drawing/2014/main" id="{2613FE3B-8365-D948-2AAB-0DF18C5FEF0B}"/>
+                <a16:creationId xmlns:a16="http://schemas.microsoft.com/office/drawing/2014/main" id="{A01ED565-2714-12BC-85BC-A76BC68736C3}"/>
               </a:ext>
             </a:extLst>
           </p:cNvPr>
-          <p:cNvSpPr txBox="1"/>
+          <p:cNvSpPr/>
           <p:nvPr/>
         </p:nvSpPr>
         <p:spPr>
           <a:xfrm>
-            <a:off x="9472661" y="5074333"/>
-            <a:ext cx="1862327" cy="523220"/>
+            <a:off x="10863072" y="2473452"/>
+            <a:ext cx="1399032" cy="2098548"/>
           </a:xfrm>
-          <a:prstGeom prst="rect">
-            <a:avLst/>
+          <a:prstGeom prst="wedgeRoundRectCallout">
+            <a:avLst>
+              <a:gd name="adj1" fmla="val -230510"/>
+              <a:gd name="adj2" fmla="val -3295"/>
+              <a:gd name="adj3" fmla="val 16667"/>
+            </a:avLst>
           </a:prstGeom>
-          <a:noFill/>
         </p:spPr>
-        <p:txBody>
-          <a:bodyPr wrap="square" rtlCol="0">
-            <a:spAutoFit/>
-          </a:bodyPr>
+        <p:style>
+          <a:lnRef idx="2">
+            <a:schemeClr val="accent1">
+              <a:shade val="15000"/>
+            </a:schemeClr>
+          </a:lnRef>
+          <a:fillRef idx="1">
+            <a:schemeClr val="accent1"/>
+          </a:fillRef>
+          <a:effectRef idx="0">
+            <a:schemeClr val="accent1"/>
+          </a:effectRef>
+          <a:fontRef idx="minor">
+            <a:schemeClr val="lt1"/>
+          </a:fontRef>
+        </p:style>
+        <p:txBody>
+          <a:bodyPr rtlCol="0" anchor="ctr"/>
           <a:lstStyle/>
           <a:p>
             <a:pPr algn="ctr"/>
             <a:r>
-              <a:rPr lang="ja-JP" altLang="en-US" sz="1400" dirty="0"/>
-              <a:t>論文の方法</a:t>
-            </a:r>
-            <a:endParaRPr lang="en-US" altLang="ja-JP" sz="1400" dirty="0"/>
-          </a:p>
-          <a:p>
-            <a:pPr algn="ctr"/>
-            <a:r>
-              <a:rPr kumimoji="1" lang="ja-JP" altLang="en-US" sz="1400" dirty="0"/>
-              <a:t>（構造タイプ分割）</a:t>
+              <a:rPr kumimoji="1" lang="ja-JP" altLang="en-US" dirty="0"/>
+              <a:t>質問に対してどこに検索にいくを判断できる</a:t>
             </a:r>
           </a:p>
         </p:txBody>
@@ -22225,7 +24044,1104 @@
     </p:spTree>
     <p:extLst>
       <p:ext uri="{BB962C8B-B14F-4D97-AF65-F5344CB8AC3E}">
-        <p14:creationId xmlns:p14="http://schemas.microsoft.com/office/powerpoint/2010/main" val="2061135360"/>
+        <p14:creationId xmlns:p14="http://schemas.microsoft.com/office/powerpoint/2010/main" val="881678325"/>
+      </p:ext>
+    </p:extLst>
+  </p:cSld>
+  <p:clrMapOvr>
+    <a:masterClrMapping/>
+  </p:clrMapOvr>
+  <p:transition spd="slow">
+    <p:push/>
+  </p:transition>
+</p:sld>
+</file>
+
+<file path=ppt/slides/slide6.xml><?xml version="1.0" encoding="utf-8"?>
+<p:sld xmlns:a="http://schemas.openxmlformats.org/drawingml/2006/main" xmlns:r="http://schemas.openxmlformats.org/officeDocument/2006/relationships" xmlns:p="http://schemas.openxmlformats.org/presentationml/2006/main">
+  <p:cSld>
+    <p:spTree>
+      <p:nvGrpSpPr>
+        <p:cNvPr id="1" name=""/>
+        <p:cNvGrpSpPr/>
+        <p:nvPr/>
+      </p:nvGrpSpPr>
+      <p:grpSpPr>
+        <a:xfrm>
+          <a:off x="0" y="0"/>
+          <a:ext cx="0" cy="0"/>
+          <a:chOff x="0" y="0"/>
+          <a:chExt cx="0" cy="0"/>
+        </a:xfrm>
+      </p:grpSpPr>
+      <p:sp>
+        <p:nvSpPr>
+          <p:cNvPr id="2" name="Title 1">
+            <a:extLst>
+              <a:ext uri="{FF2B5EF4-FFF2-40B4-BE49-F238E27FC236}">
+                <a16:creationId xmlns:a16="http://schemas.microsoft.com/office/drawing/2014/main" id="{74D1FCCA-29F0-1239-91BF-1965F3CDD1DA}"/>
+              </a:ext>
+            </a:extLst>
+          </p:cNvPr>
+          <p:cNvSpPr>
+            <a:spLocks noGrp="1"/>
+          </p:cNvSpPr>
+          <p:nvPr>
+            <p:ph type="title"/>
+          </p:nvPr>
+        </p:nvSpPr>
+        <p:spPr/>
+        <p:txBody>
+          <a:bodyPr>
+            <a:normAutofit fontScale="90000"/>
+          </a:bodyPr>
+          <a:lstStyle/>
+          <a:p>
+            <a:r>
+              <a:rPr kumimoji="1" lang="en-US" altLang="ja-JP" dirty="0"/>
+              <a:t>AI</a:t>
+            </a:r>
+            <a:r>
+              <a:rPr kumimoji="1" lang="ja-JP" altLang="en-US" dirty="0"/>
+              <a:t> </a:t>
+            </a:r>
+            <a:r>
+              <a:rPr kumimoji="1" lang="en-US" altLang="ja-JP" dirty="0"/>
+              <a:t>Agent</a:t>
+            </a:r>
+            <a:r>
+              <a:rPr kumimoji="1" lang="ja-JP" altLang="en-US" dirty="0"/>
+              <a:t>により自動テストの検討</a:t>
+            </a:r>
+          </a:p>
+        </p:txBody>
+      </p:sp>
+      <p:sp>
+        <p:nvSpPr>
+          <p:cNvPr id="3" name="Content Placeholder 2">
+            <a:extLst>
+              <a:ext uri="{FF2B5EF4-FFF2-40B4-BE49-F238E27FC236}">
+                <a16:creationId xmlns:a16="http://schemas.microsoft.com/office/drawing/2014/main" id="{CD9E3394-6F8F-2EC1-657F-38009F131AC3}"/>
+              </a:ext>
+            </a:extLst>
+          </p:cNvPr>
+          <p:cNvSpPr>
+            <a:spLocks noGrp="1"/>
+          </p:cNvSpPr>
+          <p:nvPr>
+            <p:ph idx="1"/>
+          </p:nvPr>
+        </p:nvSpPr>
+        <p:spPr>
+          <a:xfrm>
+            <a:off x="838200" y="1202439"/>
+            <a:ext cx="10515600" cy="4305298"/>
+          </a:xfrm>
+        </p:spPr>
+        <p:txBody>
+          <a:bodyPr/>
+          <a:lstStyle/>
+          <a:p>
+            <a:endParaRPr kumimoji="1" lang="ja-JP" altLang="en-US" dirty="0"/>
+          </a:p>
+        </p:txBody>
+      </p:sp>
+      <p:sp>
+        <p:nvSpPr>
+          <p:cNvPr id="4" name="Slide Number Placeholder 3">
+            <a:extLst>
+              <a:ext uri="{FF2B5EF4-FFF2-40B4-BE49-F238E27FC236}">
+                <a16:creationId xmlns:a16="http://schemas.microsoft.com/office/drawing/2014/main" id="{B1241E39-9E74-07CC-4509-83C2A9EB1F26}"/>
+              </a:ext>
+            </a:extLst>
+          </p:cNvPr>
+          <p:cNvSpPr>
+            <a:spLocks noGrp="1"/>
+          </p:cNvSpPr>
+          <p:nvPr>
+            <p:ph type="sldNum" sz="quarter" idx="12"/>
+          </p:nvPr>
+        </p:nvSpPr>
+        <p:spPr/>
+        <p:txBody>
+          <a:bodyPr/>
+          <a:lstStyle/>
+          <a:p>
+            <a:pPr marL="0" marR="0" lvl="0" indent="0" algn="ctr" defTabSz="914400" rtl="0" eaLnBrk="1" fontAlgn="auto" latinLnBrk="0" hangingPunct="1">
+              <a:lnSpc>
+                <a:spcPct val="100000"/>
+              </a:lnSpc>
+              <a:spcBef>
+                <a:spcPts val="0"/>
+              </a:spcBef>
+              <a:spcAft>
+                <a:spcPts val="0"/>
+              </a:spcAft>
+              <a:buClrTx/>
+              <a:buSzTx/>
+              <a:buFontTx/>
+              <a:buNone/>
+              <a:tabLst/>
+              <a:defRPr/>
+            </a:pPr>
+            <a:fld id="{D44D3F4E-7F9B-4AD4-ADA0-3F21E9F7E4F4}" type="slidenum">
+              <a:rPr kumimoji="0" lang="en-US" sz="800" b="0" i="0" u="none" strike="noStrike" kern="1200" cap="none" spc="0" normalizeH="0" baseline="0" noProof="0" smtClean="0">
+                <a:ln>
+                  <a:noFill/>
+                </a:ln>
+                <a:solidFill>
+                  <a:srgbClr val="FFFFFF"/>
+                </a:solidFill>
+                <a:effectLst/>
+                <a:uLnTx/>
+                <a:uFillTx/>
+                <a:latin typeface="Segoe UI Semilight"/>
+                <a:ea typeface="メイリオ"/>
+                <a:cs typeface="+mn-cs"/>
+              </a:rPr>
+              <a:pPr marL="0" marR="0" lvl="0" indent="0" algn="ctr" defTabSz="914400" rtl="0" eaLnBrk="1" fontAlgn="auto" latinLnBrk="0" hangingPunct="1">
+                <a:lnSpc>
+                  <a:spcPct val="100000"/>
+                </a:lnSpc>
+                <a:spcBef>
+                  <a:spcPts val="0"/>
+                </a:spcBef>
+                <a:spcAft>
+                  <a:spcPts val="0"/>
+                </a:spcAft>
+                <a:buClrTx/>
+                <a:buSzTx/>
+                <a:buFontTx/>
+                <a:buNone/>
+                <a:tabLst/>
+                <a:defRPr/>
+              </a:pPr>
+              <a:t>6</a:t>
+            </a:fld>
+            <a:endParaRPr kumimoji="0" lang="en-US" sz="800" b="0" i="0" u="none" strike="noStrike" kern="1200" cap="none" spc="0" normalizeH="0" baseline="0" noProof="0">
+              <a:ln>
+                <a:noFill/>
+              </a:ln>
+              <a:solidFill>
+                <a:srgbClr val="FFFFFF"/>
+              </a:solidFill>
+              <a:effectLst/>
+              <a:uLnTx/>
+              <a:uFillTx/>
+              <a:latin typeface="Segoe UI Semilight"/>
+              <a:ea typeface="メイリオ"/>
+              <a:cs typeface="+mn-cs"/>
+            </a:endParaRPr>
+          </a:p>
+        </p:txBody>
+      </p:sp>
+      <p:sp>
+        <p:nvSpPr>
+          <p:cNvPr id="5" name="Footer Placeholder 4">
+            <a:extLst>
+              <a:ext uri="{FF2B5EF4-FFF2-40B4-BE49-F238E27FC236}">
+                <a16:creationId xmlns:a16="http://schemas.microsoft.com/office/drawing/2014/main" id="{BFA9F90E-733C-F2CA-8B9F-2CBAB365AA81}"/>
+              </a:ext>
+            </a:extLst>
+          </p:cNvPr>
+          <p:cNvSpPr>
+            <a:spLocks noGrp="1"/>
+          </p:cNvSpPr>
+          <p:nvPr>
+            <p:ph type="ftr" sz="quarter" idx="11"/>
+          </p:nvPr>
+        </p:nvSpPr>
+        <p:spPr/>
+        <p:txBody>
+          <a:bodyPr/>
+          <a:lstStyle/>
+          <a:p>
+            <a:pPr>
+              <a:defRPr/>
+            </a:pPr>
+            <a:r>
+              <a:rPr kumimoji="0" lang="en-US">
+                <a:solidFill>
+                  <a:srgbClr val="FFFFFF"/>
+                </a:solidFill>
+              </a:rPr>
+              <a:t>© 2021 Rigaku Corporation. All rights reserved</a:t>
+            </a:r>
+            <a:endParaRPr kumimoji="0" lang="en-US" dirty="0">
+              <a:solidFill>
+                <a:srgbClr val="FFFFFF"/>
+              </a:solidFill>
+            </a:endParaRPr>
+          </a:p>
+        </p:txBody>
+      </p:sp>
+    </p:spTree>
+    <p:extLst>
+      <p:ext uri="{BB962C8B-B14F-4D97-AF65-F5344CB8AC3E}">
+        <p14:creationId xmlns:p14="http://schemas.microsoft.com/office/powerpoint/2010/main" val="3572452753"/>
+      </p:ext>
+    </p:extLst>
+  </p:cSld>
+  <p:clrMapOvr>
+    <a:masterClrMapping/>
+  </p:clrMapOvr>
+  <p:transition spd="slow">
+    <p:push/>
+  </p:transition>
+</p:sld>
+</file>
+
+<file path=ppt/slides/slide7.xml><?xml version="1.0" encoding="utf-8"?>
+<p:sld xmlns:a="http://schemas.openxmlformats.org/drawingml/2006/main" xmlns:r="http://schemas.openxmlformats.org/officeDocument/2006/relationships" xmlns:p="http://schemas.openxmlformats.org/presentationml/2006/main">
+  <p:cSld>
+    <p:spTree>
+      <p:nvGrpSpPr>
+        <p:cNvPr id="1" name=""/>
+        <p:cNvGrpSpPr/>
+        <p:nvPr/>
+      </p:nvGrpSpPr>
+      <p:grpSpPr>
+        <a:xfrm>
+          <a:off x="0" y="0"/>
+          <a:ext cx="0" cy="0"/>
+          <a:chOff x="0" y="0"/>
+          <a:chExt cx="0" cy="0"/>
+        </a:xfrm>
+      </p:grpSpPr>
+      <p:sp>
+        <p:nvSpPr>
+          <p:cNvPr id="2" name="図プレースホルダー 1"/>
+          <p:cNvSpPr>
+            <a:spLocks noGrp="1"/>
+          </p:cNvSpPr>
+          <p:nvPr>
+            <p:ph type="pic" sz="quarter" idx="20"/>
+          </p:nvPr>
+        </p:nvSpPr>
+        <p:spPr/>
+        <p:txBody>
+          <a:bodyPr/>
+          <a:lstStyle/>
+          <a:p>
+            <a:endParaRPr lang="ja-JP" altLang="en-US"/>
+          </a:p>
+        </p:txBody>
+      </p:sp>
+      <p:sp>
+        <p:nvSpPr>
+          <p:cNvPr id="3" name="テキスト プレースホルダー 2"/>
+          <p:cNvSpPr>
+            <a:spLocks noGrp="1"/>
+          </p:cNvSpPr>
+          <p:nvPr>
+            <p:ph type="body" idx="14"/>
+          </p:nvPr>
+        </p:nvSpPr>
+        <p:spPr>
+          <a:xfrm>
+            <a:off x="838200" y="2902604"/>
+            <a:ext cx="10515600" cy="1431026"/>
+          </a:xfrm>
+        </p:spPr>
+        <p:txBody>
+          <a:bodyPr/>
+          <a:lstStyle/>
+          <a:p>
+            <a:r>
+              <a:rPr kumimoji="1" lang="ja-JP" altLang="en-US" dirty="0"/>
+              <a:t>論文レビュー</a:t>
+            </a:r>
+            <a:endParaRPr kumimoji="1" lang="en-US" altLang="ja-JP" dirty="0"/>
+          </a:p>
+          <a:p>
+            <a:r>
+              <a:rPr lang="en-US" altLang="ja-JP" sz="2400" dirty="0"/>
+              <a:t>2026/1/26</a:t>
+            </a:r>
+            <a:r>
+              <a:rPr lang="ja-JP" altLang="en-US" sz="2400" dirty="0"/>
+              <a:t>　</a:t>
+            </a:r>
+            <a:r>
+              <a:rPr lang="en-US" altLang="zh-CN" sz="2400" dirty="0"/>
+              <a:t>Bing</a:t>
+            </a:r>
+            <a:endParaRPr kumimoji="1" lang="en-US" altLang="ja-JP" sz="2400" dirty="0"/>
+          </a:p>
+          <a:p>
+            <a:r>
+              <a:rPr kumimoji="1" lang="en-US" altLang="ja-JP" sz="2000" dirty="0"/>
+              <a:t>Neural network trained on synthetically generated crystals can extract structural information from ICSD powder X-ray diffractograms</a:t>
+            </a:r>
+          </a:p>
+          <a:p>
+            <a:r>
+              <a:rPr lang="en-US" altLang="ja-JP" sz="2000" dirty="0"/>
+              <a:t>H. </a:t>
+            </a:r>
+            <a:r>
+              <a:rPr lang="en-US" altLang="ja-JP" sz="2000" dirty="0" err="1"/>
+              <a:t>Schopmans</a:t>
+            </a:r>
+            <a:r>
+              <a:rPr lang="en-US" altLang="ja-JP" sz="2000" dirty="0"/>
+              <a:t>, P. Reiser, P. </a:t>
+            </a:r>
+            <a:r>
+              <a:rPr lang="en-US" altLang="ja-JP" sz="2000" dirty="0" err="1"/>
+              <a:t>Friederich</a:t>
+            </a:r>
+            <a:r>
+              <a:rPr lang="en-US" altLang="ja-JP" sz="2000" dirty="0"/>
+              <a:t>, arXiv:2303.11699</a:t>
+            </a:r>
+            <a:endParaRPr kumimoji="1" lang="en-US" altLang="ja-JP" sz="2000" dirty="0"/>
+          </a:p>
+        </p:txBody>
+      </p:sp>
+    </p:spTree>
+    <p:extLst>
+      <p:ext uri="{BB962C8B-B14F-4D97-AF65-F5344CB8AC3E}">
+        <p14:creationId xmlns:p14="http://schemas.microsoft.com/office/powerpoint/2010/main" val="3399486629"/>
+      </p:ext>
+    </p:extLst>
+  </p:cSld>
+  <p:clrMapOvr>
+    <a:masterClrMapping/>
+  </p:clrMapOvr>
+  <p:transition spd="slow">
+    <p:push/>
+  </p:transition>
+</p:sld>
+</file>
+
+<file path=ppt/slides/slide8.xml><?xml version="1.0" encoding="utf-8"?>
+<p:sld xmlns:a="http://schemas.openxmlformats.org/drawingml/2006/main" xmlns:r="http://schemas.openxmlformats.org/officeDocument/2006/relationships" xmlns:p="http://schemas.openxmlformats.org/presentationml/2006/main">
+  <p:cSld>
+    <p:spTree>
+      <p:nvGrpSpPr>
+        <p:cNvPr id="1" name=""/>
+        <p:cNvGrpSpPr/>
+        <p:nvPr/>
+      </p:nvGrpSpPr>
+      <p:grpSpPr>
+        <a:xfrm>
+          <a:off x="0" y="0"/>
+          <a:ext cx="0" cy="0"/>
+          <a:chOff x="0" y="0"/>
+          <a:chExt cx="0" cy="0"/>
+        </a:xfrm>
+      </p:grpSpPr>
+      <p:sp>
+        <p:nvSpPr>
+          <p:cNvPr id="2" name="タイトル 1"/>
+          <p:cNvSpPr>
+            <a:spLocks noGrp="1"/>
+          </p:cNvSpPr>
+          <p:nvPr>
+            <p:ph type="title"/>
+          </p:nvPr>
+        </p:nvSpPr>
+        <p:spPr/>
+        <p:txBody>
+          <a:bodyPr>
+            <a:normAutofit/>
+          </a:bodyPr>
+          <a:lstStyle/>
+          <a:p>
+            <a:r>
+              <a:rPr kumimoji="1" lang="ja-JP" altLang="en-US" sz="3600" dirty="0"/>
+              <a:t>概要</a:t>
+            </a:r>
+          </a:p>
+        </p:txBody>
+      </p:sp>
+      <p:sp>
+        <p:nvSpPr>
+          <p:cNvPr id="3" name="コンテンツ プレースホルダー 2"/>
+          <p:cNvSpPr>
+            <a:spLocks noGrp="1"/>
+          </p:cNvSpPr>
+          <p:nvPr>
+            <p:ph idx="1"/>
+          </p:nvPr>
+        </p:nvSpPr>
+        <p:spPr>
+          <a:xfrm>
+            <a:off x="509016" y="1028700"/>
+            <a:ext cx="11506200" cy="5230367"/>
+          </a:xfrm>
+        </p:spPr>
+        <p:txBody>
+          <a:bodyPr>
+            <a:normAutofit/>
+          </a:bodyPr>
+          <a:lstStyle/>
+          <a:p>
+            <a:pPr marL="0" indent="0">
+              <a:buNone/>
+            </a:pPr>
+            <a:r>
+              <a:rPr lang="en-US" altLang="ja-JP" sz="2000" dirty="0">
+                <a:solidFill>
+                  <a:schemeClr val="tx2"/>
+                </a:solidFill>
+              </a:rPr>
+              <a:t>‣</a:t>
+            </a:r>
+            <a:r>
+              <a:rPr lang="ja-JP" altLang="en-US" sz="2000" dirty="0">
+                <a:solidFill>
+                  <a:schemeClr val="tx2"/>
+                </a:solidFill>
+              </a:rPr>
+              <a:t>機械学習を用いた粉末</a:t>
+            </a:r>
+            <a:r>
+              <a:rPr lang="en-US" altLang="ja-JP" sz="2000" dirty="0">
+                <a:solidFill>
+                  <a:schemeClr val="tx2"/>
+                </a:solidFill>
+              </a:rPr>
+              <a:t>XRD</a:t>
+            </a:r>
+            <a:r>
+              <a:rPr lang="ja-JP" altLang="en-US" sz="2000" dirty="0">
+                <a:solidFill>
+                  <a:schemeClr val="tx2"/>
+                </a:solidFill>
+              </a:rPr>
+              <a:t>プロファイルフィッティング⇒結晶構造</a:t>
+            </a:r>
+            <a:endParaRPr lang="en-US" altLang="ja-JP" sz="2000" dirty="0">
+              <a:solidFill>
+                <a:schemeClr val="tx2"/>
+              </a:solidFill>
+            </a:endParaRPr>
+          </a:p>
+          <a:p>
+            <a:pPr marL="0" indent="0">
+              <a:spcBef>
+                <a:spcPts val="1800"/>
+              </a:spcBef>
+              <a:buNone/>
+            </a:pPr>
+            <a:r>
+              <a:rPr lang="ja-JP" altLang="en-US" sz="2000" dirty="0">
+                <a:solidFill>
+                  <a:schemeClr val="tx2"/>
+                </a:solidFill>
+              </a:rPr>
+              <a:t>　</a:t>
+            </a:r>
+            <a:r>
+              <a:rPr lang="en-US" altLang="ja-JP" sz="2000" dirty="0">
+                <a:solidFill>
+                  <a:schemeClr val="tx2"/>
+                </a:solidFill>
+              </a:rPr>
+              <a:t>‣</a:t>
+            </a:r>
+            <a:r>
+              <a:rPr lang="ja-JP" altLang="en-US" sz="2000" dirty="0">
+                <a:solidFill>
+                  <a:schemeClr val="tx2"/>
+                </a:solidFill>
+              </a:rPr>
+              <a:t>目的：</a:t>
+            </a:r>
+            <a:r>
+              <a:rPr lang="en-US" altLang="ja-JP" sz="2000" dirty="0">
+                <a:solidFill>
+                  <a:schemeClr val="tx2"/>
+                </a:solidFill>
+              </a:rPr>
+              <a:t>predict atomic structures directly from X-ray</a:t>
+            </a:r>
+            <a:r>
+              <a:rPr lang="ja-JP" altLang="en-US" sz="2000" dirty="0">
+                <a:solidFill>
+                  <a:schemeClr val="tx2"/>
+                </a:solidFill>
+              </a:rPr>
+              <a:t> </a:t>
+            </a:r>
+            <a:r>
+              <a:rPr lang="en-US" altLang="ja-JP" sz="2000" dirty="0">
+                <a:solidFill>
+                  <a:schemeClr val="tx2"/>
+                </a:solidFill>
+              </a:rPr>
+              <a:t>diffraction (XRD) patterns.</a:t>
+            </a:r>
+          </a:p>
+          <a:p>
+            <a:pPr marL="0" indent="0">
+              <a:spcBef>
+                <a:spcPts val="1800"/>
+              </a:spcBef>
+              <a:buNone/>
+            </a:pPr>
+            <a:r>
+              <a:rPr lang="ja-JP" altLang="en-US" sz="2000" dirty="0">
+                <a:solidFill>
+                  <a:schemeClr val="tx2"/>
+                </a:solidFill>
+              </a:rPr>
+              <a:t>　</a:t>
+            </a:r>
+            <a:r>
+              <a:rPr lang="en-US" altLang="ja-JP" sz="2000" dirty="0">
+                <a:solidFill>
+                  <a:schemeClr val="tx2"/>
+                </a:solidFill>
+              </a:rPr>
+              <a:t>‣</a:t>
+            </a:r>
+            <a:r>
+              <a:rPr lang="ja-JP" altLang="en-US" sz="2000" dirty="0">
+                <a:solidFill>
+                  <a:schemeClr val="tx2"/>
+                </a:solidFill>
+              </a:rPr>
+              <a:t>従来研究：</a:t>
+            </a:r>
+            <a:r>
+              <a:rPr lang="en-US" altLang="ja-JP" sz="2000" dirty="0">
+                <a:solidFill>
+                  <a:schemeClr val="tx2"/>
+                </a:solidFill>
+              </a:rPr>
+              <a:t>CNN</a:t>
+            </a:r>
+            <a:r>
+              <a:rPr lang="ja-JP" altLang="en-US" sz="2000" dirty="0">
+                <a:solidFill>
+                  <a:schemeClr val="tx2"/>
+                </a:solidFill>
+              </a:rPr>
+              <a:t>、</a:t>
+            </a:r>
+            <a:r>
+              <a:rPr lang="en-US" altLang="ja-JP" sz="2000" dirty="0">
+                <a:solidFill>
+                  <a:schemeClr val="tx2"/>
+                </a:solidFill>
+              </a:rPr>
+              <a:t>VAE</a:t>
+            </a:r>
+            <a:r>
+              <a:rPr lang="ja-JP" altLang="en-US" sz="2000" dirty="0">
+                <a:solidFill>
+                  <a:schemeClr val="tx2"/>
+                </a:solidFill>
+              </a:rPr>
+              <a:t>、</a:t>
+            </a:r>
+            <a:r>
+              <a:rPr lang="en-US" altLang="ja-JP" sz="2000" dirty="0">
+                <a:solidFill>
+                  <a:schemeClr val="tx2"/>
+                </a:solidFill>
+              </a:rPr>
+              <a:t>GANS</a:t>
+            </a:r>
+            <a:r>
+              <a:rPr lang="ja-JP" altLang="en-US" sz="2000" dirty="0">
+                <a:solidFill>
+                  <a:schemeClr val="tx2"/>
+                </a:solidFill>
+              </a:rPr>
+              <a:t>などを用いた空間群決定、結晶構造生成⇒簡単な結晶構造だけできる</a:t>
+            </a:r>
+            <a:endParaRPr lang="en-US" altLang="ja-JP" sz="2000" dirty="0">
+              <a:solidFill>
+                <a:schemeClr val="tx2"/>
+              </a:solidFill>
+            </a:endParaRPr>
+          </a:p>
+          <a:p>
+            <a:pPr marL="0" indent="0">
+              <a:spcBef>
+                <a:spcPts val="1800"/>
+              </a:spcBef>
+              <a:buNone/>
+            </a:pPr>
+            <a:r>
+              <a:rPr lang="ja-JP" altLang="en-US" sz="2000" dirty="0">
+                <a:solidFill>
+                  <a:schemeClr val="tx2"/>
+                </a:solidFill>
+              </a:rPr>
+              <a:t>　</a:t>
+            </a:r>
+            <a:r>
+              <a:rPr lang="en-US" altLang="ja-JP" sz="2000" dirty="0">
+                <a:solidFill>
+                  <a:schemeClr val="tx2"/>
+                </a:solidFill>
+              </a:rPr>
+              <a:t>‣</a:t>
+            </a:r>
+            <a:r>
+              <a:rPr lang="ja-JP" altLang="en-US" sz="2000" dirty="0">
+                <a:solidFill>
+                  <a:schemeClr val="tx2"/>
+                </a:solidFill>
+              </a:rPr>
+              <a:t>提案方法</a:t>
+            </a:r>
+            <a:r>
+              <a:rPr lang="ja-JP" altLang="en-US" sz="2000" dirty="0">
+                <a:solidFill>
+                  <a:schemeClr val="tx2"/>
+                </a:solidFill>
+                <a:sym typeface="Wingdings" panose="05000000000000000000" pitchFamily="2" charset="2"/>
+              </a:rPr>
+              <a:t>：</a:t>
+            </a:r>
+            <a:r>
+              <a:rPr lang="en-US" altLang="ja-JP" sz="2000" dirty="0">
+                <a:solidFill>
+                  <a:schemeClr val="tx2"/>
+                </a:solidFill>
+                <a:sym typeface="Wingdings" panose="05000000000000000000" pitchFamily="2" charset="2"/>
+              </a:rPr>
+              <a:t>GPT</a:t>
+            </a:r>
+            <a:r>
+              <a:rPr lang="ja-JP" altLang="en-US" sz="2000" dirty="0">
+                <a:solidFill>
+                  <a:schemeClr val="tx2"/>
+                </a:solidFill>
+                <a:sym typeface="Wingdings" panose="05000000000000000000" pitchFamily="2" charset="2"/>
+              </a:rPr>
+              <a:t>のような、</a:t>
+            </a:r>
+            <a:r>
+              <a:rPr lang="en-US" altLang="ja-JP" sz="2000" dirty="0">
+                <a:solidFill>
+                  <a:schemeClr val="tx2"/>
+                </a:solidFill>
+                <a:sym typeface="Wingdings" panose="05000000000000000000" pitchFamily="2" charset="2"/>
+              </a:rPr>
+              <a:t>XRD</a:t>
+            </a:r>
+            <a:r>
+              <a:rPr lang="ja-JP" altLang="en-US" sz="2000" dirty="0">
+                <a:solidFill>
+                  <a:schemeClr val="tx2"/>
+                </a:solidFill>
+                <a:sym typeface="Wingdings" panose="05000000000000000000" pitchFamily="2" charset="2"/>
+              </a:rPr>
+              <a:t>プロファイル情報を</a:t>
+            </a:r>
+            <a:r>
+              <a:rPr lang="en-US" altLang="ja-JP" sz="2000" dirty="0">
+                <a:solidFill>
+                  <a:schemeClr val="tx2"/>
+                </a:solidFill>
+                <a:sym typeface="Wingdings" panose="05000000000000000000" pitchFamily="2" charset="2"/>
+              </a:rPr>
+              <a:t>Token</a:t>
+            </a:r>
+            <a:r>
+              <a:rPr lang="ja-JP" altLang="en-US" sz="2000" dirty="0">
+                <a:solidFill>
+                  <a:schemeClr val="tx2"/>
+                </a:solidFill>
+                <a:sym typeface="Wingdings" panose="05000000000000000000" pitchFamily="2" charset="2"/>
+              </a:rPr>
+              <a:t>に見なし、</a:t>
+            </a:r>
+            <a:endParaRPr lang="en-US" altLang="ja-JP" sz="2000" dirty="0">
+              <a:solidFill>
+                <a:schemeClr val="tx2"/>
+              </a:solidFill>
+            </a:endParaRPr>
+          </a:p>
+          <a:p>
+            <a:pPr marL="0" indent="0">
+              <a:buNone/>
+            </a:pPr>
+            <a:r>
+              <a:rPr lang="ja-JP" altLang="en-US" sz="2000" dirty="0">
+                <a:solidFill>
+                  <a:schemeClr val="tx2"/>
+                </a:solidFill>
+              </a:rPr>
+              <a:t>　</a:t>
+            </a:r>
+            <a:endParaRPr lang="en-US" altLang="ja-JP" sz="2000" dirty="0">
+              <a:solidFill>
+                <a:schemeClr val="tx2"/>
+              </a:solidFill>
+            </a:endParaRPr>
+          </a:p>
+        </p:txBody>
+      </p:sp>
+      <p:sp>
+        <p:nvSpPr>
+          <p:cNvPr id="4" name="スライド番号プレースホルダー 3"/>
+          <p:cNvSpPr>
+            <a:spLocks noGrp="1"/>
+          </p:cNvSpPr>
+          <p:nvPr>
+            <p:ph type="sldNum" sz="quarter" idx="12"/>
+          </p:nvPr>
+        </p:nvSpPr>
+        <p:spPr/>
+        <p:txBody>
+          <a:bodyPr/>
+          <a:lstStyle/>
+          <a:p>
+            <a:pPr marL="0" marR="0" lvl="0" indent="0" algn="ctr" defTabSz="914400" rtl="0" eaLnBrk="1" fontAlgn="auto" latinLnBrk="0" hangingPunct="1">
+              <a:lnSpc>
+                <a:spcPct val="100000"/>
+              </a:lnSpc>
+              <a:spcBef>
+                <a:spcPts val="0"/>
+              </a:spcBef>
+              <a:spcAft>
+                <a:spcPts val="0"/>
+              </a:spcAft>
+              <a:buClrTx/>
+              <a:buSzTx/>
+              <a:buFontTx/>
+              <a:buNone/>
+              <a:tabLst/>
+              <a:defRPr/>
+            </a:pPr>
+            <a:fld id="{D44D3F4E-7F9B-4AD4-ADA0-3F21E9F7E4F4}" type="slidenum">
+              <a:rPr kumimoji="0" lang="en-US" sz="800" b="0" i="0" u="none" strike="noStrike" kern="1200" cap="none" spc="0" normalizeH="0" baseline="0" noProof="0" smtClean="0">
+                <a:ln>
+                  <a:noFill/>
+                </a:ln>
+                <a:solidFill>
+                  <a:srgbClr val="FFFFFF"/>
+                </a:solidFill>
+                <a:effectLst/>
+                <a:uLnTx/>
+                <a:uFillTx/>
+                <a:latin typeface="Segoe UI Semilight"/>
+                <a:ea typeface="メイリオ"/>
+                <a:cs typeface="+mn-cs"/>
+              </a:rPr>
+              <a:pPr marL="0" marR="0" lvl="0" indent="0" algn="ctr" defTabSz="914400" rtl="0" eaLnBrk="1" fontAlgn="auto" latinLnBrk="0" hangingPunct="1">
+                <a:lnSpc>
+                  <a:spcPct val="100000"/>
+                </a:lnSpc>
+                <a:spcBef>
+                  <a:spcPts val="0"/>
+                </a:spcBef>
+                <a:spcAft>
+                  <a:spcPts val="0"/>
+                </a:spcAft>
+                <a:buClrTx/>
+                <a:buSzTx/>
+                <a:buFontTx/>
+                <a:buNone/>
+                <a:tabLst/>
+                <a:defRPr/>
+              </a:pPr>
+              <a:t>8</a:t>
+            </a:fld>
+            <a:endParaRPr kumimoji="0" lang="en-US" sz="800" b="0" i="0" u="none" strike="noStrike" kern="1200" cap="none" spc="0" normalizeH="0" baseline="0" noProof="0">
+              <a:ln>
+                <a:noFill/>
+              </a:ln>
+              <a:solidFill>
+                <a:srgbClr val="FFFFFF"/>
+              </a:solidFill>
+              <a:effectLst/>
+              <a:uLnTx/>
+              <a:uFillTx/>
+              <a:latin typeface="Segoe UI Semilight"/>
+              <a:ea typeface="メイリオ"/>
+              <a:cs typeface="+mn-cs"/>
+            </a:endParaRPr>
+          </a:p>
+        </p:txBody>
+      </p:sp>
+      <p:sp>
+        <p:nvSpPr>
+          <p:cNvPr id="5" name="フッター プレースホルダー 4"/>
+          <p:cNvSpPr>
+            <a:spLocks noGrp="1"/>
+          </p:cNvSpPr>
+          <p:nvPr>
+            <p:ph type="ftr" sz="quarter" idx="11"/>
+          </p:nvPr>
+        </p:nvSpPr>
+        <p:spPr/>
+        <p:txBody>
+          <a:bodyPr/>
+          <a:lstStyle/>
+          <a:p>
+            <a:pPr>
+              <a:defRPr/>
+            </a:pPr>
+            <a:r>
+              <a:rPr kumimoji="0" lang="en-US">
+                <a:solidFill>
+                  <a:srgbClr val="FFFFFF"/>
+                </a:solidFill>
+              </a:rPr>
+              <a:t>© 2021 Rigaku Corporation. All rights reserved</a:t>
+            </a:r>
+            <a:endParaRPr kumimoji="0" lang="en-US" dirty="0">
+              <a:solidFill>
+                <a:srgbClr val="FFFFFF"/>
+              </a:solidFill>
+            </a:endParaRPr>
+          </a:p>
+        </p:txBody>
+      </p:sp>
+    </p:spTree>
+    <p:extLst>
+      <p:ext uri="{BB962C8B-B14F-4D97-AF65-F5344CB8AC3E}">
+        <p14:creationId xmlns:p14="http://schemas.microsoft.com/office/powerpoint/2010/main" val="3593733492"/>
+      </p:ext>
+    </p:extLst>
+  </p:cSld>
+  <p:clrMapOvr>
+    <a:masterClrMapping/>
+  </p:clrMapOvr>
+  <p:transition spd="slow">
+    <p:push/>
+  </p:transition>
+</p:sld>
+</file>
+
+<file path=ppt/slides/slide9.xml><?xml version="1.0" encoding="utf-8"?>
+<p:sld xmlns:a="http://schemas.openxmlformats.org/drawingml/2006/main" xmlns:r="http://schemas.openxmlformats.org/officeDocument/2006/relationships" xmlns:p="http://schemas.openxmlformats.org/presentationml/2006/main">
+  <p:cSld>
+    <p:spTree>
+      <p:nvGrpSpPr>
+        <p:cNvPr id="1" name=""/>
+        <p:cNvGrpSpPr/>
+        <p:nvPr/>
+      </p:nvGrpSpPr>
+      <p:grpSpPr>
+        <a:xfrm>
+          <a:off x="0" y="0"/>
+          <a:ext cx="0" cy="0"/>
+          <a:chOff x="0" y="0"/>
+          <a:chExt cx="0" cy="0"/>
+        </a:xfrm>
+      </p:grpSpPr>
+      <p:sp>
+        <p:nvSpPr>
+          <p:cNvPr id="2" name="Title 1">
+            <a:extLst>
+              <a:ext uri="{FF2B5EF4-FFF2-40B4-BE49-F238E27FC236}">
+                <a16:creationId xmlns:a16="http://schemas.microsoft.com/office/drawing/2014/main" id="{C31462EC-FABF-47D8-2963-EE11A6C98EC2}"/>
+              </a:ext>
+            </a:extLst>
+          </p:cNvPr>
+          <p:cNvSpPr>
+            <a:spLocks noGrp="1"/>
+          </p:cNvSpPr>
+          <p:nvPr>
+            <p:ph type="title"/>
+          </p:nvPr>
+        </p:nvSpPr>
+        <p:spPr/>
+        <p:txBody>
+          <a:bodyPr>
+            <a:normAutofit fontScale="90000"/>
+          </a:bodyPr>
+          <a:lstStyle/>
+          <a:p>
+            <a:endParaRPr kumimoji="1" lang="ja-JP" altLang="en-US"/>
+          </a:p>
+        </p:txBody>
+      </p:sp>
+      <p:sp>
+        <p:nvSpPr>
+          <p:cNvPr id="3" name="Content Placeholder 2">
+            <a:extLst>
+              <a:ext uri="{FF2B5EF4-FFF2-40B4-BE49-F238E27FC236}">
+                <a16:creationId xmlns:a16="http://schemas.microsoft.com/office/drawing/2014/main" id="{A3FD2210-C4F7-8118-609C-8B4FF19F91E1}"/>
+              </a:ext>
+            </a:extLst>
+          </p:cNvPr>
+          <p:cNvSpPr>
+            <a:spLocks noGrp="1"/>
+          </p:cNvSpPr>
+          <p:nvPr>
+            <p:ph idx="1"/>
+          </p:nvPr>
+        </p:nvSpPr>
+        <p:spPr/>
+        <p:txBody>
+          <a:bodyPr/>
+          <a:lstStyle/>
+          <a:p>
+            <a:endParaRPr kumimoji="1" lang="ja-JP" altLang="en-US"/>
+          </a:p>
+        </p:txBody>
+      </p:sp>
+      <p:sp>
+        <p:nvSpPr>
+          <p:cNvPr id="4" name="Slide Number Placeholder 3">
+            <a:extLst>
+              <a:ext uri="{FF2B5EF4-FFF2-40B4-BE49-F238E27FC236}">
+                <a16:creationId xmlns:a16="http://schemas.microsoft.com/office/drawing/2014/main" id="{2FCF2B0D-39B7-2D72-9315-AECE8154D7DD}"/>
+              </a:ext>
+            </a:extLst>
+          </p:cNvPr>
+          <p:cNvSpPr>
+            <a:spLocks noGrp="1"/>
+          </p:cNvSpPr>
+          <p:nvPr>
+            <p:ph type="sldNum" sz="quarter" idx="12"/>
+          </p:nvPr>
+        </p:nvSpPr>
+        <p:spPr/>
+        <p:txBody>
+          <a:bodyPr/>
+          <a:lstStyle/>
+          <a:p>
+            <a:pPr marL="0" marR="0" lvl="0" indent="0" algn="ctr" defTabSz="914400" rtl="0" eaLnBrk="1" fontAlgn="auto" latinLnBrk="0" hangingPunct="1">
+              <a:lnSpc>
+                <a:spcPct val="100000"/>
+              </a:lnSpc>
+              <a:spcBef>
+                <a:spcPts val="0"/>
+              </a:spcBef>
+              <a:spcAft>
+                <a:spcPts val="0"/>
+              </a:spcAft>
+              <a:buClrTx/>
+              <a:buSzTx/>
+              <a:buFontTx/>
+              <a:buNone/>
+              <a:tabLst/>
+              <a:defRPr/>
+            </a:pPr>
+            <a:fld id="{D44D3F4E-7F9B-4AD4-ADA0-3F21E9F7E4F4}" type="slidenum">
+              <a:rPr kumimoji="0" lang="en-US" sz="800" b="0" i="0" u="none" strike="noStrike" kern="1200" cap="none" spc="0" normalizeH="0" baseline="0" noProof="0" smtClean="0">
+                <a:ln>
+                  <a:noFill/>
+                </a:ln>
+                <a:solidFill>
+                  <a:srgbClr val="FFFFFF"/>
+                </a:solidFill>
+                <a:effectLst/>
+                <a:uLnTx/>
+                <a:uFillTx/>
+                <a:latin typeface="Segoe UI Semilight"/>
+                <a:ea typeface="メイリオ"/>
+                <a:cs typeface="+mn-cs"/>
+              </a:rPr>
+              <a:pPr marL="0" marR="0" lvl="0" indent="0" algn="ctr" defTabSz="914400" rtl="0" eaLnBrk="1" fontAlgn="auto" latinLnBrk="0" hangingPunct="1">
+                <a:lnSpc>
+                  <a:spcPct val="100000"/>
+                </a:lnSpc>
+                <a:spcBef>
+                  <a:spcPts val="0"/>
+                </a:spcBef>
+                <a:spcAft>
+                  <a:spcPts val="0"/>
+                </a:spcAft>
+                <a:buClrTx/>
+                <a:buSzTx/>
+                <a:buFontTx/>
+                <a:buNone/>
+                <a:tabLst/>
+                <a:defRPr/>
+              </a:pPr>
+              <a:t>9</a:t>
+            </a:fld>
+            <a:endParaRPr kumimoji="0" lang="en-US" sz="800" b="0" i="0" u="none" strike="noStrike" kern="1200" cap="none" spc="0" normalizeH="0" baseline="0" noProof="0">
+              <a:ln>
+                <a:noFill/>
+              </a:ln>
+              <a:solidFill>
+                <a:srgbClr val="FFFFFF"/>
+              </a:solidFill>
+              <a:effectLst/>
+              <a:uLnTx/>
+              <a:uFillTx/>
+              <a:latin typeface="Segoe UI Semilight"/>
+              <a:ea typeface="メイリオ"/>
+              <a:cs typeface="+mn-cs"/>
+            </a:endParaRPr>
+          </a:p>
+        </p:txBody>
+      </p:sp>
+      <p:sp>
+        <p:nvSpPr>
+          <p:cNvPr id="5" name="Footer Placeholder 4">
+            <a:extLst>
+              <a:ext uri="{FF2B5EF4-FFF2-40B4-BE49-F238E27FC236}">
+                <a16:creationId xmlns:a16="http://schemas.microsoft.com/office/drawing/2014/main" id="{FE5D95AB-D331-312B-A481-AFF799E49BEC}"/>
+              </a:ext>
+            </a:extLst>
+          </p:cNvPr>
+          <p:cNvSpPr>
+            <a:spLocks noGrp="1"/>
+          </p:cNvSpPr>
+          <p:nvPr>
+            <p:ph type="ftr" sz="quarter" idx="11"/>
+          </p:nvPr>
+        </p:nvSpPr>
+        <p:spPr/>
+        <p:txBody>
+          <a:bodyPr/>
+          <a:lstStyle/>
+          <a:p>
+            <a:pPr>
+              <a:defRPr/>
+            </a:pPr>
+            <a:r>
+              <a:rPr kumimoji="0" lang="en-US">
+                <a:solidFill>
+                  <a:srgbClr val="FFFFFF"/>
+                </a:solidFill>
+              </a:rPr>
+              <a:t>© 2021 Rigaku Corporation. All rights reserved</a:t>
+            </a:r>
+            <a:endParaRPr kumimoji="0" lang="en-US" dirty="0">
+              <a:solidFill>
+                <a:srgbClr val="FFFFFF"/>
+              </a:solidFill>
+            </a:endParaRPr>
+          </a:p>
+        </p:txBody>
+      </p:sp>
+      <p:sp>
+        <p:nvSpPr>
+          <p:cNvPr id="6" name="Text Placeholder 5">
+            <a:extLst>
+              <a:ext uri="{FF2B5EF4-FFF2-40B4-BE49-F238E27FC236}">
+                <a16:creationId xmlns:a16="http://schemas.microsoft.com/office/drawing/2014/main" id="{F9B25776-CCE4-4961-2466-E7D22BECBC0A}"/>
+              </a:ext>
+            </a:extLst>
+          </p:cNvPr>
+          <p:cNvSpPr>
+            <a:spLocks noGrp="1"/>
+          </p:cNvSpPr>
+          <p:nvPr>
+            <p:ph type="body" idx="13"/>
+          </p:nvPr>
+        </p:nvSpPr>
+        <p:spPr/>
+        <p:txBody>
+          <a:bodyPr>
+            <a:normAutofit fontScale="85000" lnSpcReduction="10000"/>
+          </a:bodyPr>
+          <a:lstStyle/>
+          <a:p>
+            <a:endParaRPr kumimoji="1" lang="ja-JP" altLang="en-US"/>
+          </a:p>
+        </p:txBody>
+      </p:sp>
+    </p:spTree>
+    <p:extLst>
+      <p:ext uri="{BB962C8B-B14F-4D97-AF65-F5344CB8AC3E}">
+        <p14:creationId xmlns:p14="http://schemas.microsoft.com/office/powerpoint/2010/main" val="1089024347"/>
       </p:ext>
     </p:extLst>
   </p:cSld>
